--- a/presentations/tree_models/Tree_models.pptx
+++ b/presentations/tree_models/Tree_models.pptx
@@ -5040,15 +5040,7 @@
           <a:p>
             <a:r>
               <a:rPr lang="en-US" dirty="0" smtClean="0"/>
-              <a:t>Variable </a:t>
-            </a:r>
-            <a:r>
-              <a:rPr lang="en-US" dirty="0" smtClean="0"/>
-              <a:t>Importance: </a:t>
-            </a:r>
-            <a:r>
-              <a:rPr lang="en-US" dirty="0" smtClean="0"/>
-              <a:t>Regression</a:t>
+              <a:t>Variable Importance: Regression</a:t>
             </a:r>
             <a:endParaRPr lang="en-US" dirty="0"/>
           </a:p>
@@ -10248,7 +10240,12 @@
             <p:ph idx="1"/>
           </p:nvPr>
         </p:nvSpPr>
-        <p:spPr/>
+        <p:spPr>
+          <a:xfrm>
+            <a:off x="946404" y="1973263"/>
+            <a:ext cx="6446520" cy="4351337"/>
+          </a:xfrm>
+        </p:spPr>
         <p:txBody>
           <a:bodyPr>
             <a:normAutofit fontScale="92500" lnSpcReduction="20000"/>

--- a/presentations/tree_models/Tree_models.pptx
+++ b/presentations/tree_models/Tree_models.pptx
@@ -5,7 +5,7 @@
     <p:sldMasterId id="2147483684" r:id="rId1"/>
   </p:sldMasterIdLst>
   <p:notesMasterIdLst>
-    <p:notesMasterId r:id="rId25"/>
+    <p:notesMasterId r:id="rId27"/>
   </p:notesMasterIdLst>
   <p:sldIdLst>
     <p:sldId id="256" r:id="rId2"/>
@@ -14,23 +14,25 @@
     <p:sldId id="290" r:id="rId5"/>
     <p:sldId id="289" r:id="rId6"/>
     <p:sldId id="257" r:id="rId7"/>
-    <p:sldId id="259" r:id="rId8"/>
-    <p:sldId id="291" r:id="rId9"/>
-    <p:sldId id="294" r:id="rId10"/>
-    <p:sldId id="258" r:id="rId11"/>
-    <p:sldId id="295" r:id="rId12"/>
-    <p:sldId id="298" r:id="rId13"/>
-    <p:sldId id="284" r:id="rId14"/>
-    <p:sldId id="285" r:id="rId15"/>
-    <p:sldId id="303" r:id="rId16"/>
-    <p:sldId id="307" r:id="rId17"/>
-    <p:sldId id="311" r:id="rId18"/>
-    <p:sldId id="312" r:id="rId19"/>
-    <p:sldId id="296" r:id="rId20"/>
-    <p:sldId id="304" r:id="rId21"/>
-    <p:sldId id="302" r:id="rId22"/>
-    <p:sldId id="300" r:id="rId23"/>
-    <p:sldId id="292" r:id="rId24"/>
+    <p:sldId id="313" r:id="rId8"/>
+    <p:sldId id="314" r:id="rId9"/>
+    <p:sldId id="259" r:id="rId10"/>
+    <p:sldId id="291" r:id="rId11"/>
+    <p:sldId id="294" r:id="rId12"/>
+    <p:sldId id="258" r:id="rId13"/>
+    <p:sldId id="295" r:id="rId14"/>
+    <p:sldId id="298" r:id="rId15"/>
+    <p:sldId id="284" r:id="rId16"/>
+    <p:sldId id="285" r:id="rId17"/>
+    <p:sldId id="303" r:id="rId18"/>
+    <p:sldId id="307" r:id="rId19"/>
+    <p:sldId id="311" r:id="rId20"/>
+    <p:sldId id="312" r:id="rId21"/>
+    <p:sldId id="296" r:id="rId22"/>
+    <p:sldId id="304" r:id="rId23"/>
+    <p:sldId id="302" r:id="rId24"/>
+    <p:sldId id="300" r:id="rId25"/>
+    <p:sldId id="292" r:id="rId26"/>
   </p:sldIdLst>
   <p:sldSz cx="9144000" cy="6858000" type="screen4x3"/>
   <p:notesSz cx="6858000" cy="9144000"/>
@@ -230,7 +232,7 @@
           <a:p>
             <a:fld id="{2793983C-EFA1-41D2-8DCF-4CEF34100D6A}" type="datetimeFigureOut">
               <a:rPr lang="en-US" smtClean="0"/>
-              <a:t>1/20/2016</a:t>
+              <a:t>1/21/2016</a:t>
             </a:fld>
             <a:endParaRPr lang="en-US"/>
           </a:p>
@@ -601,73 +603,21 @@
       </p:grpSpPr>
       <p:sp>
         <p:nvSpPr>
-          <p:cNvPr id="4" name="Rectangle 6"/>
+          <p:cNvPr id="2" name="Slide Image Placeholder 1"/>
           <p:cNvSpPr>
-            <a:spLocks noGrp="1" noChangeArrowheads="1"/>
-          </p:cNvSpPr>
-          <p:nvPr>
-            <p:ph type="ftr" sz="quarter" idx="4"/>
-          </p:nvPr>
-        </p:nvSpPr>
-        <p:spPr>
-          <a:ln/>
-        </p:spPr>
-        <p:txBody>
-          <a:bodyPr/>
-          <a:lstStyle/>
-          <a:p>
-            <a:r>
-              <a:rPr lang="en-US" altLang="en-US"/>
-              <a:t>Copyright 2003  --  Confidential and Proprietary  --  Deloitte &amp; Touche LLP</a:t>
-            </a:r>
-          </a:p>
-        </p:txBody>
-      </p:sp>
-      <p:sp>
-        <p:nvSpPr>
-          <p:cNvPr id="5" name="Rectangle 7"/>
-          <p:cNvSpPr>
-            <a:spLocks noGrp="1" noChangeArrowheads="1"/>
-          </p:cNvSpPr>
-          <p:nvPr>
-            <p:ph type="sldNum" sz="quarter" idx="5"/>
-          </p:nvPr>
-        </p:nvSpPr>
-        <p:spPr>
-          <a:ln/>
-        </p:spPr>
-        <p:txBody>
-          <a:bodyPr/>
-          <a:lstStyle/>
-          <a:p>
-            <a:fld id="{0843FC4E-F6D4-4729-A728-31F813EC1D71}" type="slidenum">
-              <a:rPr lang="en-US" altLang="en-US"/>
-              <a:pPr/>
-              <a:t>7</a:t>
-            </a:fld>
-            <a:endParaRPr lang="en-US" altLang="en-US"/>
-          </a:p>
-        </p:txBody>
-      </p:sp>
-      <p:sp>
-        <p:nvSpPr>
-          <p:cNvPr id="443394" name="Rectangle 2"/>
-          <p:cNvSpPr>
-            <a:spLocks noGrp="1" noRot="1" noChangeAspect="1" noChangeArrowheads="1" noTextEdit="1"/>
+            <a:spLocks noGrp="1" noRot="1" noChangeAspect="1"/>
           </p:cNvSpPr>
           <p:nvPr>
             <p:ph type="sldImg"/>
           </p:nvPr>
         </p:nvSpPr>
-        <p:spPr>
-          <a:ln/>
-        </p:spPr>
-      </p:sp>
-      <p:sp>
-        <p:nvSpPr>
-          <p:cNvPr id="443395" name="Rectangle 3"/>
+        <p:spPr/>
+      </p:sp>
+      <p:sp>
+        <p:nvSpPr>
+          <p:cNvPr id="3" name="Notes Placeholder 2"/>
           <p:cNvSpPr>
-            <a:spLocks noGrp="1" noChangeArrowheads="1"/>
+            <a:spLocks noGrp="1"/>
           </p:cNvSpPr>
           <p:nvPr>
             <p:ph type="body" idx="1"/>
@@ -678,18 +628,74 @@
           <a:bodyPr/>
           <a:lstStyle/>
           <a:p>
-            <a:r>
-              <a:rPr lang="en-US" altLang="en-US" dirty="0" smtClean="0"/>
-              <a:t>Tree grows upside down with root at top</a:t>
-            </a:r>
-            <a:endParaRPr lang="en-US" altLang="en-US" dirty="0"/>
+            <a:pPr marL="0" marR="0" indent="0" algn="l" defTabSz="914400" rtl="0" eaLnBrk="1" fontAlgn="auto" latinLnBrk="0" hangingPunct="1">
+              <a:lnSpc>
+                <a:spcPct val="100000"/>
+              </a:lnSpc>
+              <a:spcBef>
+                <a:spcPts val="0"/>
+              </a:spcBef>
+              <a:spcAft>
+                <a:spcPts val="0"/>
+              </a:spcAft>
+              <a:buClrTx/>
+              <a:buSzTx/>
+              <a:buFontTx/>
+              <a:buNone/>
+              <a:tabLst/>
+              <a:defRPr/>
+            </a:pPr>
+            <a:r>
+              <a:rPr lang="en-US" dirty="0" err="1" smtClean="0"/>
+              <a:t>Rpart</a:t>
+            </a:r>
+            <a:r>
+              <a:rPr lang="en-US" dirty="0" smtClean="0"/>
+              <a:t> Example –</a:t>
+            </a:r>
+            <a:r>
+              <a:rPr lang="en-US" baseline="0" dirty="0" smtClean="0"/>
+              <a:t> </a:t>
+            </a:r>
+            <a:r>
+              <a:rPr lang="en-US" baseline="0" dirty="0" err="1" smtClean="0"/>
+              <a:t>spodic</a:t>
+            </a:r>
+            <a:r>
+              <a:rPr lang="en-US" baseline="0" dirty="0" smtClean="0"/>
+              <a:t> probability (to aid in interpretation). Interpolated random forest model. </a:t>
+            </a:r>
+            <a:endParaRPr lang="en-US" dirty="0"/>
+          </a:p>
+        </p:txBody>
+      </p:sp>
+      <p:sp>
+        <p:nvSpPr>
+          <p:cNvPr id="4" name="Slide Number Placeholder 3"/>
+          <p:cNvSpPr>
+            <a:spLocks noGrp="1"/>
+          </p:cNvSpPr>
+          <p:nvPr>
+            <p:ph type="sldNum" sz="quarter" idx="10"/>
+          </p:nvPr>
+        </p:nvSpPr>
+        <p:spPr/>
+        <p:txBody>
+          <a:bodyPr/>
+          <a:lstStyle/>
+          <a:p>
+            <a:fld id="{CC5A1FCD-79C7-4337-B79E-A51417706FB1}" type="slidenum">
+              <a:rPr lang="en-US" smtClean="0"/>
+              <a:t>7</a:t>
+            </a:fld>
+            <a:endParaRPr lang="en-US"/>
           </a:p>
         </p:txBody>
       </p:sp>
     </p:spTree>
     <p:extLst>
       <p:ext uri="{BB962C8B-B14F-4D97-AF65-F5344CB8AC3E}">
-        <p14:creationId xmlns:p14="http://schemas.microsoft.com/office/powerpoint/2010/main" val="2673713095"/>
+        <p14:creationId xmlns:p14="http://schemas.microsoft.com/office/powerpoint/2010/main" val="2168208693"/>
       </p:ext>
     </p:extLst>
   </p:cSld>
@@ -761,12 +767,91 @@
               <a:defRPr/>
             </a:pPr>
             <a:r>
-              <a:rPr lang="en-US" dirty="0" smtClean="0"/>
-              <a:t>Producer’s accuracy = 100 – omission error = how often are real features</a:t>
+              <a:rPr lang="en-US" baseline="0" dirty="0" err="1" smtClean="0"/>
+              <a:t>Brungard</a:t>
             </a:r>
             <a:r>
               <a:rPr lang="en-US" baseline="0" dirty="0" smtClean="0"/>
-              <a:t> in the field correctly shown on the map?</a:t>
+              <a:t> et al., 2015 compared many different machine learning techniques in 3 semi-arid regions, including </a:t>
+            </a:r>
+            <a:r>
+              <a:rPr lang="en-US" baseline="0" dirty="0" err="1" smtClean="0"/>
+              <a:t>knn</a:t>
+            </a:r>
+            <a:r>
+              <a:rPr lang="en-US" baseline="0" dirty="0" smtClean="0"/>
+              <a:t>, linear discriminant analysis, multinomial logistic regression, classification tree, support vector machines, etc., and found random forest to perform the best for soil taxonomic class prediction. This figure shows the interpolated RF model on the left and confusion index on the right. When presenting interpolated models, it is always best to include an interpolated confusion index to show where the model strengths and weaknesses are. </a:t>
+            </a:r>
+          </a:p>
+          <a:p>
+            <a:pPr marL="0" marR="0" indent="0" algn="l" defTabSz="914400" rtl="0" eaLnBrk="1" fontAlgn="auto" latinLnBrk="0" hangingPunct="1">
+              <a:lnSpc>
+                <a:spcPct val="100000"/>
+              </a:lnSpc>
+              <a:spcBef>
+                <a:spcPts val="0"/>
+              </a:spcBef>
+              <a:spcAft>
+                <a:spcPts val="0"/>
+              </a:spcAft>
+              <a:buClrTx/>
+              <a:buSzTx/>
+              <a:buFontTx/>
+              <a:buNone/>
+              <a:tabLst/>
+              <a:defRPr/>
+            </a:pPr>
+            <a:endParaRPr lang="en-US" baseline="0" dirty="0" smtClean="0"/>
+          </a:p>
+          <a:p>
+            <a:pPr marL="0" marR="0" indent="0" algn="l" defTabSz="914400" rtl="0" eaLnBrk="1" fontAlgn="auto" latinLnBrk="0" hangingPunct="1">
+              <a:lnSpc>
+                <a:spcPct val="100000"/>
+              </a:lnSpc>
+              <a:spcBef>
+                <a:spcPts val="0"/>
+              </a:spcBef>
+              <a:spcAft>
+                <a:spcPts val="0"/>
+              </a:spcAft>
+              <a:buClrTx/>
+              <a:buSzTx/>
+              <a:buFontTx/>
+              <a:buNone/>
+              <a:tabLst/>
+              <a:defRPr/>
+            </a:pPr>
+            <a:endParaRPr lang="en-US" baseline="0" dirty="0" smtClean="0"/>
+          </a:p>
+          <a:p>
+            <a:pPr marL="0" marR="0" indent="0" algn="l" defTabSz="914400" rtl="0" eaLnBrk="1" fontAlgn="auto" latinLnBrk="0" hangingPunct="1">
+              <a:lnSpc>
+                <a:spcPct val="100000"/>
+              </a:lnSpc>
+              <a:spcBef>
+                <a:spcPts val="0"/>
+              </a:spcBef>
+              <a:spcAft>
+                <a:spcPts val="0"/>
+              </a:spcAft>
+              <a:buClrTx/>
+              <a:buSzTx/>
+              <a:buFontTx/>
+              <a:buNone/>
+              <a:tabLst/>
+              <a:defRPr/>
+            </a:pPr>
+            <a:r>
+              <a:rPr lang="en-US" baseline="0" dirty="0" smtClean="0"/>
+              <a:t>Sequeira et al., 2014 and Yoast, 2015 successfully used RF as a </a:t>
+            </a:r>
+            <a:r>
+              <a:rPr lang="en-US" baseline="0" dirty="0" err="1" smtClean="0"/>
+              <a:t>pedotransfer</a:t>
+            </a:r>
+            <a:r>
+              <a:rPr lang="en-US" baseline="0" dirty="0" smtClean="0"/>
+              <a:t> function to populate missing bulk density and carbon data. </a:t>
             </a:r>
             <a:endParaRPr lang="en-US" dirty="0" smtClean="0"/>
           </a:p>
@@ -792,7 +877,7 @@
           <a:p>
             <a:fld id="{CC5A1FCD-79C7-4337-B79E-A51417706FB1}" type="slidenum">
               <a:rPr lang="en-US" smtClean="0"/>
-              <a:t>16</a:t>
+              <a:t>8</a:t>
             </a:fld>
             <a:endParaRPr lang="en-US"/>
           </a:p>
@@ -801,7 +886,7 @@
     </p:spTree>
     <p:extLst>
       <p:ext uri="{BB962C8B-B14F-4D97-AF65-F5344CB8AC3E}">
-        <p14:creationId xmlns:p14="http://schemas.microsoft.com/office/powerpoint/2010/main" val="3699961861"/>
+        <p14:creationId xmlns:p14="http://schemas.microsoft.com/office/powerpoint/2010/main" val="620660365"/>
       </p:ext>
     </p:extLst>
   </p:cSld>
@@ -830,21 +915,73 @@
       </p:grpSpPr>
       <p:sp>
         <p:nvSpPr>
-          <p:cNvPr id="2" name="Slide Image Placeholder 1"/>
+          <p:cNvPr id="4" name="Rectangle 6"/>
           <p:cNvSpPr>
-            <a:spLocks noGrp="1" noRot="1" noChangeAspect="1"/>
+            <a:spLocks noGrp="1" noChangeArrowheads="1"/>
+          </p:cNvSpPr>
+          <p:nvPr>
+            <p:ph type="ftr" sz="quarter" idx="4"/>
+          </p:nvPr>
+        </p:nvSpPr>
+        <p:spPr>
+          <a:ln/>
+        </p:spPr>
+        <p:txBody>
+          <a:bodyPr/>
+          <a:lstStyle/>
+          <a:p>
+            <a:r>
+              <a:rPr lang="en-US" altLang="en-US"/>
+              <a:t>Copyright 2003  --  Confidential and Proprietary  --  Deloitte &amp; Touche LLP</a:t>
+            </a:r>
+          </a:p>
+        </p:txBody>
+      </p:sp>
+      <p:sp>
+        <p:nvSpPr>
+          <p:cNvPr id="5" name="Rectangle 7"/>
+          <p:cNvSpPr>
+            <a:spLocks noGrp="1" noChangeArrowheads="1"/>
+          </p:cNvSpPr>
+          <p:nvPr>
+            <p:ph type="sldNum" sz="quarter" idx="5"/>
+          </p:nvPr>
+        </p:nvSpPr>
+        <p:spPr>
+          <a:ln/>
+        </p:spPr>
+        <p:txBody>
+          <a:bodyPr/>
+          <a:lstStyle/>
+          <a:p>
+            <a:fld id="{0843FC4E-F6D4-4729-A728-31F813EC1D71}" type="slidenum">
+              <a:rPr lang="en-US" altLang="en-US"/>
+              <a:pPr/>
+              <a:t>9</a:t>
+            </a:fld>
+            <a:endParaRPr lang="en-US" altLang="en-US"/>
+          </a:p>
+        </p:txBody>
+      </p:sp>
+      <p:sp>
+        <p:nvSpPr>
+          <p:cNvPr id="443394" name="Rectangle 2"/>
+          <p:cNvSpPr>
+            <a:spLocks noGrp="1" noRot="1" noChangeAspect="1" noChangeArrowheads="1" noTextEdit="1"/>
           </p:cNvSpPr>
           <p:nvPr>
             <p:ph type="sldImg"/>
           </p:nvPr>
         </p:nvSpPr>
-        <p:spPr/>
-      </p:sp>
-      <p:sp>
-        <p:nvSpPr>
-          <p:cNvPr id="3" name="Notes Placeholder 2"/>
+        <p:spPr>
+          <a:ln/>
+        </p:spPr>
+      </p:sp>
+      <p:sp>
+        <p:nvSpPr>
+          <p:cNvPr id="443395" name="Rectangle 3"/>
           <p:cNvSpPr>
-            <a:spLocks noGrp="1"/>
+            <a:spLocks noGrp="1" noChangeArrowheads="1"/>
           </p:cNvSpPr>
           <p:nvPr>
             <p:ph type="body" idx="1"/>
@@ -856,40 +993,17 @@
           <a:lstStyle/>
           <a:p>
             <a:r>
-              <a:rPr lang="en-US" dirty="0" smtClean="0"/>
-              <a:t>User’s accuracy = 100 – commission error = how often is the class on the map actually truthful in reality</a:t>
-            </a:r>
-            <a:endParaRPr lang="en-US" dirty="0"/>
-          </a:p>
-        </p:txBody>
-      </p:sp>
-      <p:sp>
-        <p:nvSpPr>
-          <p:cNvPr id="4" name="Slide Number Placeholder 3"/>
-          <p:cNvSpPr>
-            <a:spLocks noGrp="1"/>
-          </p:cNvSpPr>
-          <p:nvPr>
-            <p:ph type="sldNum" sz="quarter" idx="10"/>
-          </p:nvPr>
-        </p:nvSpPr>
-        <p:spPr/>
-        <p:txBody>
-          <a:bodyPr/>
-          <a:lstStyle/>
-          <a:p>
-            <a:fld id="{CC5A1FCD-79C7-4337-B79E-A51417706FB1}" type="slidenum">
-              <a:rPr lang="en-US" smtClean="0"/>
-              <a:t>17</a:t>
-            </a:fld>
-            <a:endParaRPr lang="en-US"/>
+              <a:rPr lang="en-US" altLang="en-US" dirty="0" smtClean="0"/>
+              <a:t>Tree grows upside down with root at top</a:t>
+            </a:r>
+            <a:endParaRPr lang="en-US" altLang="en-US" dirty="0"/>
           </a:p>
         </p:txBody>
       </p:sp>
     </p:spTree>
     <p:extLst>
       <p:ext uri="{BB962C8B-B14F-4D97-AF65-F5344CB8AC3E}">
-        <p14:creationId xmlns:p14="http://schemas.microsoft.com/office/powerpoint/2010/main" val="1792836337"/>
+        <p14:creationId xmlns:p14="http://schemas.microsoft.com/office/powerpoint/2010/main" val="2673713095"/>
       </p:ext>
     </p:extLst>
   </p:cSld>
@@ -943,14 +1057,34 @@
           <a:bodyPr/>
           <a:lstStyle/>
           <a:p>
+            <a:pPr marL="0" marR="0" indent="0" algn="l" defTabSz="914400" rtl="0" eaLnBrk="1" fontAlgn="auto" latinLnBrk="0" hangingPunct="1">
+              <a:lnSpc>
+                <a:spcPct val="100000"/>
+              </a:lnSpc>
+              <a:spcBef>
+                <a:spcPts val="0"/>
+              </a:spcBef>
+              <a:spcAft>
+                <a:spcPts val="0"/>
+              </a:spcAft>
+              <a:buClrTx/>
+              <a:buSzTx/>
+              <a:buFontTx/>
+              <a:buNone/>
+              <a:tabLst/>
+              <a:defRPr/>
+            </a:pPr>
             <a:r>
               <a:rPr lang="en-US" dirty="0" smtClean="0"/>
-              <a:t>Of all the reference sites,</a:t>
+              <a:t>Producer’s accuracy = 100 – omission error = how often are real features</a:t>
             </a:r>
             <a:r>
               <a:rPr lang="en-US" baseline="0" dirty="0" smtClean="0"/>
-              <a:t> how many were mapped correctly?</a:t>
-            </a:r>
+              <a:t> in the field correctly shown on the map?</a:t>
+            </a:r>
+            <a:endParaRPr lang="en-US" dirty="0" smtClean="0"/>
+          </a:p>
+          <a:p>
             <a:endParaRPr lang="en-US" dirty="0"/>
           </a:p>
         </p:txBody>
@@ -973,6 +1107,186 @@
             <a:fld id="{CC5A1FCD-79C7-4337-B79E-A51417706FB1}" type="slidenum">
               <a:rPr lang="en-US" smtClean="0"/>
               <a:t>18</a:t>
+            </a:fld>
+            <a:endParaRPr lang="en-US"/>
+          </a:p>
+        </p:txBody>
+      </p:sp>
+    </p:spTree>
+    <p:extLst>
+      <p:ext uri="{BB962C8B-B14F-4D97-AF65-F5344CB8AC3E}">
+        <p14:creationId xmlns:p14="http://schemas.microsoft.com/office/powerpoint/2010/main" val="3699961861"/>
+      </p:ext>
+    </p:extLst>
+  </p:cSld>
+  <p:clrMapOvr>
+    <a:masterClrMapping/>
+  </p:clrMapOvr>
+</p:notes>
+</file>
+
+<file path=ppt/notesSlides/notesSlide6.xml><?xml version="1.0" encoding="utf-8"?>
+<p:notes xmlns:a="http://schemas.openxmlformats.org/drawingml/2006/main" xmlns:r="http://schemas.openxmlformats.org/officeDocument/2006/relationships" xmlns:p="http://schemas.openxmlformats.org/presentationml/2006/main">
+  <p:cSld>
+    <p:spTree>
+      <p:nvGrpSpPr>
+        <p:cNvPr id="1" name=""/>
+        <p:cNvGrpSpPr/>
+        <p:nvPr/>
+      </p:nvGrpSpPr>
+      <p:grpSpPr>
+        <a:xfrm>
+          <a:off x="0" y="0"/>
+          <a:ext cx="0" cy="0"/>
+          <a:chOff x="0" y="0"/>
+          <a:chExt cx="0" cy="0"/>
+        </a:xfrm>
+      </p:grpSpPr>
+      <p:sp>
+        <p:nvSpPr>
+          <p:cNvPr id="2" name="Slide Image Placeholder 1"/>
+          <p:cNvSpPr>
+            <a:spLocks noGrp="1" noRot="1" noChangeAspect="1"/>
+          </p:cNvSpPr>
+          <p:nvPr>
+            <p:ph type="sldImg"/>
+          </p:nvPr>
+        </p:nvSpPr>
+        <p:spPr/>
+      </p:sp>
+      <p:sp>
+        <p:nvSpPr>
+          <p:cNvPr id="3" name="Notes Placeholder 2"/>
+          <p:cNvSpPr>
+            <a:spLocks noGrp="1"/>
+          </p:cNvSpPr>
+          <p:nvPr>
+            <p:ph type="body" idx="1"/>
+          </p:nvPr>
+        </p:nvSpPr>
+        <p:spPr/>
+        <p:txBody>
+          <a:bodyPr/>
+          <a:lstStyle/>
+          <a:p>
+            <a:r>
+              <a:rPr lang="en-US" dirty="0" smtClean="0"/>
+              <a:t>User’s accuracy = 100 – commission error = how often is the class on the map actually truthful in reality</a:t>
+            </a:r>
+            <a:endParaRPr lang="en-US" dirty="0"/>
+          </a:p>
+        </p:txBody>
+      </p:sp>
+      <p:sp>
+        <p:nvSpPr>
+          <p:cNvPr id="4" name="Slide Number Placeholder 3"/>
+          <p:cNvSpPr>
+            <a:spLocks noGrp="1"/>
+          </p:cNvSpPr>
+          <p:nvPr>
+            <p:ph type="sldNum" sz="quarter" idx="10"/>
+          </p:nvPr>
+        </p:nvSpPr>
+        <p:spPr/>
+        <p:txBody>
+          <a:bodyPr/>
+          <a:lstStyle/>
+          <a:p>
+            <a:fld id="{CC5A1FCD-79C7-4337-B79E-A51417706FB1}" type="slidenum">
+              <a:rPr lang="en-US" smtClean="0"/>
+              <a:t>19</a:t>
+            </a:fld>
+            <a:endParaRPr lang="en-US"/>
+          </a:p>
+        </p:txBody>
+      </p:sp>
+    </p:spTree>
+    <p:extLst>
+      <p:ext uri="{BB962C8B-B14F-4D97-AF65-F5344CB8AC3E}">
+        <p14:creationId xmlns:p14="http://schemas.microsoft.com/office/powerpoint/2010/main" val="1792836337"/>
+      </p:ext>
+    </p:extLst>
+  </p:cSld>
+  <p:clrMapOvr>
+    <a:masterClrMapping/>
+  </p:clrMapOvr>
+</p:notes>
+</file>
+
+<file path=ppt/notesSlides/notesSlide7.xml><?xml version="1.0" encoding="utf-8"?>
+<p:notes xmlns:a="http://schemas.openxmlformats.org/drawingml/2006/main" xmlns:r="http://schemas.openxmlformats.org/officeDocument/2006/relationships" xmlns:p="http://schemas.openxmlformats.org/presentationml/2006/main">
+  <p:cSld>
+    <p:spTree>
+      <p:nvGrpSpPr>
+        <p:cNvPr id="1" name=""/>
+        <p:cNvGrpSpPr/>
+        <p:nvPr/>
+      </p:nvGrpSpPr>
+      <p:grpSpPr>
+        <a:xfrm>
+          <a:off x="0" y="0"/>
+          <a:ext cx="0" cy="0"/>
+          <a:chOff x="0" y="0"/>
+          <a:chExt cx="0" cy="0"/>
+        </a:xfrm>
+      </p:grpSpPr>
+      <p:sp>
+        <p:nvSpPr>
+          <p:cNvPr id="2" name="Slide Image Placeholder 1"/>
+          <p:cNvSpPr>
+            <a:spLocks noGrp="1" noRot="1" noChangeAspect="1"/>
+          </p:cNvSpPr>
+          <p:nvPr>
+            <p:ph type="sldImg"/>
+          </p:nvPr>
+        </p:nvSpPr>
+        <p:spPr/>
+      </p:sp>
+      <p:sp>
+        <p:nvSpPr>
+          <p:cNvPr id="3" name="Notes Placeholder 2"/>
+          <p:cNvSpPr>
+            <a:spLocks noGrp="1"/>
+          </p:cNvSpPr>
+          <p:nvPr>
+            <p:ph type="body" idx="1"/>
+          </p:nvPr>
+        </p:nvSpPr>
+        <p:spPr/>
+        <p:txBody>
+          <a:bodyPr/>
+          <a:lstStyle/>
+          <a:p>
+            <a:r>
+              <a:rPr lang="en-US" dirty="0" smtClean="0"/>
+              <a:t>Of all the reference sites,</a:t>
+            </a:r>
+            <a:r>
+              <a:rPr lang="en-US" baseline="0" dirty="0" smtClean="0"/>
+              <a:t> how many were mapped correctly?</a:t>
+            </a:r>
+            <a:endParaRPr lang="en-US" dirty="0"/>
+          </a:p>
+        </p:txBody>
+      </p:sp>
+      <p:sp>
+        <p:nvSpPr>
+          <p:cNvPr id="4" name="Slide Number Placeholder 3"/>
+          <p:cNvSpPr>
+            <a:spLocks noGrp="1"/>
+          </p:cNvSpPr>
+          <p:nvPr>
+            <p:ph type="sldNum" sz="quarter" idx="10"/>
+          </p:nvPr>
+        </p:nvSpPr>
+        <p:spPr/>
+        <p:txBody>
+          <a:bodyPr/>
+          <a:lstStyle/>
+          <a:p>
+            <a:fld id="{CC5A1FCD-79C7-4337-B79E-A51417706FB1}" type="slidenum">
+              <a:rPr lang="en-US" smtClean="0"/>
+              <a:t>20</a:t>
             </a:fld>
             <a:endParaRPr lang="en-US"/>
           </a:p>
@@ -1198,7 +1512,7 @@
           <a:p>
             <a:fld id="{97CFF939-70E9-4E47-9899-4E3DA2789027}" type="datetimeFigureOut">
               <a:rPr lang="en-US" smtClean="0"/>
-              <a:t>1/20/2016</a:t>
+              <a:t>1/21/2016</a:t>
             </a:fld>
             <a:endParaRPr lang="en-US"/>
           </a:p>
@@ -1390,7 +1704,7 @@
           <a:p>
             <a:fld id="{97CFF939-70E9-4E47-9899-4E3DA2789027}" type="datetimeFigureOut">
               <a:rPr lang="en-US" smtClean="0"/>
-              <a:t>1/20/2016</a:t>
+              <a:t>1/21/2016</a:t>
             </a:fld>
             <a:endParaRPr lang="en-US"/>
           </a:p>
@@ -1570,7 +1884,7 @@
           <a:p>
             <a:fld id="{97CFF939-70E9-4E47-9899-4E3DA2789027}" type="datetimeFigureOut">
               <a:rPr lang="en-US" smtClean="0"/>
-              <a:t>1/20/2016</a:t>
+              <a:t>1/21/2016</a:t>
             </a:fld>
             <a:endParaRPr lang="en-US"/>
           </a:p>
@@ -1740,7 +2054,7 @@
           <a:p>
             <a:fld id="{97CFF939-70E9-4E47-9899-4E3DA2789027}" type="datetimeFigureOut">
               <a:rPr lang="en-US" smtClean="0"/>
-              <a:t>1/20/2016</a:t>
+              <a:t>1/21/2016</a:t>
             </a:fld>
             <a:endParaRPr lang="en-US"/>
           </a:p>
@@ -1994,7 +2308,7 @@
           <a:p>
             <a:fld id="{97CFF939-70E9-4E47-9899-4E3DA2789027}" type="datetimeFigureOut">
               <a:rPr lang="en-US" smtClean="0"/>
-              <a:t>1/20/2016</a:t>
+              <a:t>1/21/2016</a:t>
             </a:fld>
             <a:endParaRPr lang="en-US"/>
           </a:p>
@@ -2320,7 +2634,7 @@
           <a:p>
             <a:fld id="{97CFF939-70E9-4E47-9899-4E3DA2789027}" type="datetimeFigureOut">
               <a:rPr lang="en-US" smtClean="0"/>
-              <a:t>1/20/2016</a:t>
+              <a:t>1/21/2016</a:t>
             </a:fld>
             <a:endParaRPr lang="en-US"/>
           </a:p>
@@ -2740,7 +3054,7 @@
           <a:p>
             <a:fld id="{97CFF939-70E9-4E47-9899-4E3DA2789027}" type="datetimeFigureOut">
               <a:rPr lang="en-US" smtClean="0"/>
-              <a:t>1/20/2016</a:t>
+              <a:t>1/21/2016</a:t>
             </a:fld>
             <a:endParaRPr lang="en-US"/>
           </a:p>
@@ -2858,7 +3172,7 @@
           <a:p>
             <a:fld id="{97CFF939-70E9-4E47-9899-4E3DA2789027}" type="datetimeFigureOut">
               <a:rPr lang="en-US" smtClean="0"/>
-              <a:t>1/20/2016</a:t>
+              <a:t>1/21/2016</a:t>
             </a:fld>
             <a:endParaRPr lang="en-US"/>
           </a:p>
@@ -2953,7 +3267,7 @@
           <a:p>
             <a:fld id="{97CFF939-70E9-4E47-9899-4E3DA2789027}" type="datetimeFigureOut">
               <a:rPr lang="en-US" smtClean="0"/>
-              <a:t>1/20/2016</a:t>
+              <a:t>1/21/2016</a:t>
             </a:fld>
             <a:endParaRPr lang="en-US"/>
           </a:p>
@@ -3240,7 +3554,7 @@
           <a:p>
             <a:fld id="{97CFF939-70E9-4E47-9899-4E3DA2789027}" type="datetimeFigureOut">
               <a:rPr lang="en-US" smtClean="0"/>
-              <a:t>1/20/2016</a:t>
+              <a:t>1/21/2016</a:t>
             </a:fld>
             <a:endParaRPr lang="en-US"/>
           </a:p>
@@ -3562,7 +3876,7 @@
           <a:p>
             <a:fld id="{97CFF939-70E9-4E47-9899-4E3DA2789027}" type="datetimeFigureOut">
               <a:rPr lang="en-US" smtClean="0"/>
-              <a:t>1/20/2016</a:t>
+              <a:t>1/21/2016</a:t>
             </a:fld>
             <a:endParaRPr lang="en-US"/>
           </a:p>
@@ -3816,7 +4130,7 @@
           <a:p>
             <a:fld id="{97CFF939-70E9-4E47-9899-4E3DA2789027}" type="datetimeFigureOut">
               <a:rPr lang="en-US" smtClean="0"/>
-              <a:t>1/20/2016</a:t>
+              <a:t>1/21/2016</a:t>
             </a:fld>
             <a:endParaRPr lang="en-US"/>
           </a:p>
@@ -4423,6 +4737,939 @@
           <a:p>
             <a:r>
               <a:rPr lang="en-US" dirty="0" smtClean="0"/>
+              <a:t>EXERCISE: </a:t>
+            </a:r>
+            <a:r>
+              <a:rPr lang="en-US" dirty="0" err="1" smtClean="0"/>
+              <a:t>rpart</a:t>
+            </a:r>
+            <a:endParaRPr lang="en-US" dirty="0"/>
+          </a:p>
+        </p:txBody>
+      </p:sp>
+      <p:sp>
+        <p:nvSpPr>
+          <p:cNvPr id="3" name="Content Placeholder 2"/>
+          <p:cNvSpPr>
+            <a:spLocks noGrp="1"/>
+          </p:cNvSpPr>
+          <p:nvPr>
+            <p:ph idx="1"/>
+          </p:nvPr>
+        </p:nvSpPr>
+        <p:spPr/>
+        <p:txBody>
+          <a:bodyPr/>
+          <a:lstStyle/>
+          <a:p>
+            <a:pPr marL="0" indent="0">
+              <a:buNone/>
+            </a:pPr>
+            <a:r>
+              <a:rPr lang="en-US" dirty="0" smtClean="0"/>
+              <a:t>****INSERT LINK TO TREE MODEL .RMD FILE****</a:t>
+            </a:r>
+            <a:endParaRPr lang="en-US" dirty="0"/>
+          </a:p>
+        </p:txBody>
+      </p:sp>
+    </p:spTree>
+    <p:extLst>
+      <p:ext uri="{BB962C8B-B14F-4D97-AF65-F5344CB8AC3E}">
+        <p14:creationId xmlns:p14="http://schemas.microsoft.com/office/powerpoint/2010/main" val="4216230586"/>
+      </p:ext>
+    </p:extLst>
+  </p:cSld>
+  <p:clrMapOvr>
+    <a:masterClrMapping/>
+  </p:clrMapOvr>
+  <p:timing>
+    <p:tnLst>
+      <p:par>
+        <p:cTn id="1" dur="indefinite" restart="never" nodeType="tmRoot"/>
+      </p:par>
+    </p:tnLst>
+  </p:timing>
+</p:sld>
+</file>
+
+<file path=ppt/slides/slide11.xml><?xml version="1.0" encoding="utf-8"?>
+<p:sld xmlns:a="http://schemas.openxmlformats.org/drawingml/2006/main" xmlns:r="http://schemas.openxmlformats.org/officeDocument/2006/relationships" xmlns:p="http://schemas.openxmlformats.org/presentationml/2006/main">
+  <p:cSld>
+    <p:spTree>
+      <p:nvGrpSpPr>
+        <p:cNvPr id="1" name=""/>
+        <p:cNvGrpSpPr/>
+        <p:nvPr/>
+      </p:nvGrpSpPr>
+      <p:grpSpPr>
+        <a:xfrm>
+          <a:off x="0" y="0"/>
+          <a:ext cx="0" cy="0"/>
+          <a:chOff x="0" y="0"/>
+          <a:chExt cx="0" cy="0"/>
+        </a:xfrm>
+      </p:grpSpPr>
+      <p:sp>
+        <p:nvSpPr>
+          <p:cNvPr id="2" name="Title 1"/>
+          <p:cNvSpPr>
+            <a:spLocks noGrp="1"/>
+          </p:cNvSpPr>
+          <p:nvPr>
+            <p:ph type="title"/>
+          </p:nvPr>
+        </p:nvSpPr>
+        <p:spPr/>
+        <p:txBody>
+          <a:bodyPr/>
+          <a:lstStyle/>
+          <a:p>
+            <a:r>
+              <a:rPr lang="en-US" dirty="0" smtClean="0"/>
+              <a:t>Summary - </a:t>
+            </a:r>
+            <a:r>
+              <a:rPr lang="en-US" dirty="0" err="1" smtClean="0"/>
+              <a:t>rpart</a:t>
+            </a:r>
+            <a:endParaRPr lang="en-US" dirty="0"/>
+          </a:p>
+        </p:txBody>
+      </p:sp>
+      <p:sp>
+        <p:nvSpPr>
+          <p:cNvPr id="3" name="Content Placeholder 2"/>
+          <p:cNvSpPr>
+            <a:spLocks noGrp="1"/>
+          </p:cNvSpPr>
+          <p:nvPr>
+            <p:ph idx="1"/>
+          </p:nvPr>
+        </p:nvSpPr>
+        <p:spPr>
+          <a:xfrm>
+            <a:off x="946404" y="1828801"/>
+            <a:ext cx="7435596" cy="4351337"/>
+          </a:xfrm>
+        </p:spPr>
+        <p:txBody>
+          <a:bodyPr>
+            <a:normAutofit/>
+          </a:bodyPr>
+          <a:lstStyle/>
+          <a:p>
+            <a:pPr marL="0" indent="0" algn="ctr">
+              <a:lnSpc>
+                <a:spcPct val="120000"/>
+              </a:lnSpc>
+              <a:spcBef>
+                <a:spcPts val="0"/>
+              </a:spcBef>
+              <a:buNone/>
+            </a:pPr>
+            <a:r>
+              <a:rPr lang="en-US" sz="2400" b="1" i="1" dirty="0" err="1" smtClean="0">
+                <a:cs typeface="Times New Roman" panose="02020603050405020304" pitchFamily="18" charset="0"/>
+              </a:rPr>
+              <a:t>rpart</a:t>
+            </a:r>
+            <a:r>
+              <a:rPr lang="en-US" sz="2400" b="1" i="1" dirty="0" smtClean="0">
+                <a:cs typeface="Times New Roman" panose="02020603050405020304" pitchFamily="18" charset="0"/>
+              </a:rPr>
+              <a:t>(formula, data, method, control)</a:t>
+            </a:r>
+          </a:p>
+          <a:p>
+            <a:pPr marL="0" indent="0">
+              <a:lnSpc>
+                <a:spcPct val="120000"/>
+              </a:lnSpc>
+              <a:spcBef>
+                <a:spcPts val="0"/>
+              </a:spcBef>
+              <a:buNone/>
+            </a:pPr>
+            <a:r>
+              <a:rPr lang="en-US" sz="2000" b="1" dirty="0" smtClean="0">
+                <a:cs typeface="Times New Roman" panose="02020603050405020304" pitchFamily="18" charset="0"/>
+              </a:rPr>
+              <a:t>formula </a:t>
+            </a:r>
+            <a:r>
+              <a:rPr lang="en-US" sz="2000" dirty="0" smtClean="0">
+                <a:cs typeface="Times New Roman" panose="02020603050405020304" pitchFamily="18" charset="0"/>
+              </a:rPr>
+              <a:t>    response~predictor1+predictor2+predictorx</a:t>
+            </a:r>
+            <a:endParaRPr lang="en-US" sz="2000" dirty="0">
+              <a:cs typeface="Times New Roman" panose="02020603050405020304" pitchFamily="18" charset="0"/>
+            </a:endParaRPr>
+          </a:p>
+          <a:p>
+            <a:pPr marL="0" indent="0">
+              <a:lnSpc>
+                <a:spcPct val="120000"/>
+              </a:lnSpc>
+              <a:spcBef>
+                <a:spcPts val="0"/>
+              </a:spcBef>
+              <a:buNone/>
+            </a:pPr>
+            <a:r>
+              <a:rPr lang="en-US" sz="2000" b="1" dirty="0" smtClean="0">
+                <a:cs typeface="Times New Roman" panose="02020603050405020304" pitchFamily="18" charset="0"/>
+              </a:rPr>
+              <a:t>data=</a:t>
+            </a:r>
+            <a:r>
+              <a:rPr lang="en-US" sz="2000" dirty="0">
+                <a:cs typeface="Times New Roman" panose="02020603050405020304" pitchFamily="18" charset="0"/>
+              </a:rPr>
+              <a:t>	</a:t>
+            </a:r>
+            <a:r>
+              <a:rPr lang="en-US" sz="2000" dirty="0" smtClean="0">
+                <a:cs typeface="Times New Roman" panose="02020603050405020304" pitchFamily="18" charset="0"/>
+              </a:rPr>
+              <a:t>       specifies </a:t>
+            </a:r>
+            <a:r>
+              <a:rPr lang="en-US" sz="2000" dirty="0">
+                <a:cs typeface="Times New Roman" panose="02020603050405020304" pitchFamily="18" charset="0"/>
+              </a:rPr>
+              <a:t>the </a:t>
+            </a:r>
+            <a:r>
+              <a:rPr lang="en-US" sz="2000" dirty="0" smtClean="0">
+                <a:cs typeface="Times New Roman" panose="02020603050405020304" pitchFamily="18" charset="0"/>
+              </a:rPr>
+              <a:t>dataset</a:t>
+            </a:r>
+            <a:endParaRPr lang="en-US" sz="2000" dirty="0">
+              <a:cs typeface="Times New Roman" panose="02020603050405020304" pitchFamily="18" charset="0"/>
+            </a:endParaRPr>
+          </a:p>
+          <a:p>
+            <a:pPr marL="0" indent="0">
+              <a:lnSpc>
+                <a:spcPct val="120000"/>
+              </a:lnSpc>
+              <a:spcBef>
+                <a:spcPts val="0"/>
+              </a:spcBef>
+              <a:buNone/>
+            </a:pPr>
+            <a:r>
+              <a:rPr lang="en-US" sz="2000" b="1" dirty="0">
+                <a:cs typeface="Times New Roman" panose="02020603050405020304" pitchFamily="18" charset="0"/>
+              </a:rPr>
+              <a:t>m</a:t>
+            </a:r>
+            <a:r>
+              <a:rPr lang="en-US" sz="2000" b="1" dirty="0" smtClean="0">
+                <a:cs typeface="Times New Roman" panose="02020603050405020304" pitchFamily="18" charset="0"/>
+              </a:rPr>
+              <a:t>ethod=    “</a:t>
+            </a:r>
+            <a:r>
+              <a:rPr lang="en-US" sz="2000" b="1" dirty="0">
+                <a:cs typeface="Times New Roman" panose="02020603050405020304" pitchFamily="18" charset="0"/>
+              </a:rPr>
+              <a:t>class” </a:t>
+            </a:r>
+            <a:r>
+              <a:rPr lang="en-US" sz="2000" dirty="0">
+                <a:cs typeface="Times New Roman" panose="02020603050405020304" pitchFamily="18" charset="0"/>
+              </a:rPr>
+              <a:t>for classification tree</a:t>
+            </a:r>
+          </a:p>
+          <a:p>
+            <a:pPr marL="0" indent="0">
+              <a:lnSpc>
+                <a:spcPct val="120000"/>
+              </a:lnSpc>
+              <a:spcBef>
+                <a:spcPts val="0"/>
+              </a:spcBef>
+              <a:buNone/>
+            </a:pPr>
+            <a:r>
+              <a:rPr lang="en-US" sz="2000" b="1" dirty="0" smtClean="0">
+                <a:cs typeface="Times New Roman" panose="02020603050405020304" pitchFamily="18" charset="0"/>
+              </a:rPr>
+              <a:t>                   “</a:t>
+            </a:r>
+            <a:r>
+              <a:rPr lang="en-US" sz="2000" b="1" dirty="0" err="1">
+                <a:cs typeface="Times New Roman" panose="02020603050405020304" pitchFamily="18" charset="0"/>
+              </a:rPr>
+              <a:t>anova</a:t>
+            </a:r>
+            <a:r>
+              <a:rPr lang="en-US" sz="2000" b="1" dirty="0">
+                <a:cs typeface="Times New Roman" panose="02020603050405020304" pitchFamily="18" charset="0"/>
+              </a:rPr>
+              <a:t>” </a:t>
+            </a:r>
+            <a:r>
+              <a:rPr lang="en-US" sz="2000" dirty="0">
+                <a:cs typeface="Times New Roman" panose="02020603050405020304" pitchFamily="18" charset="0"/>
+              </a:rPr>
+              <a:t>for regression tree	</a:t>
+            </a:r>
+          </a:p>
+          <a:p>
+            <a:pPr marL="0" indent="0">
+              <a:lnSpc>
+                <a:spcPct val="120000"/>
+              </a:lnSpc>
+              <a:spcBef>
+                <a:spcPts val="0"/>
+              </a:spcBef>
+              <a:buNone/>
+            </a:pPr>
+            <a:r>
+              <a:rPr lang="en-US" sz="2000" b="1" dirty="0" smtClean="0">
+                <a:cs typeface="Times New Roman" panose="02020603050405020304" pitchFamily="18" charset="0"/>
+              </a:rPr>
+              <a:t>control=</a:t>
+            </a:r>
+            <a:r>
+              <a:rPr lang="en-US" sz="2000" dirty="0" smtClean="0">
+                <a:cs typeface="Times New Roman" panose="02020603050405020304" pitchFamily="18" charset="0"/>
+              </a:rPr>
+              <a:t>    optional </a:t>
+            </a:r>
+            <a:r>
+              <a:rPr lang="en-US" sz="2000" dirty="0">
+                <a:cs typeface="Times New Roman" panose="02020603050405020304" pitchFamily="18" charset="0"/>
+              </a:rPr>
+              <a:t>parameters for controlling tree growth	</a:t>
+            </a:r>
+          </a:p>
+          <a:p>
+            <a:pPr marL="0" indent="0">
+              <a:lnSpc>
+                <a:spcPct val="120000"/>
+              </a:lnSpc>
+              <a:spcBef>
+                <a:spcPts val="0"/>
+              </a:spcBef>
+              <a:buNone/>
+            </a:pPr>
+            <a:r>
+              <a:rPr lang="en-US" sz="2200" dirty="0">
+                <a:cs typeface="Times New Roman" panose="02020603050405020304" pitchFamily="18" charset="0"/>
+              </a:rPr>
+              <a:t>	</a:t>
+            </a:r>
+          </a:p>
+        </p:txBody>
+      </p:sp>
+      <p:graphicFrame>
+        <p:nvGraphicFramePr>
+          <p:cNvPr id="4" name="Table 3"/>
+          <p:cNvGraphicFramePr>
+            <a:graphicFrameLocks noGrp="1"/>
+          </p:cNvGraphicFramePr>
+          <p:nvPr>
+            <p:extLst>
+              <p:ext uri="{D42A27DB-BD31-4B8C-83A1-F6EECF244321}">
+                <p14:modId xmlns:p14="http://schemas.microsoft.com/office/powerpoint/2010/main" val="2585143608"/>
+              </p:ext>
+            </p:extLst>
+          </p:nvPr>
+        </p:nvGraphicFramePr>
+        <p:xfrm>
+          <a:off x="899651" y="2438400"/>
+          <a:ext cx="7316233" cy="2421067"/>
+        </p:xfrm>
+        <a:graphic>
+          <a:graphicData uri="http://schemas.openxmlformats.org/drawingml/2006/table">
+            <a:tbl>
+              <a:tblPr firstRow="1" bandRow="1">
+                <a:tableStyleId>{5940675A-B579-460E-94D1-54222C63F5DA}</a:tableStyleId>
+              </a:tblPr>
+              <a:tblGrid>
+                <a:gridCol w="1833111"/>
+                <a:gridCol w="5483122"/>
+              </a:tblGrid>
+              <a:tr h="291690">
+                <a:tc>
+                  <a:txBody>
+                    <a:bodyPr/>
+                    <a:lstStyle/>
+                    <a:p>
+                      <a:r>
+                        <a:rPr lang="en-US" sz="1900" b="1" dirty="0" err="1" smtClean="0">
+                          <a:solidFill>
+                            <a:schemeClr val="tx1"/>
+                          </a:solidFill>
+                          <a:latin typeface="+mn-lt"/>
+                        </a:rPr>
+                        <a:t>printcp</a:t>
+                      </a:r>
+                      <a:r>
+                        <a:rPr lang="en-US" sz="1900" b="1" dirty="0" smtClean="0">
+                          <a:solidFill>
+                            <a:schemeClr val="tx1"/>
+                          </a:solidFill>
+                          <a:latin typeface="+mn-lt"/>
+                        </a:rPr>
+                        <a:t>( )</a:t>
+                      </a:r>
+                      <a:endParaRPr lang="en-US" sz="1900" b="1" dirty="0">
+                        <a:solidFill>
+                          <a:schemeClr val="tx1"/>
+                        </a:solidFill>
+                        <a:latin typeface="+mn-lt"/>
+                      </a:endParaRPr>
+                    </a:p>
+                  </a:txBody>
+                  <a:tcPr>
+                    <a:solidFill>
+                      <a:schemeClr val="bg1"/>
+                    </a:solidFill>
+                  </a:tcPr>
+                </a:tc>
+                <a:tc>
+                  <a:txBody>
+                    <a:bodyPr/>
+                    <a:lstStyle/>
+                    <a:p>
+                      <a:r>
+                        <a:rPr lang="en-US" sz="1900" dirty="0" smtClean="0">
+                          <a:solidFill>
+                            <a:schemeClr val="tx1"/>
+                          </a:solidFill>
+                          <a:latin typeface="+mn-lt"/>
+                        </a:rPr>
+                        <a:t>displays complexity</a:t>
+                      </a:r>
+                      <a:r>
+                        <a:rPr lang="en-US" sz="1900" baseline="0" dirty="0" smtClean="0">
+                          <a:solidFill>
+                            <a:schemeClr val="tx1"/>
+                          </a:solidFill>
+                          <a:latin typeface="+mn-lt"/>
+                        </a:rPr>
+                        <a:t> parameter (</a:t>
+                      </a:r>
+                      <a:r>
+                        <a:rPr lang="en-US" sz="1900" baseline="0" dirty="0" err="1" smtClean="0">
+                          <a:solidFill>
+                            <a:schemeClr val="tx1"/>
+                          </a:solidFill>
+                          <a:latin typeface="+mn-lt"/>
+                        </a:rPr>
+                        <a:t>cp</a:t>
+                      </a:r>
+                      <a:r>
+                        <a:rPr lang="en-US" sz="1900" baseline="0" dirty="0" smtClean="0">
+                          <a:solidFill>
+                            <a:schemeClr val="tx1"/>
+                          </a:solidFill>
+                          <a:latin typeface="+mn-lt"/>
+                        </a:rPr>
+                        <a:t>) table</a:t>
+                      </a:r>
+                      <a:endParaRPr lang="en-US" sz="1900" dirty="0">
+                        <a:solidFill>
+                          <a:schemeClr val="tx1"/>
+                        </a:solidFill>
+                        <a:latin typeface="+mn-lt"/>
+                      </a:endParaRPr>
+                    </a:p>
+                  </a:txBody>
+                  <a:tcPr>
+                    <a:solidFill>
+                      <a:schemeClr val="bg1"/>
+                    </a:solidFill>
+                  </a:tcPr>
+                </a:tc>
+              </a:tr>
+              <a:tr h="291690">
+                <a:tc>
+                  <a:txBody>
+                    <a:bodyPr/>
+                    <a:lstStyle/>
+                    <a:p>
+                      <a:r>
+                        <a:rPr lang="en-US" sz="1900" b="1" dirty="0" err="1" smtClean="0">
+                          <a:solidFill>
+                            <a:schemeClr val="tx1"/>
+                          </a:solidFill>
+                          <a:latin typeface="+mn-lt"/>
+                        </a:rPr>
+                        <a:t>plotcp</a:t>
+                      </a:r>
+                      <a:r>
+                        <a:rPr lang="en-US" sz="1900" b="1" dirty="0" smtClean="0">
+                          <a:solidFill>
+                            <a:schemeClr val="tx1"/>
+                          </a:solidFill>
+                          <a:latin typeface="+mn-lt"/>
+                        </a:rPr>
+                        <a:t> ( )</a:t>
+                      </a:r>
+                      <a:endParaRPr lang="en-US" sz="1900" b="1" dirty="0">
+                        <a:solidFill>
+                          <a:schemeClr val="tx1"/>
+                        </a:solidFill>
+                        <a:latin typeface="+mn-lt"/>
+                      </a:endParaRPr>
+                    </a:p>
+                  </a:txBody>
+                  <a:tcPr>
+                    <a:solidFill>
+                      <a:schemeClr val="bg1"/>
+                    </a:solidFill>
+                  </a:tcPr>
+                </a:tc>
+                <a:tc>
+                  <a:txBody>
+                    <a:bodyPr/>
+                    <a:lstStyle/>
+                    <a:p>
+                      <a:r>
+                        <a:rPr lang="en-US" sz="1900" dirty="0" smtClean="0">
+                          <a:solidFill>
+                            <a:schemeClr val="tx1"/>
+                          </a:solidFill>
+                          <a:latin typeface="+mn-lt"/>
+                        </a:rPr>
+                        <a:t>plots cross-validation</a:t>
+                      </a:r>
+                      <a:r>
+                        <a:rPr lang="en-US" sz="1900" baseline="0" dirty="0" smtClean="0">
+                          <a:solidFill>
+                            <a:schemeClr val="tx1"/>
+                          </a:solidFill>
+                          <a:latin typeface="+mn-lt"/>
+                        </a:rPr>
+                        <a:t> results</a:t>
+                      </a:r>
+                      <a:endParaRPr lang="en-US" sz="1900" dirty="0">
+                        <a:solidFill>
+                          <a:schemeClr val="tx1"/>
+                        </a:solidFill>
+                        <a:latin typeface="+mn-lt"/>
+                      </a:endParaRPr>
+                    </a:p>
+                  </a:txBody>
+                  <a:tcPr>
+                    <a:solidFill>
+                      <a:schemeClr val="bg1"/>
+                    </a:solidFill>
+                  </a:tcPr>
+                </a:tc>
+              </a:tr>
+              <a:tr h="516067">
+                <a:tc>
+                  <a:txBody>
+                    <a:bodyPr/>
+                    <a:lstStyle/>
+                    <a:p>
+                      <a:r>
+                        <a:rPr lang="en-US" sz="1900" b="1" dirty="0" smtClean="0">
+                          <a:solidFill>
+                            <a:schemeClr val="tx1"/>
+                          </a:solidFill>
+                          <a:latin typeface="+mn-lt"/>
+                        </a:rPr>
+                        <a:t>summary ( )</a:t>
+                      </a:r>
+                      <a:endParaRPr lang="en-US" sz="1900" b="1" dirty="0">
+                        <a:solidFill>
+                          <a:schemeClr val="tx1"/>
+                        </a:solidFill>
+                        <a:latin typeface="+mn-lt"/>
+                      </a:endParaRPr>
+                    </a:p>
+                  </a:txBody>
+                  <a:tcPr>
+                    <a:solidFill>
+                      <a:schemeClr val="bg1"/>
+                    </a:solidFill>
+                  </a:tcPr>
+                </a:tc>
+                <a:tc>
+                  <a:txBody>
+                    <a:bodyPr/>
+                    <a:lstStyle/>
+                    <a:p>
+                      <a:r>
+                        <a:rPr lang="en-US" sz="1900" dirty="0" smtClean="0">
+                          <a:solidFill>
+                            <a:schemeClr val="tx1"/>
+                          </a:solidFill>
+                          <a:latin typeface="+mn-lt"/>
+                        </a:rPr>
+                        <a:t>detailed results including</a:t>
+                      </a:r>
+                      <a:r>
+                        <a:rPr lang="en-US" sz="1900" baseline="0" dirty="0" smtClean="0">
+                          <a:solidFill>
+                            <a:schemeClr val="tx1"/>
+                          </a:solidFill>
+                          <a:latin typeface="+mn-lt"/>
+                        </a:rPr>
+                        <a:t> surrogate splits</a:t>
+                      </a:r>
+                      <a:endParaRPr lang="en-US" sz="1900" dirty="0">
+                        <a:solidFill>
+                          <a:schemeClr val="tx1"/>
+                        </a:solidFill>
+                        <a:latin typeface="+mn-lt"/>
+                      </a:endParaRPr>
+                    </a:p>
+                  </a:txBody>
+                  <a:tcPr>
+                    <a:solidFill>
+                      <a:schemeClr val="bg1"/>
+                    </a:solidFill>
+                  </a:tcPr>
+                </a:tc>
+              </a:tr>
+              <a:tr h="291690">
+                <a:tc>
+                  <a:txBody>
+                    <a:bodyPr/>
+                    <a:lstStyle/>
+                    <a:p>
+                      <a:r>
+                        <a:rPr lang="en-US" sz="1900" b="1" dirty="0" smtClean="0">
+                          <a:solidFill>
+                            <a:schemeClr val="tx1"/>
+                          </a:solidFill>
+                          <a:latin typeface="+mn-lt"/>
+                        </a:rPr>
+                        <a:t>plot ( )</a:t>
+                      </a:r>
+                      <a:endParaRPr lang="en-US" sz="1900" b="1" dirty="0">
+                        <a:solidFill>
+                          <a:schemeClr val="tx1"/>
+                        </a:solidFill>
+                        <a:latin typeface="+mn-lt"/>
+                      </a:endParaRPr>
+                    </a:p>
+                  </a:txBody>
+                  <a:tcPr>
+                    <a:solidFill>
+                      <a:schemeClr val="bg1"/>
+                    </a:solidFill>
+                  </a:tcPr>
+                </a:tc>
+                <a:tc>
+                  <a:txBody>
+                    <a:bodyPr/>
+                    <a:lstStyle/>
+                    <a:p>
+                      <a:r>
+                        <a:rPr lang="en-US" sz="1900" dirty="0" smtClean="0">
+                          <a:solidFill>
+                            <a:schemeClr val="tx1"/>
+                          </a:solidFill>
+                          <a:latin typeface="+mn-lt"/>
+                        </a:rPr>
+                        <a:t>plots the</a:t>
+                      </a:r>
+                      <a:r>
+                        <a:rPr lang="en-US" sz="1900" baseline="0" dirty="0" smtClean="0">
+                          <a:solidFill>
+                            <a:schemeClr val="tx1"/>
+                          </a:solidFill>
+                          <a:latin typeface="+mn-lt"/>
+                        </a:rPr>
+                        <a:t> decision tree</a:t>
+                      </a:r>
+                      <a:endParaRPr lang="en-US" sz="1900" dirty="0">
+                        <a:solidFill>
+                          <a:schemeClr val="tx1"/>
+                        </a:solidFill>
+                        <a:latin typeface="+mn-lt"/>
+                      </a:endParaRPr>
+                    </a:p>
+                  </a:txBody>
+                  <a:tcPr>
+                    <a:solidFill>
+                      <a:schemeClr val="bg1"/>
+                    </a:solidFill>
+                  </a:tcPr>
+                </a:tc>
+              </a:tr>
+              <a:tr h="291690">
+                <a:tc>
+                  <a:txBody>
+                    <a:bodyPr/>
+                    <a:lstStyle/>
+                    <a:p>
+                      <a:r>
+                        <a:rPr lang="en-US" sz="1900" b="1" dirty="0" smtClean="0">
+                          <a:solidFill>
+                            <a:schemeClr val="tx1"/>
+                          </a:solidFill>
+                          <a:latin typeface="+mn-lt"/>
+                        </a:rPr>
+                        <a:t>text ( )</a:t>
+                      </a:r>
+                      <a:endParaRPr lang="en-US" sz="1900" b="1" dirty="0">
+                        <a:solidFill>
+                          <a:schemeClr val="tx1"/>
+                        </a:solidFill>
+                        <a:latin typeface="+mn-lt"/>
+                      </a:endParaRPr>
+                    </a:p>
+                  </a:txBody>
+                  <a:tcPr>
+                    <a:solidFill>
+                      <a:schemeClr val="bg1"/>
+                    </a:solidFill>
+                  </a:tcPr>
+                </a:tc>
+                <a:tc>
+                  <a:txBody>
+                    <a:bodyPr/>
+                    <a:lstStyle/>
+                    <a:p>
+                      <a:r>
+                        <a:rPr lang="en-US" sz="1900" dirty="0" smtClean="0">
+                          <a:solidFill>
+                            <a:schemeClr val="tx1"/>
+                          </a:solidFill>
+                          <a:latin typeface="+mn-lt"/>
+                          <a:cs typeface="Times New Roman" panose="02020603050405020304" pitchFamily="18" charset="0"/>
+                        </a:rPr>
+                        <a:t>labels the decision tree plot</a:t>
+                      </a:r>
+                      <a:endParaRPr lang="en-US" sz="1900" dirty="0">
+                        <a:solidFill>
+                          <a:schemeClr val="tx1"/>
+                        </a:solidFill>
+                        <a:latin typeface="+mn-lt"/>
+                      </a:endParaRPr>
+                    </a:p>
+                  </a:txBody>
+                  <a:tcPr>
+                    <a:solidFill>
+                      <a:schemeClr val="bg1"/>
+                    </a:solidFill>
+                  </a:tcPr>
+                </a:tc>
+              </a:tr>
+              <a:tr h="291690">
+                <a:tc>
+                  <a:txBody>
+                    <a:bodyPr/>
+                    <a:lstStyle/>
+                    <a:p>
+                      <a:r>
+                        <a:rPr lang="en-US" sz="1900" b="1" dirty="0" smtClean="0">
+                          <a:solidFill>
+                            <a:schemeClr val="tx1"/>
+                          </a:solidFill>
+                          <a:latin typeface="+mn-lt"/>
+                        </a:rPr>
+                        <a:t>prune</a:t>
+                      </a:r>
+                      <a:r>
+                        <a:rPr lang="en-US" sz="1900" b="1" baseline="0" dirty="0" smtClean="0">
+                          <a:solidFill>
+                            <a:schemeClr val="tx1"/>
+                          </a:solidFill>
+                          <a:latin typeface="+mn-lt"/>
+                        </a:rPr>
+                        <a:t> ( )</a:t>
+                      </a:r>
+                      <a:endParaRPr lang="en-US" sz="1900" b="1" dirty="0">
+                        <a:solidFill>
+                          <a:schemeClr val="tx1"/>
+                        </a:solidFill>
+                        <a:latin typeface="+mn-lt"/>
+                      </a:endParaRPr>
+                    </a:p>
+                  </a:txBody>
+                  <a:tcPr>
+                    <a:solidFill>
+                      <a:schemeClr val="bg1"/>
+                    </a:solidFill>
+                  </a:tcPr>
+                </a:tc>
+                <a:tc>
+                  <a:txBody>
+                    <a:bodyPr/>
+                    <a:lstStyle/>
+                    <a:p>
+                      <a:r>
+                        <a:rPr lang="en-US" sz="1900" dirty="0" smtClean="0">
+                          <a:solidFill>
+                            <a:schemeClr val="tx1"/>
+                          </a:solidFill>
+                          <a:latin typeface="+mn-lt"/>
+                        </a:rPr>
+                        <a:t>snips off the least important splits using </a:t>
+                      </a:r>
+                      <a:r>
+                        <a:rPr lang="en-US" sz="1900" dirty="0" err="1" smtClean="0">
+                          <a:solidFill>
+                            <a:schemeClr val="tx1"/>
+                          </a:solidFill>
+                          <a:latin typeface="+mn-lt"/>
+                        </a:rPr>
+                        <a:t>cp</a:t>
+                      </a:r>
+                      <a:endParaRPr lang="en-US" sz="1900" dirty="0">
+                        <a:solidFill>
+                          <a:schemeClr val="tx1"/>
+                        </a:solidFill>
+                        <a:latin typeface="+mn-lt"/>
+                      </a:endParaRPr>
+                    </a:p>
+                  </a:txBody>
+                  <a:tcPr>
+                    <a:solidFill>
+                      <a:schemeClr val="bg1"/>
+                    </a:solidFill>
+                  </a:tcPr>
+                </a:tc>
+              </a:tr>
+            </a:tbl>
+          </a:graphicData>
+        </a:graphic>
+      </p:graphicFrame>
+    </p:spTree>
+    <p:extLst>
+      <p:ext uri="{BB962C8B-B14F-4D97-AF65-F5344CB8AC3E}">
+        <p14:creationId xmlns:p14="http://schemas.microsoft.com/office/powerpoint/2010/main" val="1122672152"/>
+      </p:ext>
+    </p:extLst>
+  </p:cSld>
+  <p:clrMapOvr>
+    <a:masterClrMapping/>
+  </p:clrMapOvr>
+  <p:timing>
+    <p:tnLst>
+      <p:par>
+        <p:cTn id="1" dur="indefinite" restart="never" nodeType="tmRoot">
+          <p:childTnLst>
+            <p:seq concurrent="1" nextAc="seek">
+              <p:cTn id="2" dur="indefinite" nodeType="mainSeq">
+                <p:childTnLst>
+                  <p:par>
+                    <p:cTn id="3" fill="hold">
+                      <p:stCondLst>
+                        <p:cond delay="indefinite"/>
+                      </p:stCondLst>
+                      <p:childTnLst>
+                        <p:par>
+                          <p:cTn id="4" fill="hold">
+                            <p:stCondLst>
+                              <p:cond delay="0"/>
+                            </p:stCondLst>
+                            <p:childTnLst>
+                              <p:par>
+                                <p:cTn id="5" presetID="10" presetClass="entr" presetSubtype="0" fill="hold" nodeType="clickEffect">
+                                  <p:stCondLst>
+                                    <p:cond delay="0"/>
+                                  </p:stCondLst>
+                                  <p:childTnLst>
+                                    <p:set>
+                                      <p:cBhvr>
+                                        <p:cTn id="6" dur="1" fill="hold">
+                                          <p:stCondLst>
+                                            <p:cond delay="0"/>
+                                          </p:stCondLst>
+                                        </p:cTn>
+                                        <p:tgtEl>
+                                          <p:spTgt spid="4"/>
+                                        </p:tgtEl>
+                                        <p:attrNameLst>
+                                          <p:attrName>style.visibility</p:attrName>
+                                        </p:attrNameLst>
+                                      </p:cBhvr>
+                                      <p:to>
+                                        <p:strVal val="visible"/>
+                                      </p:to>
+                                    </p:set>
+                                    <p:animEffect transition="in" filter="fade">
+                                      <p:cBhvr>
+                                        <p:cTn id="7" dur="1000"/>
+                                        <p:tgtEl>
+                                          <p:spTgt spid="4"/>
+                                        </p:tgtEl>
+                                      </p:cBhvr>
+                                    </p:animEffect>
+                                  </p:childTnLst>
+                                </p:cTn>
+                              </p:par>
+                            </p:childTnLst>
+                          </p:cTn>
+                        </p:par>
+                      </p:childTnLst>
+                    </p:cTn>
+                  </p:par>
+                </p:childTnLst>
+              </p:cTn>
+              <p:prevCondLst>
+                <p:cond evt="onPrev" delay="0">
+                  <p:tgtEl>
+                    <p:sldTgt/>
+                  </p:tgtEl>
+                </p:cond>
+              </p:prevCondLst>
+              <p:nextCondLst>
+                <p:cond evt="onNext" delay="0">
+                  <p:tgtEl>
+                    <p:sldTgt/>
+                  </p:tgtEl>
+                </p:cond>
+              </p:nextCondLst>
+            </p:seq>
+          </p:childTnLst>
+        </p:cTn>
+      </p:par>
+    </p:tnLst>
+  </p:timing>
+</p:sld>
+</file>
+
+<file path=ppt/slides/slide12.xml><?xml version="1.0" encoding="utf-8"?>
+<p:sld xmlns:a="http://schemas.openxmlformats.org/drawingml/2006/main" xmlns:r="http://schemas.openxmlformats.org/officeDocument/2006/relationships" xmlns:p="http://schemas.openxmlformats.org/presentationml/2006/main">
+  <p:cSld>
+    <p:spTree>
+      <p:nvGrpSpPr>
+        <p:cNvPr id="1" name=""/>
+        <p:cNvGrpSpPr/>
+        <p:nvPr/>
+      </p:nvGrpSpPr>
+      <p:grpSpPr>
+        <a:xfrm>
+          <a:off x="0" y="0"/>
+          <a:ext cx="0" cy="0"/>
+          <a:chOff x="0" y="0"/>
+          <a:chExt cx="0" cy="0"/>
+        </a:xfrm>
+      </p:grpSpPr>
+      <p:sp>
+        <p:nvSpPr>
+          <p:cNvPr id="2" name="Title 1"/>
+          <p:cNvSpPr>
+            <a:spLocks noGrp="1"/>
+          </p:cNvSpPr>
+          <p:nvPr>
+            <p:ph type="title"/>
+          </p:nvPr>
+        </p:nvSpPr>
+        <p:spPr/>
+        <p:txBody>
+          <a:bodyPr/>
+          <a:lstStyle/>
+          <a:p>
+            <a:r>
+              <a:rPr lang="en-US" dirty="0" smtClean="0"/>
               <a:t>Random Forest</a:t>
             </a:r>
             <a:endParaRPr lang="en-US" dirty="0"/>
@@ -4918,7 +6165,7 @@
 </p:sld>
 </file>
 
-<file path=ppt/slides/slide11.xml><?xml version="1.0" encoding="utf-8"?>
+<file path=ppt/slides/slide13.xml><?xml version="1.0" encoding="utf-8"?>
 <p:sld xmlns:a="http://schemas.openxmlformats.org/drawingml/2006/main" xmlns:r="http://schemas.openxmlformats.org/officeDocument/2006/relationships" xmlns:p="http://schemas.openxmlformats.org/presentationml/2006/main">
   <p:cSld>
     <p:spTree>
@@ -5006,7 +6253,7 @@
 </p:sld>
 </file>
 
-<file path=ppt/slides/slide12.xml><?xml version="1.0" encoding="utf-8"?>
+<file path=ppt/slides/slide14.xml><?xml version="1.0" encoding="utf-8"?>
 <p:sld xmlns:a="http://schemas.openxmlformats.org/drawingml/2006/main" xmlns:r="http://schemas.openxmlformats.org/officeDocument/2006/relationships" xmlns:p="http://schemas.openxmlformats.org/presentationml/2006/main">
   <p:cSld>
     <p:spTree>
@@ -5100,7 +6347,7 @@
 </p:sld>
 </file>
 
-<file path=ppt/slides/slide13.xml><?xml version="1.0" encoding="utf-8"?>
+<file path=ppt/slides/slide15.xml><?xml version="1.0" encoding="utf-8"?>
 <p:sld xmlns:a="http://schemas.openxmlformats.org/drawingml/2006/main" xmlns:r="http://schemas.openxmlformats.org/officeDocument/2006/relationships" xmlns:p="http://schemas.openxmlformats.org/presentationml/2006/main">
   <p:cSld>
     <p:spTree>
@@ -5581,7 +6828,7 @@
 </p:sld>
 </file>
 
-<file path=ppt/slides/slide14.xml><?xml version="1.0" encoding="utf-8"?>
+<file path=ppt/slides/slide16.xml><?xml version="1.0" encoding="utf-8"?>
 <p:sld xmlns:a="http://schemas.openxmlformats.org/drawingml/2006/main" xmlns:r="http://schemas.openxmlformats.org/officeDocument/2006/relationships" xmlns:p="http://schemas.openxmlformats.org/presentationml/2006/main">
   <p:cSld>
     <p:spTree>
@@ -6000,7 +7247,7 @@
 </p:sld>
 </file>
 
-<file path=ppt/slides/slide15.xml><?xml version="1.0" encoding="utf-8"?>
+<file path=ppt/slides/slide17.xml><?xml version="1.0" encoding="utf-8"?>
 <p:sld xmlns:a="http://schemas.openxmlformats.org/drawingml/2006/main" xmlns:r="http://schemas.openxmlformats.org/officeDocument/2006/relationships" xmlns:p="http://schemas.openxmlformats.org/presentationml/2006/main">
   <p:cSld>
     <p:spTree>
@@ -6764,7 +8011,7 @@
 </p:sld>
 </file>
 
-<file path=ppt/slides/slide16.xml><?xml version="1.0" encoding="utf-8"?>
+<file path=ppt/slides/slide18.xml><?xml version="1.0" encoding="utf-8"?>
 <p:sld xmlns:a="http://schemas.openxmlformats.org/drawingml/2006/main" xmlns:r="http://schemas.openxmlformats.org/officeDocument/2006/relationships" xmlns:p="http://schemas.openxmlformats.org/presentationml/2006/main">
   <p:cSld>
     <p:spTree>
@@ -6911,7 +8158,7 @@
 </p:sld>
 </file>
 
-<file path=ppt/slides/slide17.xml><?xml version="1.0" encoding="utf-8"?>
+<file path=ppt/slides/slide19.xml><?xml version="1.0" encoding="utf-8"?>
 <p:sld xmlns:a="http://schemas.openxmlformats.org/drawingml/2006/main" xmlns:r="http://schemas.openxmlformats.org/officeDocument/2006/relationships" xmlns:p="http://schemas.openxmlformats.org/presentationml/2006/main">
   <p:cSld>
     <p:spTree>
@@ -7110,7 +8357,114 @@
 </p:sld>
 </file>
 
-<file path=ppt/slides/slide18.xml><?xml version="1.0" encoding="utf-8"?>
+<file path=ppt/slides/slide2.xml><?xml version="1.0" encoding="utf-8"?>
+<p:sld xmlns:a="http://schemas.openxmlformats.org/drawingml/2006/main" xmlns:r="http://schemas.openxmlformats.org/officeDocument/2006/relationships" xmlns:p="http://schemas.openxmlformats.org/presentationml/2006/main">
+  <p:cSld>
+    <p:spTree>
+      <p:nvGrpSpPr>
+        <p:cNvPr id="1" name=""/>
+        <p:cNvGrpSpPr/>
+        <p:nvPr/>
+      </p:nvGrpSpPr>
+      <p:grpSpPr>
+        <a:xfrm>
+          <a:off x="0" y="0"/>
+          <a:ext cx="0" cy="0"/>
+          <a:chOff x="0" y="0"/>
+          <a:chExt cx="0" cy="0"/>
+        </a:xfrm>
+      </p:grpSpPr>
+      <p:sp>
+        <p:nvSpPr>
+          <p:cNvPr id="2" name="Title 1"/>
+          <p:cNvSpPr>
+            <a:spLocks noGrp="1"/>
+          </p:cNvSpPr>
+          <p:nvPr>
+            <p:ph type="title"/>
+          </p:nvPr>
+        </p:nvSpPr>
+        <p:spPr/>
+        <p:txBody>
+          <a:bodyPr/>
+          <a:lstStyle/>
+          <a:p>
+            <a:r>
+              <a:rPr lang="en-US" dirty="0" smtClean="0"/>
+              <a:t>Objectives</a:t>
+            </a:r>
+            <a:endParaRPr lang="en-US" dirty="0"/>
+          </a:p>
+        </p:txBody>
+      </p:sp>
+      <p:sp>
+        <p:nvSpPr>
+          <p:cNvPr id="3" name="Content Placeholder 2"/>
+          <p:cNvSpPr>
+            <a:spLocks noGrp="1"/>
+          </p:cNvSpPr>
+          <p:nvPr>
+            <p:ph idx="1"/>
+          </p:nvPr>
+        </p:nvSpPr>
+        <p:spPr/>
+        <p:txBody>
+          <a:bodyPr/>
+          <a:lstStyle/>
+          <a:p>
+            <a:r>
+              <a:rPr lang="en-US" sz="2400" dirty="0" smtClean="0"/>
+              <a:t>Discuss tree-based modeling as it relates to soil survey.</a:t>
+            </a:r>
+          </a:p>
+          <a:p>
+            <a:pPr lvl="0"/>
+            <a:r>
+              <a:rPr lang="en-US" sz="2400" dirty="0"/>
+              <a:t>Create and evaluate </a:t>
+            </a:r>
+            <a:r>
+              <a:rPr lang="en-US" sz="2400" dirty="0" smtClean="0"/>
+              <a:t>classification and regression tree (CART) </a:t>
+            </a:r>
+            <a:r>
+              <a:rPr lang="en-US" sz="2400" dirty="0"/>
+              <a:t>and Random Forest models in R.</a:t>
+            </a:r>
+          </a:p>
+          <a:p>
+            <a:pPr lvl="0"/>
+            <a:r>
+              <a:rPr lang="en-US" sz="2400" dirty="0"/>
+              <a:t>Interpolate tree-based models in R to a raster output.</a:t>
+            </a:r>
+          </a:p>
+          <a:p>
+            <a:endParaRPr lang="en-US" dirty="0"/>
+          </a:p>
+        </p:txBody>
+      </p:sp>
+    </p:spTree>
+    <p:extLst>
+      <p:ext uri="{BB962C8B-B14F-4D97-AF65-F5344CB8AC3E}">
+        <p14:creationId xmlns:p14="http://schemas.microsoft.com/office/powerpoint/2010/main" val="625797011"/>
+      </p:ext>
+    </p:extLst>
+  </p:cSld>
+  <p:clrMapOvr>
+    <a:masterClrMapping/>
+  </p:clrMapOvr>
+  <p:timing>
+    <p:tnLst>
+      <p:par>
+        <p:cTn id="1" dur="indefinite" restart="never" nodeType="tmRoot"/>
+      </p:par>
+    </p:tnLst>
+  </p:timing>
+</p:sld>
+</file>
+
+<file path=ppt/slides/slide20.xml><?xml version="1.0" encoding="utf-8"?>
 <p:sld xmlns:a="http://schemas.openxmlformats.org/drawingml/2006/main" xmlns:r="http://schemas.openxmlformats.org/officeDocument/2006/relationships" xmlns:p="http://schemas.openxmlformats.org/presentationml/2006/main">
   <p:cSld>
     <p:spTree>
@@ -7326,7 +8680,7 @@
 </p:sld>
 </file>
 
-<file path=ppt/slides/slide19.xml><?xml version="1.0" encoding="utf-8"?>
+<file path=ppt/slides/slide21.xml><?xml version="1.0" encoding="utf-8"?>
 <p:sld xmlns:a="http://schemas.openxmlformats.org/drawingml/2006/main" xmlns:r="http://schemas.openxmlformats.org/officeDocument/2006/relationships" xmlns:p="http://schemas.openxmlformats.org/presentationml/2006/main">
   <p:cSld>
     <p:spTree>
@@ -7416,114 +8770,7 @@
 </p:sld>
 </file>
 
-<file path=ppt/slides/slide2.xml><?xml version="1.0" encoding="utf-8"?>
-<p:sld xmlns:a="http://schemas.openxmlformats.org/drawingml/2006/main" xmlns:r="http://schemas.openxmlformats.org/officeDocument/2006/relationships" xmlns:p="http://schemas.openxmlformats.org/presentationml/2006/main">
-  <p:cSld>
-    <p:spTree>
-      <p:nvGrpSpPr>
-        <p:cNvPr id="1" name=""/>
-        <p:cNvGrpSpPr/>
-        <p:nvPr/>
-      </p:nvGrpSpPr>
-      <p:grpSpPr>
-        <a:xfrm>
-          <a:off x="0" y="0"/>
-          <a:ext cx="0" cy="0"/>
-          <a:chOff x="0" y="0"/>
-          <a:chExt cx="0" cy="0"/>
-        </a:xfrm>
-      </p:grpSpPr>
-      <p:sp>
-        <p:nvSpPr>
-          <p:cNvPr id="2" name="Title 1"/>
-          <p:cNvSpPr>
-            <a:spLocks noGrp="1"/>
-          </p:cNvSpPr>
-          <p:nvPr>
-            <p:ph type="title"/>
-          </p:nvPr>
-        </p:nvSpPr>
-        <p:spPr/>
-        <p:txBody>
-          <a:bodyPr/>
-          <a:lstStyle/>
-          <a:p>
-            <a:r>
-              <a:rPr lang="en-US" dirty="0" smtClean="0"/>
-              <a:t>Objectives</a:t>
-            </a:r>
-            <a:endParaRPr lang="en-US" dirty="0"/>
-          </a:p>
-        </p:txBody>
-      </p:sp>
-      <p:sp>
-        <p:nvSpPr>
-          <p:cNvPr id="3" name="Content Placeholder 2"/>
-          <p:cNvSpPr>
-            <a:spLocks noGrp="1"/>
-          </p:cNvSpPr>
-          <p:nvPr>
-            <p:ph idx="1"/>
-          </p:nvPr>
-        </p:nvSpPr>
-        <p:spPr/>
-        <p:txBody>
-          <a:bodyPr/>
-          <a:lstStyle/>
-          <a:p>
-            <a:r>
-              <a:rPr lang="en-US" sz="2400" dirty="0" smtClean="0"/>
-              <a:t>Discuss tree-based modeling as it relates to soil survey.</a:t>
-            </a:r>
-          </a:p>
-          <a:p>
-            <a:pPr lvl="0"/>
-            <a:r>
-              <a:rPr lang="en-US" sz="2400" dirty="0"/>
-              <a:t>Create and evaluate </a:t>
-            </a:r>
-            <a:r>
-              <a:rPr lang="en-US" sz="2400" dirty="0" smtClean="0"/>
-              <a:t>classification and regression tree (CART) </a:t>
-            </a:r>
-            <a:r>
-              <a:rPr lang="en-US" sz="2400" dirty="0"/>
-              <a:t>and Random Forest models in R.</a:t>
-            </a:r>
-          </a:p>
-          <a:p>
-            <a:pPr lvl="0"/>
-            <a:r>
-              <a:rPr lang="en-US" sz="2400" dirty="0"/>
-              <a:t>Interpolate tree-based models in R to a raster output.</a:t>
-            </a:r>
-          </a:p>
-          <a:p>
-            <a:endParaRPr lang="en-US" dirty="0"/>
-          </a:p>
-        </p:txBody>
-      </p:sp>
-    </p:spTree>
-    <p:extLst>
-      <p:ext uri="{BB962C8B-B14F-4D97-AF65-F5344CB8AC3E}">
-        <p14:creationId xmlns:p14="http://schemas.microsoft.com/office/powerpoint/2010/main" val="625797011"/>
-      </p:ext>
-    </p:extLst>
-  </p:cSld>
-  <p:clrMapOvr>
-    <a:masterClrMapping/>
-  </p:clrMapOvr>
-  <p:timing>
-    <p:tnLst>
-      <p:par>
-        <p:cTn id="1" dur="indefinite" restart="never" nodeType="tmRoot"/>
-      </p:par>
-    </p:tnLst>
-  </p:timing>
-</p:sld>
-</file>
-
-<file path=ppt/slides/slide20.xml><?xml version="1.0" encoding="utf-8"?>
+<file path=ppt/slides/slide22.xml><?xml version="1.0" encoding="utf-8"?>
 <p:sld xmlns:a="http://schemas.openxmlformats.org/drawingml/2006/main" xmlns:r="http://schemas.openxmlformats.org/officeDocument/2006/relationships" xmlns:p="http://schemas.openxmlformats.org/presentationml/2006/main">
   <p:cSld>
     <p:spTree>
@@ -8126,7 +9373,7 @@
 </p:sld>
 </file>
 
-<file path=ppt/slides/slide21.xml><?xml version="1.0" encoding="utf-8"?>
+<file path=ppt/slides/slide23.xml><?xml version="1.0" encoding="utf-8"?>
 <p:sld xmlns:a="http://schemas.openxmlformats.org/drawingml/2006/main" xmlns:r="http://schemas.openxmlformats.org/officeDocument/2006/relationships" xmlns:p="http://schemas.openxmlformats.org/presentationml/2006/main">
   <p:cSld>
     <p:spTree>
@@ -8221,7 +9468,7 @@
 </p:sld>
 </file>
 
-<file path=ppt/slides/slide22.xml><?xml version="1.0" encoding="utf-8"?>
+<file path=ppt/slides/slide24.xml><?xml version="1.0" encoding="utf-8"?>
 <p:sld xmlns:a="http://schemas.openxmlformats.org/drawingml/2006/main" xmlns:r="http://schemas.openxmlformats.org/officeDocument/2006/relationships" xmlns:p="http://schemas.openxmlformats.org/presentationml/2006/main">
   <p:cSld>
     <p:spTree>
@@ -8761,7 +10008,7 @@
 </p:sld>
 </file>
 
-<file path=ppt/slides/slide23.xml><?xml version="1.0" encoding="utf-8"?>
+<file path=ppt/slides/slide25.xml><?xml version="1.0" encoding="utf-8"?>
 <p:sld xmlns:a="http://schemas.openxmlformats.org/drawingml/2006/main" xmlns:r="http://schemas.openxmlformats.org/officeDocument/2006/relationships" xmlns:p="http://schemas.openxmlformats.org/presentationml/2006/main">
   <p:cSld>
     <p:spTree>
@@ -11161,6 +12408,294 @@
           <a:chExt cx="0" cy="0"/>
         </a:xfrm>
       </p:grpSpPr>
+      <p:pic>
+        <p:nvPicPr>
+          <p:cNvPr id="5" name="Picture 4"/>
+          <p:cNvPicPr>
+            <a:picLocks noChangeAspect="1"/>
+          </p:cNvPicPr>
+          <p:nvPr/>
+        </p:nvPicPr>
+        <p:blipFill rotWithShape="1">
+          <a:blip r:embed="rId3"/>
+          <a:srcRect l="27500" t="7333" r="27001" b="12666"/>
+          <a:stretch/>
+        </p:blipFill>
+        <p:spPr>
+          <a:xfrm>
+            <a:off x="1795741" y="1806055"/>
+            <a:ext cx="4747844" cy="4695670"/>
+          </a:xfrm>
+          <a:prstGeom prst="rect">
+            <a:avLst/>
+          </a:prstGeom>
+          <a:ln>
+            <a:solidFill>
+              <a:schemeClr val="tx1"/>
+            </a:solidFill>
+          </a:ln>
+        </p:spPr>
+      </p:pic>
+      <p:sp>
+        <p:nvSpPr>
+          <p:cNvPr id="2" name="Title 1"/>
+          <p:cNvSpPr>
+            <a:spLocks noGrp="1"/>
+          </p:cNvSpPr>
+          <p:nvPr>
+            <p:ph type="title"/>
+          </p:nvPr>
+        </p:nvSpPr>
+        <p:spPr/>
+        <p:txBody>
+          <a:bodyPr/>
+          <a:lstStyle/>
+          <a:p>
+            <a:r>
+              <a:rPr lang="en-US" dirty="0" err="1" smtClean="0"/>
+              <a:t>Nauman</a:t>
+            </a:r>
+            <a:r>
+              <a:rPr lang="en-US" dirty="0" smtClean="0"/>
+              <a:t> et al., 2015</a:t>
+            </a:r>
+            <a:endParaRPr lang="en-US" dirty="0"/>
+          </a:p>
+        </p:txBody>
+      </p:sp>
+      <p:pic>
+        <p:nvPicPr>
+          <p:cNvPr id="4" name="Picture 3"/>
+          <p:cNvPicPr>
+            <a:picLocks noChangeAspect="1"/>
+          </p:cNvPicPr>
+          <p:nvPr/>
+        </p:nvPicPr>
+        <p:blipFill rotWithShape="1">
+          <a:blip r:embed="rId4"/>
+          <a:srcRect l="25568" t="13203" r="22565" b="8875"/>
+          <a:stretch/>
+        </p:blipFill>
+        <p:spPr>
+          <a:xfrm>
+            <a:off x="1388363" y="1806055"/>
+            <a:ext cx="5562600" cy="4700788"/>
+          </a:xfrm>
+          <a:prstGeom prst="rect">
+            <a:avLst/>
+          </a:prstGeom>
+          <a:ln>
+            <a:solidFill>
+              <a:schemeClr val="tx1"/>
+            </a:solidFill>
+          </a:ln>
+        </p:spPr>
+      </p:pic>
+    </p:spTree>
+    <p:extLst>
+      <p:ext uri="{BB962C8B-B14F-4D97-AF65-F5344CB8AC3E}">
+        <p14:creationId xmlns:p14="http://schemas.microsoft.com/office/powerpoint/2010/main" val="2333978301"/>
+      </p:ext>
+    </p:extLst>
+  </p:cSld>
+  <p:clrMapOvr>
+    <a:masterClrMapping/>
+  </p:clrMapOvr>
+  <p:timing>
+    <p:tnLst>
+      <p:par>
+        <p:cTn id="1" dur="indefinite" restart="never" nodeType="tmRoot">
+          <p:childTnLst>
+            <p:seq concurrent="1" nextAc="seek">
+              <p:cTn id="2" dur="indefinite" nodeType="mainSeq">
+                <p:childTnLst>
+                  <p:par>
+                    <p:cTn id="3" fill="hold">
+                      <p:stCondLst>
+                        <p:cond delay="indefinite"/>
+                      </p:stCondLst>
+                      <p:childTnLst>
+                        <p:par>
+                          <p:cTn id="4" fill="hold">
+                            <p:stCondLst>
+                              <p:cond delay="0"/>
+                            </p:stCondLst>
+                            <p:childTnLst>
+                              <p:par>
+                                <p:cTn id="5" presetID="10" presetClass="exit" presetSubtype="0" fill="hold" nodeType="clickEffect">
+                                  <p:stCondLst>
+                                    <p:cond delay="0"/>
+                                  </p:stCondLst>
+                                  <p:childTnLst>
+                                    <p:animEffect transition="out" filter="fade">
+                                      <p:cBhvr>
+                                        <p:cTn id="6" dur="500"/>
+                                        <p:tgtEl>
+                                          <p:spTgt spid="4"/>
+                                        </p:tgtEl>
+                                      </p:cBhvr>
+                                    </p:animEffect>
+                                    <p:set>
+                                      <p:cBhvr>
+                                        <p:cTn id="7" dur="1" fill="hold">
+                                          <p:stCondLst>
+                                            <p:cond delay="499"/>
+                                          </p:stCondLst>
+                                        </p:cTn>
+                                        <p:tgtEl>
+                                          <p:spTgt spid="4"/>
+                                        </p:tgtEl>
+                                        <p:attrNameLst>
+                                          <p:attrName>style.visibility</p:attrName>
+                                        </p:attrNameLst>
+                                      </p:cBhvr>
+                                      <p:to>
+                                        <p:strVal val="hidden"/>
+                                      </p:to>
+                                    </p:set>
+                                  </p:childTnLst>
+                                </p:cTn>
+                              </p:par>
+                            </p:childTnLst>
+                          </p:cTn>
+                        </p:par>
+                      </p:childTnLst>
+                    </p:cTn>
+                  </p:par>
+                </p:childTnLst>
+              </p:cTn>
+              <p:prevCondLst>
+                <p:cond evt="onPrev" delay="0">
+                  <p:tgtEl>
+                    <p:sldTgt/>
+                  </p:tgtEl>
+                </p:cond>
+              </p:prevCondLst>
+              <p:nextCondLst>
+                <p:cond evt="onNext" delay="0">
+                  <p:tgtEl>
+                    <p:sldTgt/>
+                  </p:tgtEl>
+                </p:cond>
+              </p:nextCondLst>
+            </p:seq>
+          </p:childTnLst>
+        </p:cTn>
+      </p:par>
+    </p:tnLst>
+  </p:timing>
+</p:sld>
+</file>
+
+<file path=ppt/slides/slide8.xml><?xml version="1.0" encoding="utf-8"?>
+<p:sld xmlns:a="http://schemas.openxmlformats.org/drawingml/2006/main" xmlns:r="http://schemas.openxmlformats.org/officeDocument/2006/relationships" xmlns:p="http://schemas.openxmlformats.org/presentationml/2006/main">
+  <p:cSld>
+    <p:spTree>
+      <p:nvGrpSpPr>
+        <p:cNvPr id="1" name=""/>
+        <p:cNvGrpSpPr/>
+        <p:nvPr/>
+      </p:nvGrpSpPr>
+      <p:grpSpPr>
+        <a:xfrm>
+          <a:off x="0" y="0"/>
+          <a:ext cx="0" cy="0"/>
+          <a:chOff x="0" y="0"/>
+          <a:chExt cx="0" cy="0"/>
+        </a:xfrm>
+      </p:grpSpPr>
+      <p:sp>
+        <p:nvSpPr>
+          <p:cNvPr id="2" name="Title 1"/>
+          <p:cNvSpPr>
+            <a:spLocks noGrp="1"/>
+          </p:cNvSpPr>
+          <p:nvPr>
+            <p:ph type="title"/>
+          </p:nvPr>
+        </p:nvSpPr>
+        <p:spPr/>
+        <p:txBody>
+          <a:bodyPr/>
+          <a:lstStyle/>
+          <a:p>
+            <a:r>
+              <a:rPr lang="en-US" dirty="0" err="1" smtClean="0"/>
+              <a:t>Brungard</a:t>
+            </a:r>
+            <a:r>
+              <a:rPr lang="en-US" dirty="0" smtClean="0"/>
+              <a:t> et al., 2015</a:t>
+            </a:r>
+            <a:endParaRPr lang="en-US" dirty="0"/>
+          </a:p>
+        </p:txBody>
+      </p:sp>
+      <p:pic>
+        <p:nvPicPr>
+          <p:cNvPr id="3" name="Picture 2"/>
+          <p:cNvPicPr>
+            <a:picLocks noChangeAspect="1"/>
+          </p:cNvPicPr>
+          <p:nvPr/>
+        </p:nvPicPr>
+        <p:blipFill rotWithShape="1">
+          <a:blip r:embed="rId3"/>
+          <a:srcRect l="19500" t="19778" r="19500" b="11778"/>
+          <a:stretch/>
+        </p:blipFill>
+        <p:spPr>
+          <a:xfrm>
+            <a:off x="585981" y="1800937"/>
+            <a:ext cx="7167363" cy="4523663"/>
+          </a:xfrm>
+          <a:prstGeom prst="rect">
+            <a:avLst/>
+          </a:prstGeom>
+          <a:ln>
+            <a:solidFill>
+              <a:schemeClr val="tx1"/>
+            </a:solidFill>
+          </a:ln>
+        </p:spPr>
+      </p:pic>
+    </p:spTree>
+    <p:extLst>
+      <p:ext uri="{BB962C8B-B14F-4D97-AF65-F5344CB8AC3E}">
+        <p14:creationId xmlns:p14="http://schemas.microsoft.com/office/powerpoint/2010/main" val="3224167475"/>
+      </p:ext>
+    </p:extLst>
+  </p:cSld>
+  <p:clrMapOvr>
+    <a:masterClrMapping/>
+  </p:clrMapOvr>
+  <p:timing>
+    <p:tnLst>
+      <p:par>
+        <p:cTn id="1" dur="indefinite" restart="never" nodeType="tmRoot"/>
+      </p:par>
+    </p:tnLst>
+  </p:timing>
+</p:sld>
+</file>
+
+<file path=ppt/slides/slide9.xml><?xml version="1.0" encoding="utf-8"?>
+<p:sld xmlns:a="http://schemas.openxmlformats.org/drawingml/2006/main" xmlns:r="http://schemas.openxmlformats.org/officeDocument/2006/relationships" xmlns:p="http://schemas.openxmlformats.org/presentationml/2006/main">
+  <p:cSld>
+    <p:spTree>
+      <p:nvGrpSpPr>
+        <p:cNvPr id="1" name=""/>
+        <p:cNvGrpSpPr/>
+        <p:nvPr/>
+      </p:nvGrpSpPr>
+      <p:grpSpPr>
+        <a:xfrm>
+          <a:off x="0" y="0"/>
+          <a:ext cx="0" cy="0"/>
+          <a:chOff x="0" y="0"/>
+          <a:chExt cx="0" cy="0"/>
+        </a:xfrm>
+      </p:grpSpPr>
       <p:sp>
         <p:nvSpPr>
           <p:cNvPr id="417794" name="Rectangle 2"/>
@@ -11791,939 +13326,6 @@
                                               <p:pRg st="6" end="6"/>
                                             </p:txEl>
                                           </p:spTgt>
-                                        </p:tgtEl>
-                                      </p:cBhvr>
-                                    </p:animEffect>
-                                  </p:childTnLst>
-                                </p:cTn>
-                              </p:par>
-                            </p:childTnLst>
-                          </p:cTn>
-                        </p:par>
-                      </p:childTnLst>
-                    </p:cTn>
-                  </p:par>
-                </p:childTnLst>
-              </p:cTn>
-              <p:prevCondLst>
-                <p:cond evt="onPrev" delay="0">
-                  <p:tgtEl>
-                    <p:sldTgt/>
-                  </p:tgtEl>
-                </p:cond>
-              </p:prevCondLst>
-              <p:nextCondLst>
-                <p:cond evt="onNext" delay="0">
-                  <p:tgtEl>
-                    <p:sldTgt/>
-                  </p:tgtEl>
-                </p:cond>
-              </p:nextCondLst>
-            </p:seq>
-          </p:childTnLst>
-        </p:cTn>
-      </p:par>
-    </p:tnLst>
-  </p:timing>
-</p:sld>
-</file>
-
-<file path=ppt/slides/slide8.xml><?xml version="1.0" encoding="utf-8"?>
-<p:sld xmlns:a="http://schemas.openxmlformats.org/drawingml/2006/main" xmlns:r="http://schemas.openxmlformats.org/officeDocument/2006/relationships" xmlns:p="http://schemas.openxmlformats.org/presentationml/2006/main">
-  <p:cSld>
-    <p:spTree>
-      <p:nvGrpSpPr>
-        <p:cNvPr id="1" name=""/>
-        <p:cNvGrpSpPr/>
-        <p:nvPr/>
-      </p:nvGrpSpPr>
-      <p:grpSpPr>
-        <a:xfrm>
-          <a:off x="0" y="0"/>
-          <a:ext cx="0" cy="0"/>
-          <a:chOff x="0" y="0"/>
-          <a:chExt cx="0" cy="0"/>
-        </a:xfrm>
-      </p:grpSpPr>
-      <p:sp>
-        <p:nvSpPr>
-          <p:cNvPr id="2" name="Title 1"/>
-          <p:cNvSpPr>
-            <a:spLocks noGrp="1"/>
-          </p:cNvSpPr>
-          <p:nvPr>
-            <p:ph type="title"/>
-          </p:nvPr>
-        </p:nvSpPr>
-        <p:spPr/>
-        <p:txBody>
-          <a:bodyPr/>
-          <a:lstStyle/>
-          <a:p>
-            <a:r>
-              <a:rPr lang="en-US" dirty="0" smtClean="0"/>
-              <a:t>EXERCISE: </a:t>
-            </a:r>
-            <a:r>
-              <a:rPr lang="en-US" dirty="0" err="1" smtClean="0"/>
-              <a:t>rpart</a:t>
-            </a:r>
-            <a:endParaRPr lang="en-US" dirty="0"/>
-          </a:p>
-        </p:txBody>
-      </p:sp>
-      <p:sp>
-        <p:nvSpPr>
-          <p:cNvPr id="3" name="Content Placeholder 2"/>
-          <p:cNvSpPr>
-            <a:spLocks noGrp="1"/>
-          </p:cNvSpPr>
-          <p:nvPr>
-            <p:ph idx="1"/>
-          </p:nvPr>
-        </p:nvSpPr>
-        <p:spPr/>
-        <p:txBody>
-          <a:bodyPr/>
-          <a:lstStyle/>
-          <a:p>
-            <a:pPr marL="0" indent="0">
-              <a:buNone/>
-            </a:pPr>
-            <a:r>
-              <a:rPr lang="en-US" dirty="0" smtClean="0"/>
-              <a:t>****INSERT LINK TO TREE MODEL .RMD FILE****</a:t>
-            </a:r>
-            <a:endParaRPr lang="en-US" dirty="0"/>
-          </a:p>
-        </p:txBody>
-      </p:sp>
-    </p:spTree>
-    <p:extLst>
-      <p:ext uri="{BB962C8B-B14F-4D97-AF65-F5344CB8AC3E}">
-        <p14:creationId xmlns:p14="http://schemas.microsoft.com/office/powerpoint/2010/main" val="4216230586"/>
-      </p:ext>
-    </p:extLst>
-  </p:cSld>
-  <p:clrMapOvr>
-    <a:masterClrMapping/>
-  </p:clrMapOvr>
-  <p:timing>
-    <p:tnLst>
-      <p:par>
-        <p:cTn id="1" dur="indefinite" restart="never" nodeType="tmRoot"/>
-      </p:par>
-    </p:tnLst>
-  </p:timing>
-</p:sld>
-</file>
-
-<file path=ppt/slides/slide9.xml><?xml version="1.0" encoding="utf-8"?>
-<p:sld xmlns:a="http://schemas.openxmlformats.org/drawingml/2006/main" xmlns:r="http://schemas.openxmlformats.org/officeDocument/2006/relationships" xmlns:p="http://schemas.openxmlformats.org/presentationml/2006/main">
-  <p:cSld>
-    <p:spTree>
-      <p:nvGrpSpPr>
-        <p:cNvPr id="1" name=""/>
-        <p:cNvGrpSpPr/>
-        <p:nvPr/>
-      </p:nvGrpSpPr>
-      <p:grpSpPr>
-        <a:xfrm>
-          <a:off x="0" y="0"/>
-          <a:ext cx="0" cy="0"/>
-          <a:chOff x="0" y="0"/>
-          <a:chExt cx="0" cy="0"/>
-        </a:xfrm>
-      </p:grpSpPr>
-      <p:sp>
-        <p:nvSpPr>
-          <p:cNvPr id="2" name="Title 1"/>
-          <p:cNvSpPr>
-            <a:spLocks noGrp="1"/>
-          </p:cNvSpPr>
-          <p:nvPr>
-            <p:ph type="title"/>
-          </p:nvPr>
-        </p:nvSpPr>
-        <p:spPr/>
-        <p:txBody>
-          <a:bodyPr/>
-          <a:lstStyle/>
-          <a:p>
-            <a:r>
-              <a:rPr lang="en-US" dirty="0" smtClean="0"/>
-              <a:t>Summary - </a:t>
-            </a:r>
-            <a:r>
-              <a:rPr lang="en-US" dirty="0" err="1" smtClean="0"/>
-              <a:t>rpart</a:t>
-            </a:r>
-            <a:endParaRPr lang="en-US" dirty="0"/>
-          </a:p>
-        </p:txBody>
-      </p:sp>
-      <p:sp>
-        <p:nvSpPr>
-          <p:cNvPr id="3" name="Content Placeholder 2"/>
-          <p:cNvSpPr>
-            <a:spLocks noGrp="1"/>
-          </p:cNvSpPr>
-          <p:nvPr>
-            <p:ph idx="1"/>
-          </p:nvPr>
-        </p:nvSpPr>
-        <p:spPr>
-          <a:xfrm>
-            <a:off x="946404" y="1828801"/>
-            <a:ext cx="7435596" cy="4351337"/>
-          </a:xfrm>
-        </p:spPr>
-        <p:txBody>
-          <a:bodyPr>
-            <a:normAutofit/>
-          </a:bodyPr>
-          <a:lstStyle/>
-          <a:p>
-            <a:pPr marL="0" indent="0" algn="ctr">
-              <a:lnSpc>
-                <a:spcPct val="120000"/>
-              </a:lnSpc>
-              <a:spcBef>
-                <a:spcPts val="0"/>
-              </a:spcBef>
-              <a:buNone/>
-            </a:pPr>
-            <a:r>
-              <a:rPr lang="en-US" sz="2400" b="1" i="1" dirty="0" err="1" smtClean="0">
-                <a:cs typeface="Times New Roman" panose="02020603050405020304" pitchFamily="18" charset="0"/>
-              </a:rPr>
-              <a:t>rpart</a:t>
-            </a:r>
-            <a:r>
-              <a:rPr lang="en-US" sz="2400" b="1" i="1" dirty="0" smtClean="0">
-                <a:cs typeface="Times New Roman" panose="02020603050405020304" pitchFamily="18" charset="0"/>
-              </a:rPr>
-              <a:t>(formula, data, method, control)</a:t>
-            </a:r>
-          </a:p>
-          <a:p>
-            <a:pPr marL="0" indent="0">
-              <a:lnSpc>
-                <a:spcPct val="120000"/>
-              </a:lnSpc>
-              <a:spcBef>
-                <a:spcPts val="0"/>
-              </a:spcBef>
-              <a:buNone/>
-            </a:pPr>
-            <a:r>
-              <a:rPr lang="en-US" sz="2000" b="1" dirty="0" smtClean="0">
-                <a:cs typeface="Times New Roman" panose="02020603050405020304" pitchFamily="18" charset="0"/>
-              </a:rPr>
-              <a:t>formula </a:t>
-            </a:r>
-            <a:r>
-              <a:rPr lang="en-US" sz="2000" dirty="0" smtClean="0">
-                <a:cs typeface="Times New Roman" panose="02020603050405020304" pitchFamily="18" charset="0"/>
-              </a:rPr>
-              <a:t>    response~predictor1+predictor2+predictorx</a:t>
-            </a:r>
-            <a:endParaRPr lang="en-US" sz="2000" dirty="0">
-              <a:cs typeface="Times New Roman" panose="02020603050405020304" pitchFamily="18" charset="0"/>
-            </a:endParaRPr>
-          </a:p>
-          <a:p>
-            <a:pPr marL="0" indent="0">
-              <a:lnSpc>
-                <a:spcPct val="120000"/>
-              </a:lnSpc>
-              <a:spcBef>
-                <a:spcPts val="0"/>
-              </a:spcBef>
-              <a:buNone/>
-            </a:pPr>
-            <a:r>
-              <a:rPr lang="en-US" sz="2000" b="1" dirty="0" smtClean="0">
-                <a:cs typeface="Times New Roman" panose="02020603050405020304" pitchFamily="18" charset="0"/>
-              </a:rPr>
-              <a:t>data=</a:t>
-            </a:r>
-            <a:r>
-              <a:rPr lang="en-US" sz="2000" dirty="0">
-                <a:cs typeface="Times New Roman" panose="02020603050405020304" pitchFamily="18" charset="0"/>
-              </a:rPr>
-              <a:t>	</a:t>
-            </a:r>
-            <a:r>
-              <a:rPr lang="en-US" sz="2000" dirty="0" smtClean="0">
-                <a:cs typeface="Times New Roman" panose="02020603050405020304" pitchFamily="18" charset="0"/>
-              </a:rPr>
-              <a:t>       specifies </a:t>
-            </a:r>
-            <a:r>
-              <a:rPr lang="en-US" sz="2000" dirty="0">
-                <a:cs typeface="Times New Roman" panose="02020603050405020304" pitchFamily="18" charset="0"/>
-              </a:rPr>
-              <a:t>the </a:t>
-            </a:r>
-            <a:r>
-              <a:rPr lang="en-US" sz="2000" dirty="0" smtClean="0">
-                <a:cs typeface="Times New Roman" panose="02020603050405020304" pitchFamily="18" charset="0"/>
-              </a:rPr>
-              <a:t>dataset</a:t>
-            </a:r>
-            <a:endParaRPr lang="en-US" sz="2000" dirty="0">
-              <a:cs typeface="Times New Roman" panose="02020603050405020304" pitchFamily="18" charset="0"/>
-            </a:endParaRPr>
-          </a:p>
-          <a:p>
-            <a:pPr marL="0" indent="0">
-              <a:lnSpc>
-                <a:spcPct val="120000"/>
-              </a:lnSpc>
-              <a:spcBef>
-                <a:spcPts val="0"/>
-              </a:spcBef>
-              <a:buNone/>
-            </a:pPr>
-            <a:r>
-              <a:rPr lang="en-US" sz="2000" b="1" dirty="0">
-                <a:cs typeface="Times New Roman" panose="02020603050405020304" pitchFamily="18" charset="0"/>
-              </a:rPr>
-              <a:t>m</a:t>
-            </a:r>
-            <a:r>
-              <a:rPr lang="en-US" sz="2000" b="1" dirty="0" smtClean="0">
-                <a:cs typeface="Times New Roman" panose="02020603050405020304" pitchFamily="18" charset="0"/>
-              </a:rPr>
-              <a:t>ethod=    “</a:t>
-            </a:r>
-            <a:r>
-              <a:rPr lang="en-US" sz="2000" b="1" dirty="0">
-                <a:cs typeface="Times New Roman" panose="02020603050405020304" pitchFamily="18" charset="0"/>
-              </a:rPr>
-              <a:t>class” </a:t>
-            </a:r>
-            <a:r>
-              <a:rPr lang="en-US" sz="2000" dirty="0">
-                <a:cs typeface="Times New Roman" panose="02020603050405020304" pitchFamily="18" charset="0"/>
-              </a:rPr>
-              <a:t>for classification tree</a:t>
-            </a:r>
-          </a:p>
-          <a:p>
-            <a:pPr marL="0" indent="0">
-              <a:lnSpc>
-                <a:spcPct val="120000"/>
-              </a:lnSpc>
-              <a:spcBef>
-                <a:spcPts val="0"/>
-              </a:spcBef>
-              <a:buNone/>
-            </a:pPr>
-            <a:r>
-              <a:rPr lang="en-US" sz="2000" b="1" dirty="0" smtClean="0">
-                <a:cs typeface="Times New Roman" panose="02020603050405020304" pitchFamily="18" charset="0"/>
-              </a:rPr>
-              <a:t>                   “</a:t>
-            </a:r>
-            <a:r>
-              <a:rPr lang="en-US" sz="2000" b="1" dirty="0" err="1">
-                <a:cs typeface="Times New Roman" panose="02020603050405020304" pitchFamily="18" charset="0"/>
-              </a:rPr>
-              <a:t>anova</a:t>
-            </a:r>
-            <a:r>
-              <a:rPr lang="en-US" sz="2000" b="1" dirty="0">
-                <a:cs typeface="Times New Roman" panose="02020603050405020304" pitchFamily="18" charset="0"/>
-              </a:rPr>
-              <a:t>” </a:t>
-            </a:r>
-            <a:r>
-              <a:rPr lang="en-US" sz="2000" dirty="0">
-                <a:cs typeface="Times New Roman" panose="02020603050405020304" pitchFamily="18" charset="0"/>
-              </a:rPr>
-              <a:t>for regression tree	</a:t>
-            </a:r>
-          </a:p>
-          <a:p>
-            <a:pPr marL="0" indent="0">
-              <a:lnSpc>
-                <a:spcPct val="120000"/>
-              </a:lnSpc>
-              <a:spcBef>
-                <a:spcPts val="0"/>
-              </a:spcBef>
-              <a:buNone/>
-            </a:pPr>
-            <a:r>
-              <a:rPr lang="en-US" sz="2000" b="1" dirty="0" smtClean="0">
-                <a:cs typeface="Times New Roman" panose="02020603050405020304" pitchFamily="18" charset="0"/>
-              </a:rPr>
-              <a:t>control=</a:t>
-            </a:r>
-            <a:r>
-              <a:rPr lang="en-US" sz="2000" dirty="0" smtClean="0">
-                <a:cs typeface="Times New Roman" panose="02020603050405020304" pitchFamily="18" charset="0"/>
-              </a:rPr>
-              <a:t>    optional </a:t>
-            </a:r>
-            <a:r>
-              <a:rPr lang="en-US" sz="2000" dirty="0">
-                <a:cs typeface="Times New Roman" panose="02020603050405020304" pitchFamily="18" charset="0"/>
-              </a:rPr>
-              <a:t>parameters for controlling tree growth	</a:t>
-            </a:r>
-          </a:p>
-          <a:p>
-            <a:pPr marL="0" indent="0">
-              <a:lnSpc>
-                <a:spcPct val="120000"/>
-              </a:lnSpc>
-              <a:spcBef>
-                <a:spcPts val="0"/>
-              </a:spcBef>
-              <a:buNone/>
-            </a:pPr>
-            <a:r>
-              <a:rPr lang="en-US" sz="2200" dirty="0">
-                <a:cs typeface="Times New Roman" panose="02020603050405020304" pitchFamily="18" charset="0"/>
-              </a:rPr>
-              <a:t>	</a:t>
-            </a:r>
-          </a:p>
-        </p:txBody>
-      </p:sp>
-      <p:graphicFrame>
-        <p:nvGraphicFramePr>
-          <p:cNvPr id="4" name="Table 3"/>
-          <p:cNvGraphicFramePr>
-            <a:graphicFrameLocks noGrp="1"/>
-          </p:cNvGraphicFramePr>
-          <p:nvPr>
-            <p:extLst>
-              <p:ext uri="{D42A27DB-BD31-4B8C-83A1-F6EECF244321}">
-                <p14:modId xmlns:p14="http://schemas.microsoft.com/office/powerpoint/2010/main" val="2585143608"/>
-              </p:ext>
-            </p:extLst>
-          </p:nvPr>
-        </p:nvGraphicFramePr>
-        <p:xfrm>
-          <a:off x="899651" y="2438400"/>
-          <a:ext cx="7316233" cy="2421067"/>
-        </p:xfrm>
-        <a:graphic>
-          <a:graphicData uri="http://schemas.openxmlformats.org/drawingml/2006/table">
-            <a:tbl>
-              <a:tblPr firstRow="1" bandRow="1">
-                <a:tableStyleId>{5940675A-B579-460E-94D1-54222C63F5DA}</a:tableStyleId>
-              </a:tblPr>
-              <a:tblGrid>
-                <a:gridCol w="1833111"/>
-                <a:gridCol w="5483122"/>
-              </a:tblGrid>
-              <a:tr h="291690">
-                <a:tc>
-                  <a:txBody>
-                    <a:bodyPr/>
-                    <a:lstStyle/>
-                    <a:p>
-                      <a:r>
-                        <a:rPr lang="en-US" sz="1900" b="1" dirty="0" err="1" smtClean="0">
-                          <a:solidFill>
-                            <a:schemeClr val="tx1"/>
-                          </a:solidFill>
-                          <a:latin typeface="+mn-lt"/>
-                        </a:rPr>
-                        <a:t>printcp</a:t>
-                      </a:r>
-                      <a:r>
-                        <a:rPr lang="en-US" sz="1900" b="1" dirty="0" smtClean="0">
-                          <a:solidFill>
-                            <a:schemeClr val="tx1"/>
-                          </a:solidFill>
-                          <a:latin typeface="+mn-lt"/>
-                        </a:rPr>
-                        <a:t>( )</a:t>
-                      </a:r>
-                      <a:endParaRPr lang="en-US" sz="1900" b="1" dirty="0">
-                        <a:solidFill>
-                          <a:schemeClr val="tx1"/>
-                        </a:solidFill>
-                        <a:latin typeface="+mn-lt"/>
-                      </a:endParaRPr>
-                    </a:p>
-                  </a:txBody>
-                  <a:tcPr>
-                    <a:solidFill>
-                      <a:schemeClr val="bg1"/>
-                    </a:solidFill>
-                  </a:tcPr>
-                </a:tc>
-                <a:tc>
-                  <a:txBody>
-                    <a:bodyPr/>
-                    <a:lstStyle/>
-                    <a:p>
-                      <a:r>
-                        <a:rPr lang="en-US" sz="1900" dirty="0" smtClean="0">
-                          <a:solidFill>
-                            <a:schemeClr val="tx1"/>
-                          </a:solidFill>
-                          <a:latin typeface="+mn-lt"/>
-                        </a:rPr>
-                        <a:t>displays complexity</a:t>
-                      </a:r>
-                      <a:r>
-                        <a:rPr lang="en-US" sz="1900" baseline="0" dirty="0" smtClean="0">
-                          <a:solidFill>
-                            <a:schemeClr val="tx1"/>
-                          </a:solidFill>
-                          <a:latin typeface="+mn-lt"/>
-                        </a:rPr>
-                        <a:t> parameter (</a:t>
-                      </a:r>
-                      <a:r>
-                        <a:rPr lang="en-US" sz="1900" baseline="0" dirty="0" err="1" smtClean="0">
-                          <a:solidFill>
-                            <a:schemeClr val="tx1"/>
-                          </a:solidFill>
-                          <a:latin typeface="+mn-lt"/>
-                        </a:rPr>
-                        <a:t>cp</a:t>
-                      </a:r>
-                      <a:r>
-                        <a:rPr lang="en-US" sz="1900" baseline="0" dirty="0" smtClean="0">
-                          <a:solidFill>
-                            <a:schemeClr val="tx1"/>
-                          </a:solidFill>
-                          <a:latin typeface="+mn-lt"/>
-                        </a:rPr>
-                        <a:t>) table</a:t>
-                      </a:r>
-                      <a:endParaRPr lang="en-US" sz="1900" dirty="0">
-                        <a:solidFill>
-                          <a:schemeClr val="tx1"/>
-                        </a:solidFill>
-                        <a:latin typeface="+mn-lt"/>
-                      </a:endParaRPr>
-                    </a:p>
-                  </a:txBody>
-                  <a:tcPr>
-                    <a:solidFill>
-                      <a:schemeClr val="bg1"/>
-                    </a:solidFill>
-                  </a:tcPr>
-                </a:tc>
-              </a:tr>
-              <a:tr h="291690">
-                <a:tc>
-                  <a:txBody>
-                    <a:bodyPr/>
-                    <a:lstStyle/>
-                    <a:p>
-                      <a:r>
-                        <a:rPr lang="en-US" sz="1900" b="1" dirty="0" err="1" smtClean="0">
-                          <a:solidFill>
-                            <a:schemeClr val="tx1"/>
-                          </a:solidFill>
-                          <a:latin typeface="+mn-lt"/>
-                        </a:rPr>
-                        <a:t>plotcp</a:t>
-                      </a:r>
-                      <a:r>
-                        <a:rPr lang="en-US" sz="1900" b="1" dirty="0" smtClean="0">
-                          <a:solidFill>
-                            <a:schemeClr val="tx1"/>
-                          </a:solidFill>
-                          <a:latin typeface="+mn-lt"/>
-                        </a:rPr>
-                        <a:t> ( )</a:t>
-                      </a:r>
-                      <a:endParaRPr lang="en-US" sz="1900" b="1" dirty="0">
-                        <a:solidFill>
-                          <a:schemeClr val="tx1"/>
-                        </a:solidFill>
-                        <a:latin typeface="+mn-lt"/>
-                      </a:endParaRPr>
-                    </a:p>
-                  </a:txBody>
-                  <a:tcPr>
-                    <a:solidFill>
-                      <a:schemeClr val="bg1"/>
-                    </a:solidFill>
-                  </a:tcPr>
-                </a:tc>
-                <a:tc>
-                  <a:txBody>
-                    <a:bodyPr/>
-                    <a:lstStyle/>
-                    <a:p>
-                      <a:r>
-                        <a:rPr lang="en-US" sz="1900" dirty="0" smtClean="0">
-                          <a:solidFill>
-                            <a:schemeClr val="tx1"/>
-                          </a:solidFill>
-                          <a:latin typeface="+mn-lt"/>
-                        </a:rPr>
-                        <a:t>plots cross-validation</a:t>
-                      </a:r>
-                      <a:r>
-                        <a:rPr lang="en-US" sz="1900" baseline="0" dirty="0" smtClean="0">
-                          <a:solidFill>
-                            <a:schemeClr val="tx1"/>
-                          </a:solidFill>
-                          <a:latin typeface="+mn-lt"/>
-                        </a:rPr>
-                        <a:t> results</a:t>
-                      </a:r>
-                      <a:endParaRPr lang="en-US" sz="1900" dirty="0">
-                        <a:solidFill>
-                          <a:schemeClr val="tx1"/>
-                        </a:solidFill>
-                        <a:latin typeface="+mn-lt"/>
-                      </a:endParaRPr>
-                    </a:p>
-                  </a:txBody>
-                  <a:tcPr>
-                    <a:solidFill>
-                      <a:schemeClr val="bg1"/>
-                    </a:solidFill>
-                  </a:tcPr>
-                </a:tc>
-              </a:tr>
-              <a:tr h="516067">
-                <a:tc>
-                  <a:txBody>
-                    <a:bodyPr/>
-                    <a:lstStyle/>
-                    <a:p>
-                      <a:r>
-                        <a:rPr lang="en-US" sz="1900" b="1" dirty="0" smtClean="0">
-                          <a:solidFill>
-                            <a:schemeClr val="tx1"/>
-                          </a:solidFill>
-                          <a:latin typeface="+mn-lt"/>
-                        </a:rPr>
-                        <a:t>summary ( )</a:t>
-                      </a:r>
-                      <a:endParaRPr lang="en-US" sz="1900" b="1" dirty="0">
-                        <a:solidFill>
-                          <a:schemeClr val="tx1"/>
-                        </a:solidFill>
-                        <a:latin typeface="+mn-lt"/>
-                      </a:endParaRPr>
-                    </a:p>
-                  </a:txBody>
-                  <a:tcPr>
-                    <a:solidFill>
-                      <a:schemeClr val="bg1"/>
-                    </a:solidFill>
-                  </a:tcPr>
-                </a:tc>
-                <a:tc>
-                  <a:txBody>
-                    <a:bodyPr/>
-                    <a:lstStyle/>
-                    <a:p>
-                      <a:r>
-                        <a:rPr lang="en-US" sz="1900" dirty="0" smtClean="0">
-                          <a:solidFill>
-                            <a:schemeClr val="tx1"/>
-                          </a:solidFill>
-                          <a:latin typeface="+mn-lt"/>
-                        </a:rPr>
-                        <a:t>detailed results including</a:t>
-                      </a:r>
-                      <a:r>
-                        <a:rPr lang="en-US" sz="1900" baseline="0" dirty="0" smtClean="0">
-                          <a:solidFill>
-                            <a:schemeClr val="tx1"/>
-                          </a:solidFill>
-                          <a:latin typeface="+mn-lt"/>
-                        </a:rPr>
-                        <a:t> surrogate splits</a:t>
-                      </a:r>
-                      <a:endParaRPr lang="en-US" sz="1900" dirty="0">
-                        <a:solidFill>
-                          <a:schemeClr val="tx1"/>
-                        </a:solidFill>
-                        <a:latin typeface="+mn-lt"/>
-                      </a:endParaRPr>
-                    </a:p>
-                  </a:txBody>
-                  <a:tcPr>
-                    <a:solidFill>
-                      <a:schemeClr val="bg1"/>
-                    </a:solidFill>
-                  </a:tcPr>
-                </a:tc>
-              </a:tr>
-              <a:tr h="291690">
-                <a:tc>
-                  <a:txBody>
-                    <a:bodyPr/>
-                    <a:lstStyle/>
-                    <a:p>
-                      <a:r>
-                        <a:rPr lang="en-US" sz="1900" b="1" dirty="0" smtClean="0">
-                          <a:solidFill>
-                            <a:schemeClr val="tx1"/>
-                          </a:solidFill>
-                          <a:latin typeface="+mn-lt"/>
-                        </a:rPr>
-                        <a:t>plot ( )</a:t>
-                      </a:r>
-                      <a:endParaRPr lang="en-US" sz="1900" b="1" dirty="0">
-                        <a:solidFill>
-                          <a:schemeClr val="tx1"/>
-                        </a:solidFill>
-                        <a:latin typeface="+mn-lt"/>
-                      </a:endParaRPr>
-                    </a:p>
-                  </a:txBody>
-                  <a:tcPr>
-                    <a:solidFill>
-                      <a:schemeClr val="bg1"/>
-                    </a:solidFill>
-                  </a:tcPr>
-                </a:tc>
-                <a:tc>
-                  <a:txBody>
-                    <a:bodyPr/>
-                    <a:lstStyle/>
-                    <a:p>
-                      <a:r>
-                        <a:rPr lang="en-US" sz="1900" dirty="0" smtClean="0">
-                          <a:solidFill>
-                            <a:schemeClr val="tx1"/>
-                          </a:solidFill>
-                          <a:latin typeface="+mn-lt"/>
-                        </a:rPr>
-                        <a:t>plots the</a:t>
-                      </a:r>
-                      <a:r>
-                        <a:rPr lang="en-US" sz="1900" baseline="0" dirty="0" smtClean="0">
-                          <a:solidFill>
-                            <a:schemeClr val="tx1"/>
-                          </a:solidFill>
-                          <a:latin typeface="+mn-lt"/>
-                        </a:rPr>
-                        <a:t> decision tree</a:t>
-                      </a:r>
-                      <a:endParaRPr lang="en-US" sz="1900" dirty="0">
-                        <a:solidFill>
-                          <a:schemeClr val="tx1"/>
-                        </a:solidFill>
-                        <a:latin typeface="+mn-lt"/>
-                      </a:endParaRPr>
-                    </a:p>
-                  </a:txBody>
-                  <a:tcPr>
-                    <a:solidFill>
-                      <a:schemeClr val="bg1"/>
-                    </a:solidFill>
-                  </a:tcPr>
-                </a:tc>
-              </a:tr>
-              <a:tr h="291690">
-                <a:tc>
-                  <a:txBody>
-                    <a:bodyPr/>
-                    <a:lstStyle/>
-                    <a:p>
-                      <a:r>
-                        <a:rPr lang="en-US" sz="1900" b="1" dirty="0" smtClean="0">
-                          <a:solidFill>
-                            <a:schemeClr val="tx1"/>
-                          </a:solidFill>
-                          <a:latin typeface="+mn-lt"/>
-                        </a:rPr>
-                        <a:t>text ( )</a:t>
-                      </a:r>
-                      <a:endParaRPr lang="en-US" sz="1900" b="1" dirty="0">
-                        <a:solidFill>
-                          <a:schemeClr val="tx1"/>
-                        </a:solidFill>
-                        <a:latin typeface="+mn-lt"/>
-                      </a:endParaRPr>
-                    </a:p>
-                  </a:txBody>
-                  <a:tcPr>
-                    <a:solidFill>
-                      <a:schemeClr val="bg1"/>
-                    </a:solidFill>
-                  </a:tcPr>
-                </a:tc>
-                <a:tc>
-                  <a:txBody>
-                    <a:bodyPr/>
-                    <a:lstStyle/>
-                    <a:p>
-                      <a:r>
-                        <a:rPr lang="en-US" sz="1900" dirty="0" smtClean="0">
-                          <a:solidFill>
-                            <a:schemeClr val="tx1"/>
-                          </a:solidFill>
-                          <a:latin typeface="+mn-lt"/>
-                          <a:cs typeface="Times New Roman" panose="02020603050405020304" pitchFamily="18" charset="0"/>
-                        </a:rPr>
-                        <a:t>labels the decision tree plot</a:t>
-                      </a:r>
-                      <a:endParaRPr lang="en-US" sz="1900" dirty="0">
-                        <a:solidFill>
-                          <a:schemeClr val="tx1"/>
-                        </a:solidFill>
-                        <a:latin typeface="+mn-lt"/>
-                      </a:endParaRPr>
-                    </a:p>
-                  </a:txBody>
-                  <a:tcPr>
-                    <a:solidFill>
-                      <a:schemeClr val="bg1"/>
-                    </a:solidFill>
-                  </a:tcPr>
-                </a:tc>
-              </a:tr>
-              <a:tr h="291690">
-                <a:tc>
-                  <a:txBody>
-                    <a:bodyPr/>
-                    <a:lstStyle/>
-                    <a:p>
-                      <a:r>
-                        <a:rPr lang="en-US" sz="1900" b="1" dirty="0" smtClean="0">
-                          <a:solidFill>
-                            <a:schemeClr val="tx1"/>
-                          </a:solidFill>
-                          <a:latin typeface="+mn-lt"/>
-                        </a:rPr>
-                        <a:t>prune</a:t>
-                      </a:r>
-                      <a:r>
-                        <a:rPr lang="en-US" sz="1900" b="1" baseline="0" dirty="0" smtClean="0">
-                          <a:solidFill>
-                            <a:schemeClr val="tx1"/>
-                          </a:solidFill>
-                          <a:latin typeface="+mn-lt"/>
-                        </a:rPr>
-                        <a:t> ( )</a:t>
-                      </a:r>
-                      <a:endParaRPr lang="en-US" sz="1900" b="1" dirty="0">
-                        <a:solidFill>
-                          <a:schemeClr val="tx1"/>
-                        </a:solidFill>
-                        <a:latin typeface="+mn-lt"/>
-                      </a:endParaRPr>
-                    </a:p>
-                  </a:txBody>
-                  <a:tcPr>
-                    <a:solidFill>
-                      <a:schemeClr val="bg1"/>
-                    </a:solidFill>
-                  </a:tcPr>
-                </a:tc>
-                <a:tc>
-                  <a:txBody>
-                    <a:bodyPr/>
-                    <a:lstStyle/>
-                    <a:p>
-                      <a:r>
-                        <a:rPr lang="en-US" sz="1900" dirty="0" smtClean="0">
-                          <a:solidFill>
-                            <a:schemeClr val="tx1"/>
-                          </a:solidFill>
-                          <a:latin typeface="+mn-lt"/>
-                        </a:rPr>
-                        <a:t>snips off the least important splits using </a:t>
-                      </a:r>
-                      <a:r>
-                        <a:rPr lang="en-US" sz="1900" dirty="0" err="1" smtClean="0">
-                          <a:solidFill>
-                            <a:schemeClr val="tx1"/>
-                          </a:solidFill>
-                          <a:latin typeface="+mn-lt"/>
-                        </a:rPr>
-                        <a:t>cp</a:t>
-                      </a:r>
-                      <a:endParaRPr lang="en-US" sz="1900" dirty="0">
-                        <a:solidFill>
-                          <a:schemeClr val="tx1"/>
-                        </a:solidFill>
-                        <a:latin typeface="+mn-lt"/>
-                      </a:endParaRPr>
-                    </a:p>
-                  </a:txBody>
-                  <a:tcPr>
-                    <a:solidFill>
-                      <a:schemeClr val="bg1"/>
-                    </a:solidFill>
-                  </a:tcPr>
-                </a:tc>
-              </a:tr>
-            </a:tbl>
-          </a:graphicData>
-        </a:graphic>
-      </p:graphicFrame>
-    </p:spTree>
-    <p:extLst>
-      <p:ext uri="{BB962C8B-B14F-4D97-AF65-F5344CB8AC3E}">
-        <p14:creationId xmlns:p14="http://schemas.microsoft.com/office/powerpoint/2010/main" val="1122672152"/>
-      </p:ext>
-    </p:extLst>
-  </p:cSld>
-  <p:clrMapOvr>
-    <a:masterClrMapping/>
-  </p:clrMapOvr>
-  <p:timing>
-    <p:tnLst>
-      <p:par>
-        <p:cTn id="1" dur="indefinite" restart="never" nodeType="tmRoot">
-          <p:childTnLst>
-            <p:seq concurrent="1" nextAc="seek">
-              <p:cTn id="2" dur="indefinite" nodeType="mainSeq">
-                <p:childTnLst>
-                  <p:par>
-                    <p:cTn id="3" fill="hold">
-                      <p:stCondLst>
-                        <p:cond delay="indefinite"/>
-                      </p:stCondLst>
-                      <p:childTnLst>
-                        <p:par>
-                          <p:cTn id="4" fill="hold">
-                            <p:stCondLst>
-                              <p:cond delay="0"/>
-                            </p:stCondLst>
-                            <p:childTnLst>
-                              <p:par>
-                                <p:cTn id="5" presetID="10" presetClass="entr" presetSubtype="0" fill="hold" nodeType="clickEffect">
-                                  <p:stCondLst>
-                                    <p:cond delay="0"/>
-                                  </p:stCondLst>
-                                  <p:childTnLst>
-                                    <p:set>
-                                      <p:cBhvr>
-                                        <p:cTn id="6" dur="1" fill="hold">
-                                          <p:stCondLst>
-                                            <p:cond delay="0"/>
-                                          </p:stCondLst>
-                                        </p:cTn>
-                                        <p:tgtEl>
-                                          <p:spTgt spid="4"/>
-                                        </p:tgtEl>
-                                        <p:attrNameLst>
-                                          <p:attrName>style.visibility</p:attrName>
-                                        </p:attrNameLst>
-                                      </p:cBhvr>
-                                      <p:to>
-                                        <p:strVal val="visible"/>
-                                      </p:to>
-                                    </p:set>
-                                    <p:animEffect transition="in" filter="fade">
-                                      <p:cBhvr>
-                                        <p:cTn id="7" dur="1000"/>
-                                        <p:tgtEl>
-                                          <p:spTgt spid="4"/>
                                         </p:tgtEl>
                                       </p:cBhvr>
                                     </p:animEffect>

--- a/presentations/tree_models/Tree_models.pptx
+++ b/presentations/tree_models/Tree_models.pptx
@@ -5,7 +5,7 @@
     <p:sldMasterId id="2147483684" r:id="rId1"/>
   </p:sldMasterIdLst>
   <p:notesMasterIdLst>
-    <p:notesMasterId r:id="rId27"/>
+    <p:notesMasterId r:id="rId28"/>
   </p:notesMasterIdLst>
   <p:sldIdLst>
     <p:sldId id="256" r:id="rId2"/>
@@ -33,6 +33,7 @@
     <p:sldId id="302" r:id="rId24"/>
     <p:sldId id="300" r:id="rId25"/>
     <p:sldId id="292" r:id="rId26"/>
+    <p:sldId id="315" r:id="rId27"/>
   </p:sldIdLst>
   <p:sldSz cx="9144000" cy="6858000" type="screen4x3"/>
   <p:notesSz cx="6858000" cy="9144000"/>
@@ -232,7 +233,7 @@
           <a:p>
             <a:fld id="{2793983C-EFA1-41D2-8DCF-4CEF34100D6A}" type="datetimeFigureOut">
               <a:rPr lang="en-US" smtClean="0"/>
-              <a:t>1/21/2016</a:t>
+              <a:t>1/27/2016</a:t>
             </a:fld>
             <a:endParaRPr lang="en-US"/>
           </a:p>
@@ -1057,34 +1058,22 @@
           <a:bodyPr/>
           <a:lstStyle/>
           <a:p>
-            <a:pPr marL="0" marR="0" indent="0" algn="l" defTabSz="914400" rtl="0" eaLnBrk="1" fontAlgn="auto" latinLnBrk="0" hangingPunct="1">
-              <a:lnSpc>
-                <a:spcPct val="100000"/>
-              </a:lnSpc>
-              <a:spcBef>
-                <a:spcPts val="0"/>
-              </a:spcBef>
-              <a:spcAft>
-                <a:spcPts val="0"/>
-              </a:spcAft>
-              <a:buClrTx/>
-              <a:buSzTx/>
-              <a:buFontTx/>
-              <a:buNone/>
-              <a:tabLst/>
-              <a:defRPr/>
-            </a:pPr>
             <a:r>
               <a:rPr lang="en-US" dirty="0" smtClean="0"/>
-              <a:t>Producer’s accuracy = 100 – omission error = how often are real features</a:t>
+              <a:t>Does not produce a single tree output like </a:t>
+            </a:r>
+            <a:r>
+              <a:rPr lang="en-US" dirty="0" err="1" smtClean="0"/>
+              <a:t>rpart</a:t>
+            </a:r>
+            <a:r>
+              <a:rPr lang="en-US" dirty="0" smtClean="0"/>
+              <a:t> because decisions are not made on</a:t>
             </a:r>
             <a:r>
               <a:rPr lang="en-US" baseline="0" dirty="0" smtClean="0"/>
-              <a:t> in the field correctly shown on the map?</a:t>
-            </a:r>
-            <a:endParaRPr lang="en-US" dirty="0" smtClean="0"/>
-          </a:p>
-          <a:p>
+              <a:t> a single binary tree….decisions are made using an ensemble of trees. </a:t>
+            </a:r>
             <a:endParaRPr lang="en-US" dirty="0"/>
           </a:p>
         </p:txBody>
@@ -1106,7 +1095,7 @@
           <a:p>
             <a:fld id="{CC5A1FCD-79C7-4337-B79E-A51417706FB1}" type="slidenum">
               <a:rPr lang="en-US" smtClean="0"/>
-              <a:t>18</a:t>
+              <a:t>12</a:t>
             </a:fld>
             <a:endParaRPr lang="en-US"/>
           </a:p>
@@ -1115,7 +1104,7 @@
     </p:spTree>
     <p:extLst>
       <p:ext uri="{BB962C8B-B14F-4D97-AF65-F5344CB8AC3E}">
-        <p14:creationId xmlns:p14="http://schemas.microsoft.com/office/powerpoint/2010/main" val="3699961861"/>
+        <p14:creationId xmlns:p14="http://schemas.microsoft.com/office/powerpoint/2010/main" val="1426688702"/>
       </p:ext>
     </p:extLst>
   </p:cSld>
@@ -1169,6 +1158,118 @@
           <a:bodyPr/>
           <a:lstStyle/>
           <a:p>
+            <a:pPr marL="0" marR="0" indent="0" algn="l" defTabSz="914400" rtl="0" eaLnBrk="1" fontAlgn="auto" latinLnBrk="0" hangingPunct="1">
+              <a:lnSpc>
+                <a:spcPct val="100000"/>
+              </a:lnSpc>
+              <a:spcBef>
+                <a:spcPts val="0"/>
+              </a:spcBef>
+              <a:spcAft>
+                <a:spcPts val="0"/>
+              </a:spcAft>
+              <a:buClrTx/>
+              <a:buSzTx/>
+              <a:buFontTx/>
+              <a:buNone/>
+              <a:tabLst/>
+              <a:defRPr/>
+            </a:pPr>
+            <a:r>
+              <a:rPr lang="en-US" dirty="0" smtClean="0"/>
+              <a:t>Producer’s accuracy = 100 – omission error = how often are real features</a:t>
+            </a:r>
+            <a:r>
+              <a:rPr lang="en-US" baseline="0" dirty="0" smtClean="0"/>
+              <a:t> in the field correctly shown on the map?</a:t>
+            </a:r>
+            <a:endParaRPr lang="en-US" dirty="0" smtClean="0"/>
+          </a:p>
+          <a:p>
+            <a:endParaRPr lang="en-US" dirty="0"/>
+          </a:p>
+        </p:txBody>
+      </p:sp>
+      <p:sp>
+        <p:nvSpPr>
+          <p:cNvPr id="4" name="Slide Number Placeholder 3"/>
+          <p:cNvSpPr>
+            <a:spLocks noGrp="1"/>
+          </p:cNvSpPr>
+          <p:nvPr>
+            <p:ph type="sldNum" sz="quarter" idx="10"/>
+          </p:nvPr>
+        </p:nvSpPr>
+        <p:spPr/>
+        <p:txBody>
+          <a:bodyPr/>
+          <a:lstStyle/>
+          <a:p>
+            <a:fld id="{CC5A1FCD-79C7-4337-B79E-A51417706FB1}" type="slidenum">
+              <a:rPr lang="en-US" smtClean="0"/>
+              <a:t>18</a:t>
+            </a:fld>
+            <a:endParaRPr lang="en-US"/>
+          </a:p>
+        </p:txBody>
+      </p:sp>
+    </p:spTree>
+    <p:extLst>
+      <p:ext uri="{BB962C8B-B14F-4D97-AF65-F5344CB8AC3E}">
+        <p14:creationId xmlns:p14="http://schemas.microsoft.com/office/powerpoint/2010/main" val="3699961861"/>
+      </p:ext>
+    </p:extLst>
+  </p:cSld>
+  <p:clrMapOvr>
+    <a:masterClrMapping/>
+  </p:clrMapOvr>
+</p:notes>
+</file>
+
+<file path=ppt/notesSlides/notesSlide7.xml><?xml version="1.0" encoding="utf-8"?>
+<p:notes xmlns:a="http://schemas.openxmlformats.org/drawingml/2006/main" xmlns:r="http://schemas.openxmlformats.org/officeDocument/2006/relationships" xmlns:p="http://schemas.openxmlformats.org/presentationml/2006/main">
+  <p:cSld>
+    <p:spTree>
+      <p:nvGrpSpPr>
+        <p:cNvPr id="1" name=""/>
+        <p:cNvGrpSpPr/>
+        <p:nvPr/>
+      </p:nvGrpSpPr>
+      <p:grpSpPr>
+        <a:xfrm>
+          <a:off x="0" y="0"/>
+          <a:ext cx="0" cy="0"/>
+          <a:chOff x="0" y="0"/>
+          <a:chExt cx="0" cy="0"/>
+        </a:xfrm>
+      </p:grpSpPr>
+      <p:sp>
+        <p:nvSpPr>
+          <p:cNvPr id="2" name="Slide Image Placeholder 1"/>
+          <p:cNvSpPr>
+            <a:spLocks noGrp="1" noRot="1" noChangeAspect="1"/>
+          </p:cNvSpPr>
+          <p:nvPr>
+            <p:ph type="sldImg"/>
+          </p:nvPr>
+        </p:nvSpPr>
+        <p:spPr/>
+      </p:sp>
+      <p:sp>
+        <p:nvSpPr>
+          <p:cNvPr id="3" name="Notes Placeholder 2"/>
+          <p:cNvSpPr>
+            <a:spLocks noGrp="1"/>
+          </p:cNvSpPr>
+          <p:nvPr>
+            <p:ph type="body" idx="1"/>
+          </p:nvPr>
+        </p:nvSpPr>
+        <p:spPr/>
+        <p:txBody>
+          <a:bodyPr/>
+          <a:lstStyle/>
+          <a:p>
             <a:r>
               <a:rPr lang="en-US" dirty="0" smtClean="0"/>
               <a:t>User’s accuracy = 100 – commission error = how often is the class on the map actually truthful in reality</a:t>
@@ -1213,7 +1314,7 @@
 </p:notes>
 </file>
 
-<file path=ppt/notesSlides/notesSlide7.xml><?xml version="1.0" encoding="utf-8"?>
+<file path=ppt/notesSlides/notesSlide8.xml><?xml version="1.0" encoding="utf-8"?>
 <p:notes xmlns:a="http://schemas.openxmlformats.org/drawingml/2006/main" xmlns:r="http://schemas.openxmlformats.org/officeDocument/2006/relationships" xmlns:p="http://schemas.openxmlformats.org/presentationml/2006/main">
   <p:cSld>
     <p:spTree>
@@ -1512,7 +1613,7 @@
           <a:p>
             <a:fld id="{97CFF939-70E9-4E47-9899-4E3DA2789027}" type="datetimeFigureOut">
               <a:rPr lang="en-US" smtClean="0"/>
-              <a:t>1/21/2016</a:t>
+              <a:t>1/27/2016</a:t>
             </a:fld>
             <a:endParaRPr lang="en-US"/>
           </a:p>
@@ -1704,7 +1805,7 @@
           <a:p>
             <a:fld id="{97CFF939-70E9-4E47-9899-4E3DA2789027}" type="datetimeFigureOut">
               <a:rPr lang="en-US" smtClean="0"/>
-              <a:t>1/21/2016</a:t>
+              <a:t>1/27/2016</a:t>
             </a:fld>
             <a:endParaRPr lang="en-US"/>
           </a:p>
@@ -1884,7 +1985,7 @@
           <a:p>
             <a:fld id="{97CFF939-70E9-4E47-9899-4E3DA2789027}" type="datetimeFigureOut">
               <a:rPr lang="en-US" smtClean="0"/>
-              <a:t>1/21/2016</a:t>
+              <a:t>1/27/2016</a:t>
             </a:fld>
             <a:endParaRPr lang="en-US"/>
           </a:p>
@@ -2054,7 +2155,7 @@
           <a:p>
             <a:fld id="{97CFF939-70E9-4E47-9899-4E3DA2789027}" type="datetimeFigureOut">
               <a:rPr lang="en-US" smtClean="0"/>
-              <a:t>1/21/2016</a:t>
+              <a:t>1/27/2016</a:t>
             </a:fld>
             <a:endParaRPr lang="en-US"/>
           </a:p>
@@ -2308,7 +2409,7 @@
           <a:p>
             <a:fld id="{97CFF939-70E9-4E47-9899-4E3DA2789027}" type="datetimeFigureOut">
               <a:rPr lang="en-US" smtClean="0"/>
-              <a:t>1/21/2016</a:t>
+              <a:t>1/27/2016</a:t>
             </a:fld>
             <a:endParaRPr lang="en-US"/>
           </a:p>
@@ -2634,7 +2735,7 @@
           <a:p>
             <a:fld id="{97CFF939-70E9-4E47-9899-4E3DA2789027}" type="datetimeFigureOut">
               <a:rPr lang="en-US" smtClean="0"/>
-              <a:t>1/21/2016</a:t>
+              <a:t>1/27/2016</a:t>
             </a:fld>
             <a:endParaRPr lang="en-US"/>
           </a:p>
@@ -3054,7 +3155,7 @@
           <a:p>
             <a:fld id="{97CFF939-70E9-4E47-9899-4E3DA2789027}" type="datetimeFigureOut">
               <a:rPr lang="en-US" smtClean="0"/>
-              <a:t>1/21/2016</a:t>
+              <a:t>1/27/2016</a:t>
             </a:fld>
             <a:endParaRPr lang="en-US"/>
           </a:p>
@@ -3172,7 +3273,7 @@
           <a:p>
             <a:fld id="{97CFF939-70E9-4E47-9899-4E3DA2789027}" type="datetimeFigureOut">
               <a:rPr lang="en-US" smtClean="0"/>
-              <a:t>1/21/2016</a:t>
+              <a:t>1/27/2016</a:t>
             </a:fld>
             <a:endParaRPr lang="en-US"/>
           </a:p>
@@ -3267,7 +3368,7 @@
           <a:p>
             <a:fld id="{97CFF939-70E9-4E47-9899-4E3DA2789027}" type="datetimeFigureOut">
               <a:rPr lang="en-US" smtClean="0"/>
-              <a:t>1/21/2016</a:t>
+              <a:t>1/27/2016</a:t>
             </a:fld>
             <a:endParaRPr lang="en-US"/>
           </a:p>
@@ -3554,7 +3655,7 @@
           <a:p>
             <a:fld id="{97CFF939-70E9-4E47-9899-4E3DA2789027}" type="datetimeFigureOut">
               <a:rPr lang="en-US" smtClean="0"/>
-              <a:t>1/21/2016</a:t>
+              <a:t>1/27/2016</a:t>
             </a:fld>
             <a:endParaRPr lang="en-US"/>
           </a:p>
@@ -3876,7 +3977,7 @@
           <a:p>
             <a:fld id="{97CFF939-70E9-4E47-9899-4E3DA2789027}" type="datetimeFigureOut">
               <a:rPr lang="en-US" smtClean="0"/>
-              <a:t>1/21/2016</a:t>
+              <a:t>1/27/2016</a:t>
             </a:fld>
             <a:endParaRPr lang="en-US"/>
           </a:p>
@@ -4130,7 +4231,7 @@
           <a:p>
             <a:fld id="{97CFF939-70E9-4E47-9899-4E3DA2789027}" type="datetimeFigureOut">
               <a:rPr lang="en-US" smtClean="0"/>
-              <a:t>1/21/2016</a:t>
+              <a:t>1/27/2016</a:t>
             </a:fld>
             <a:endParaRPr lang="en-US"/>
           </a:p>
@@ -9520,8 +9621,8 @@
         </p:nvSpPr>
         <p:spPr>
           <a:xfrm>
-            <a:off x="628650" y="1825624"/>
-            <a:ext cx="7677150" cy="4956176"/>
+            <a:off x="946404" y="1825624"/>
+            <a:ext cx="7130796" cy="4956176"/>
           </a:xfrm>
         </p:spPr>
         <p:txBody>
@@ -9531,87 +9632,87 @@
           <a:lstStyle/>
           <a:p>
             <a:r>
-              <a:rPr lang="en-US" sz="2200" dirty="0"/>
+              <a:rPr lang="en-US" sz="2000" dirty="0"/>
               <a:t>Tree-based models are </a:t>
             </a:r>
             <a:r>
-              <a:rPr lang="en-US" sz="2200" dirty="0" smtClean="0"/>
+              <a:rPr lang="en-US" sz="2000" dirty="0" smtClean="0"/>
               <a:t>quick, intuitive, nonparametric</a:t>
             </a:r>
             <a:r>
-              <a:rPr lang="en-US" sz="2200" dirty="0"/>
+              <a:rPr lang="en-US" sz="2000" dirty="0"/>
               <a:t>, and are often ideal for exploratory data analysis and prediction</a:t>
             </a:r>
-            <a:endParaRPr lang="en-US" sz="2200" dirty="0" smtClean="0"/>
-          </a:p>
-          <a:p>
-            <a:r>
-              <a:rPr lang="en-US" sz="2200" dirty="0" smtClean="0"/>
+            <a:endParaRPr lang="en-US" sz="2000" dirty="0" smtClean="0"/>
+          </a:p>
+          <a:p>
+            <a:r>
+              <a:rPr lang="en-US" sz="2000" dirty="0" smtClean="0"/>
               <a:t>Both </a:t>
             </a:r>
             <a:r>
-              <a:rPr lang="en-US" sz="2200" dirty="0" err="1" smtClean="0"/>
+              <a:rPr lang="en-US" sz="2000" dirty="0" err="1" smtClean="0"/>
               <a:t>rpart</a:t>
             </a:r>
             <a:r>
-              <a:rPr lang="en-US" sz="2200" dirty="0" smtClean="0"/>
+              <a:rPr lang="en-US" sz="2000" dirty="0" smtClean="0"/>
               <a:t> and </a:t>
             </a:r>
             <a:r>
-              <a:rPr lang="en-US" sz="2200" dirty="0" err="1" smtClean="0"/>
+              <a:rPr lang="en-US" sz="2000" dirty="0" err="1" smtClean="0"/>
               <a:t>randomForest</a:t>
             </a:r>
             <a:r>
-              <a:rPr lang="en-US" sz="2200" dirty="0" smtClean="0"/>
+              <a:rPr lang="en-US" sz="2000" dirty="0" smtClean="0"/>
               <a:t> </a:t>
             </a:r>
             <a:r>
-              <a:rPr lang="en-US" sz="2200" dirty="0"/>
+              <a:rPr lang="en-US" sz="2000" dirty="0"/>
               <a:t>packages </a:t>
             </a:r>
             <a:r>
-              <a:rPr lang="en-US" sz="2200" dirty="0" smtClean="0"/>
+              <a:rPr lang="en-US" sz="2000" dirty="0" smtClean="0"/>
               <a:t>perform </a:t>
             </a:r>
             <a:r>
-              <a:rPr lang="en-US" sz="2200" dirty="0"/>
+              <a:rPr lang="en-US" sz="2000" dirty="0"/>
               <a:t>internal </a:t>
             </a:r>
             <a:r>
-              <a:rPr lang="en-US" sz="2200" dirty="0" smtClean="0"/>
+              <a:rPr lang="en-US" sz="2000" dirty="0" smtClean="0"/>
               <a:t>validation </a:t>
             </a:r>
             <a:r>
-              <a:rPr lang="en-US" sz="2200" dirty="0"/>
+              <a:rPr lang="en-US" sz="2000" dirty="0"/>
               <a:t>(</a:t>
             </a:r>
             <a:r>
-              <a:rPr lang="en-US" sz="2200" dirty="0" err="1"/>
+              <a:rPr lang="en-US" sz="2000" dirty="0" err="1"/>
               <a:t>rpart</a:t>
             </a:r>
             <a:r>
-              <a:rPr lang="en-US" sz="2200" dirty="0"/>
+              <a:rPr lang="en-US" sz="2000" dirty="0"/>
               <a:t>=10-fold cross validation; </a:t>
             </a:r>
             <a:r>
-              <a:rPr lang="en-US" sz="2200" dirty="0" err="1"/>
+              <a:rPr lang="en-US" sz="2000" dirty="0" err="1"/>
               <a:t>randomForest</a:t>
             </a:r>
             <a:r>
-              <a:rPr lang="en-US" sz="2200" dirty="0"/>
+              <a:rPr lang="en-US" sz="2000" dirty="0"/>
               <a:t>=OOB error estimates) </a:t>
             </a:r>
-            <a:endParaRPr lang="en-US" sz="2200" dirty="0" smtClean="0"/>
-          </a:p>
-          <a:p>
-            <a:r>
-              <a:rPr lang="en-US" sz="2200" dirty="0"/>
+            <a:endParaRPr lang="en-US" sz="2000" dirty="0" smtClean="0"/>
+          </a:p>
+          <a:p>
+            <a:r>
+              <a:rPr lang="en-US" sz="2000" dirty="0"/>
               <a:t>In general, tree-based models are robust against multicollinearity and low n, high p datasets</a:t>
             </a:r>
           </a:p>
           <a:p>
             <a:r>
-              <a:rPr lang="en-US" sz="2200" dirty="0" smtClean="0"/>
+              <a:rPr lang="en-US" sz="2000" dirty="0" smtClean="0"/>
               <a:t>Caveats</a:t>
             </a:r>
           </a:p>
@@ -9622,11 +9723,11 @@
             </a:pPr>
             <a:r>
               <a:rPr lang="en-US" sz="2000" dirty="0" smtClean="0"/>
-              <a:t>Outliers (model stability and over-fitting)</a:t>
-            </a:r>
-          </a:p>
-          <a:p>
-            <a:pPr lvl="1">
+              <a:t> Outliers (model stability and over-fitting)</a:t>
+            </a:r>
+          </a:p>
+          <a:p>
+            <a:pPr marL="519113" lvl="1" indent="-244475">
               <a:buFont typeface="Courier New" panose="02070309020205020404" pitchFamily="49" charset="0"/>
               <a:buChar char="o"/>
             </a:pPr>
@@ -10182,6 +10283,186 @@
       </p:par>
     </p:tnLst>
   </p:timing>
+</p:sld>
+</file>
+
+<file path=ppt/slides/slide26.xml><?xml version="1.0" encoding="utf-8"?>
+<p:sld xmlns:a="http://schemas.openxmlformats.org/drawingml/2006/main" xmlns:r="http://schemas.openxmlformats.org/officeDocument/2006/relationships" xmlns:p="http://schemas.openxmlformats.org/presentationml/2006/main">
+  <p:cSld>
+    <p:spTree>
+      <p:nvGrpSpPr>
+        <p:cNvPr id="1" name=""/>
+        <p:cNvGrpSpPr/>
+        <p:nvPr/>
+      </p:nvGrpSpPr>
+      <p:grpSpPr>
+        <a:xfrm>
+          <a:off x="0" y="0"/>
+          <a:ext cx="0" cy="0"/>
+          <a:chOff x="0" y="0"/>
+          <a:chExt cx="0" cy="0"/>
+        </a:xfrm>
+      </p:grpSpPr>
+      <p:sp>
+        <p:nvSpPr>
+          <p:cNvPr id="2" name="Title 1"/>
+          <p:cNvSpPr>
+            <a:spLocks noGrp="1"/>
+          </p:cNvSpPr>
+          <p:nvPr>
+            <p:ph type="title"/>
+          </p:nvPr>
+        </p:nvSpPr>
+        <p:spPr/>
+        <p:txBody>
+          <a:bodyPr/>
+          <a:lstStyle/>
+          <a:p>
+            <a:r>
+              <a:rPr lang="en-US" dirty="0" smtClean="0"/>
+              <a:t>References</a:t>
+            </a:r>
+            <a:endParaRPr lang="en-US" dirty="0"/>
+          </a:p>
+        </p:txBody>
+      </p:sp>
+      <p:sp>
+        <p:nvSpPr>
+          <p:cNvPr id="3" name="Content Placeholder 2"/>
+          <p:cNvSpPr>
+            <a:spLocks noGrp="1"/>
+          </p:cNvSpPr>
+          <p:nvPr>
+            <p:ph idx="1"/>
+          </p:nvPr>
+        </p:nvSpPr>
+        <p:spPr/>
+        <p:txBody>
+          <a:bodyPr/>
+          <a:lstStyle/>
+          <a:p>
+            <a:pPr marL="0" indent="0">
+              <a:buNone/>
+            </a:pPr>
+            <a:r>
+              <a:rPr lang="en-US" dirty="0" err="1" smtClean="0"/>
+              <a:t>Brungard</a:t>
+            </a:r>
+            <a:r>
+              <a:rPr lang="en-US" dirty="0" smtClean="0"/>
+              <a:t>, C.W., J.L. </a:t>
+            </a:r>
+            <a:r>
+              <a:rPr lang="en-US" dirty="0" err="1" smtClean="0"/>
+              <a:t>Boettinger</a:t>
+            </a:r>
+            <a:r>
+              <a:rPr lang="en-US" dirty="0" smtClean="0"/>
+              <a:t>, M.C. </a:t>
+            </a:r>
+            <a:r>
+              <a:rPr lang="en-US" dirty="0" err="1" smtClean="0"/>
+              <a:t>Duniway</a:t>
+            </a:r>
+            <a:r>
+              <a:rPr lang="en-US" dirty="0" smtClean="0"/>
+              <a:t>, S.A. Wills, T.C. Edwards Jr. 2015. Machine learning for predicting soil classes in three semi-arid landscapes. </a:t>
+            </a:r>
+            <a:r>
+              <a:rPr lang="en-US" dirty="0" err="1" smtClean="0"/>
+              <a:t>Geoderma</a:t>
+            </a:r>
+            <a:r>
+              <a:rPr lang="en-US" dirty="0" smtClean="0"/>
+              <a:t>. 239-240, 68-83. </a:t>
+            </a:r>
+          </a:p>
+          <a:p>
+            <a:pPr marL="0" indent="0">
+              <a:buNone/>
+            </a:pPr>
+            <a:r>
+              <a:rPr lang="en-US" dirty="0" err="1" smtClean="0"/>
+              <a:t>Nauman</a:t>
+            </a:r>
+            <a:r>
+              <a:rPr lang="en-US" dirty="0" smtClean="0"/>
+              <a:t>, T.W., J.A. Thompson, S. J. Teets, T.A. Dilliplane, J.W. Bell, S.J. Connolly, H.J. Liebermann, K.M. Yoast. 2015. Ghosts of the forest: mapping </a:t>
+            </a:r>
+            <a:r>
+              <a:rPr lang="en-US" dirty="0" err="1" smtClean="0"/>
+              <a:t>pedomemory</a:t>
+            </a:r>
+            <a:r>
+              <a:rPr lang="en-US" dirty="0" smtClean="0"/>
+              <a:t> to guide forest restoration. </a:t>
+            </a:r>
+            <a:r>
+              <a:rPr lang="en-US" dirty="0" err="1" smtClean="0"/>
+              <a:t>Geoderma</a:t>
+            </a:r>
+            <a:r>
+              <a:rPr lang="en-US" dirty="0" smtClean="0"/>
+              <a:t>. 247-248, 51-64.</a:t>
+            </a:r>
+          </a:p>
+          <a:p>
+            <a:pPr marL="0" indent="0">
+              <a:buNone/>
+            </a:pPr>
+            <a:r>
+              <a:rPr lang="en-US" dirty="0" err="1"/>
+              <a:t>Sequeira</a:t>
+            </a:r>
+            <a:r>
+              <a:rPr lang="en-US" dirty="0"/>
+              <a:t>, C.H., S.A. Wills, C.A. Seybold, and L.T. West. 2013. Predicting soil bulk density from incomplete datasets. </a:t>
+            </a:r>
+            <a:r>
+              <a:rPr lang="en-US" dirty="0" err="1"/>
+              <a:t>Geoderma</a:t>
+            </a:r>
+            <a:r>
+              <a:rPr lang="en-US" dirty="0"/>
+              <a:t>. 213: 64-73.</a:t>
+            </a:r>
+          </a:p>
+          <a:p>
+            <a:pPr marL="0" indent="0">
+              <a:buNone/>
+            </a:pPr>
+            <a:endParaRPr lang="en-US" dirty="0"/>
+          </a:p>
+          <a:p>
+            <a:pPr marL="0" indent="0">
+              <a:buNone/>
+            </a:pPr>
+            <a:endParaRPr lang="en-US" dirty="0" smtClean="0"/>
+          </a:p>
+          <a:p>
+            <a:pPr marL="0" indent="0">
+              <a:buNone/>
+            </a:pPr>
+            <a:endParaRPr lang="en-US" dirty="0"/>
+          </a:p>
+          <a:p>
+            <a:pPr marL="0" indent="0">
+              <a:buNone/>
+            </a:pPr>
+            <a:endParaRPr lang="en-US" dirty="0"/>
+          </a:p>
+        </p:txBody>
+      </p:sp>
+    </p:spTree>
+    <p:extLst>
+      <p:ext uri="{BB962C8B-B14F-4D97-AF65-F5344CB8AC3E}">
+        <p14:creationId xmlns:p14="http://schemas.microsoft.com/office/powerpoint/2010/main" val="1710294387"/>
+      </p:ext>
+    </p:extLst>
+  </p:cSld>
+  <p:clrMapOvr>
+    <a:masterClrMapping/>
+  </p:clrMapOvr>
 </p:sld>
 </file>
 

--- a/presentations/tree_models/Tree_models.pptx
+++ b/presentations/tree_models/Tree_models.pptx
@@ -5,7 +5,7 @@
     <p:sldMasterId id="2147483684" r:id="rId1"/>
   </p:sldMasterIdLst>
   <p:notesMasterIdLst>
-    <p:notesMasterId r:id="rId28"/>
+    <p:notesMasterId r:id="rId30"/>
   </p:notesMasterIdLst>
   <p:sldIdLst>
     <p:sldId id="256" r:id="rId2"/>
@@ -17,23 +17,25 @@
     <p:sldId id="313" r:id="rId8"/>
     <p:sldId id="314" r:id="rId9"/>
     <p:sldId id="259" r:id="rId10"/>
-    <p:sldId id="291" r:id="rId11"/>
-    <p:sldId id="294" r:id="rId12"/>
-    <p:sldId id="258" r:id="rId13"/>
-    <p:sldId id="295" r:id="rId14"/>
-    <p:sldId id="298" r:id="rId15"/>
-    <p:sldId id="284" r:id="rId16"/>
-    <p:sldId id="285" r:id="rId17"/>
-    <p:sldId id="303" r:id="rId18"/>
-    <p:sldId id="307" r:id="rId19"/>
-    <p:sldId id="311" r:id="rId20"/>
-    <p:sldId id="312" r:id="rId21"/>
-    <p:sldId id="296" r:id="rId22"/>
-    <p:sldId id="304" r:id="rId23"/>
-    <p:sldId id="302" r:id="rId24"/>
-    <p:sldId id="300" r:id="rId25"/>
-    <p:sldId id="292" r:id="rId26"/>
-    <p:sldId id="315" r:id="rId27"/>
+    <p:sldId id="316" r:id="rId11"/>
+    <p:sldId id="317" r:id="rId12"/>
+    <p:sldId id="291" r:id="rId13"/>
+    <p:sldId id="294" r:id="rId14"/>
+    <p:sldId id="258" r:id="rId15"/>
+    <p:sldId id="295" r:id="rId16"/>
+    <p:sldId id="298" r:id="rId17"/>
+    <p:sldId id="284" r:id="rId18"/>
+    <p:sldId id="285" r:id="rId19"/>
+    <p:sldId id="303" r:id="rId20"/>
+    <p:sldId id="307" r:id="rId21"/>
+    <p:sldId id="311" r:id="rId22"/>
+    <p:sldId id="312" r:id="rId23"/>
+    <p:sldId id="296" r:id="rId24"/>
+    <p:sldId id="304" r:id="rId25"/>
+    <p:sldId id="302" r:id="rId26"/>
+    <p:sldId id="300" r:id="rId27"/>
+    <p:sldId id="292" r:id="rId28"/>
+    <p:sldId id="315" r:id="rId29"/>
   </p:sldIdLst>
   <p:sldSz cx="9144000" cy="6858000" type="screen4x3"/>
   <p:notesSz cx="6858000" cy="9144000"/>
@@ -233,7 +235,7 @@
           <a:p>
             <a:fld id="{2793983C-EFA1-41D2-8DCF-4CEF34100D6A}" type="datetimeFigureOut">
               <a:rPr lang="en-US" smtClean="0"/>
-              <a:t>1/27/2016</a:t>
+              <a:t>2/5/2016</a:t>
             </a:fld>
             <a:endParaRPr lang="en-US"/>
           </a:p>
@@ -1095,7 +1097,7 @@
           <a:p>
             <a:fld id="{CC5A1FCD-79C7-4337-B79E-A51417706FB1}" type="slidenum">
               <a:rPr lang="en-US" smtClean="0"/>
-              <a:t>12</a:t>
+              <a:t>14</a:t>
             </a:fld>
             <a:endParaRPr lang="en-US"/>
           </a:p>
@@ -1207,7 +1209,7 @@
           <a:p>
             <a:fld id="{CC5A1FCD-79C7-4337-B79E-A51417706FB1}" type="slidenum">
               <a:rPr lang="en-US" smtClean="0"/>
-              <a:t>18</a:t>
+              <a:t>20</a:t>
             </a:fld>
             <a:endParaRPr lang="en-US"/>
           </a:p>
@@ -1295,7 +1297,7 @@
           <a:p>
             <a:fld id="{CC5A1FCD-79C7-4337-B79E-A51417706FB1}" type="slidenum">
               <a:rPr lang="en-US" smtClean="0"/>
-              <a:t>19</a:t>
+              <a:t>21</a:t>
             </a:fld>
             <a:endParaRPr lang="en-US"/>
           </a:p>
@@ -1387,7 +1389,7 @@
           <a:p>
             <a:fld id="{CC5A1FCD-79C7-4337-B79E-A51417706FB1}" type="slidenum">
               <a:rPr lang="en-US" smtClean="0"/>
-              <a:t>20</a:t>
+              <a:t>22</a:t>
             </a:fld>
             <a:endParaRPr lang="en-US"/>
           </a:p>
@@ -1613,7 +1615,7 @@
           <a:p>
             <a:fld id="{97CFF939-70E9-4E47-9899-4E3DA2789027}" type="datetimeFigureOut">
               <a:rPr lang="en-US" smtClean="0"/>
-              <a:t>1/27/2016</a:t>
+              <a:t>2/5/2016</a:t>
             </a:fld>
             <a:endParaRPr lang="en-US"/>
           </a:p>
@@ -1805,7 +1807,7 @@
           <a:p>
             <a:fld id="{97CFF939-70E9-4E47-9899-4E3DA2789027}" type="datetimeFigureOut">
               <a:rPr lang="en-US" smtClean="0"/>
-              <a:t>1/27/2016</a:t>
+              <a:t>2/5/2016</a:t>
             </a:fld>
             <a:endParaRPr lang="en-US"/>
           </a:p>
@@ -1985,7 +1987,7 @@
           <a:p>
             <a:fld id="{97CFF939-70E9-4E47-9899-4E3DA2789027}" type="datetimeFigureOut">
               <a:rPr lang="en-US" smtClean="0"/>
-              <a:t>1/27/2016</a:t>
+              <a:t>2/5/2016</a:t>
             </a:fld>
             <a:endParaRPr lang="en-US"/>
           </a:p>
@@ -2155,7 +2157,7 @@
           <a:p>
             <a:fld id="{97CFF939-70E9-4E47-9899-4E3DA2789027}" type="datetimeFigureOut">
               <a:rPr lang="en-US" smtClean="0"/>
-              <a:t>1/27/2016</a:t>
+              <a:t>2/5/2016</a:t>
             </a:fld>
             <a:endParaRPr lang="en-US"/>
           </a:p>
@@ -2409,7 +2411,7 @@
           <a:p>
             <a:fld id="{97CFF939-70E9-4E47-9899-4E3DA2789027}" type="datetimeFigureOut">
               <a:rPr lang="en-US" smtClean="0"/>
-              <a:t>1/27/2016</a:t>
+              <a:t>2/5/2016</a:t>
             </a:fld>
             <a:endParaRPr lang="en-US"/>
           </a:p>
@@ -2735,7 +2737,7 @@
           <a:p>
             <a:fld id="{97CFF939-70E9-4E47-9899-4E3DA2789027}" type="datetimeFigureOut">
               <a:rPr lang="en-US" smtClean="0"/>
-              <a:t>1/27/2016</a:t>
+              <a:t>2/5/2016</a:t>
             </a:fld>
             <a:endParaRPr lang="en-US"/>
           </a:p>
@@ -3155,7 +3157,7 @@
           <a:p>
             <a:fld id="{97CFF939-70E9-4E47-9899-4E3DA2789027}" type="datetimeFigureOut">
               <a:rPr lang="en-US" smtClean="0"/>
-              <a:t>1/27/2016</a:t>
+              <a:t>2/5/2016</a:t>
             </a:fld>
             <a:endParaRPr lang="en-US"/>
           </a:p>
@@ -3273,7 +3275,7 @@
           <a:p>
             <a:fld id="{97CFF939-70E9-4E47-9899-4E3DA2789027}" type="datetimeFigureOut">
               <a:rPr lang="en-US" smtClean="0"/>
-              <a:t>1/27/2016</a:t>
+              <a:t>2/5/2016</a:t>
             </a:fld>
             <a:endParaRPr lang="en-US"/>
           </a:p>
@@ -3368,7 +3370,7 @@
           <a:p>
             <a:fld id="{97CFF939-70E9-4E47-9899-4E3DA2789027}" type="datetimeFigureOut">
               <a:rPr lang="en-US" smtClean="0"/>
-              <a:t>1/27/2016</a:t>
+              <a:t>2/5/2016</a:t>
             </a:fld>
             <a:endParaRPr lang="en-US"/>
           </a:p>
@@ -3655,7 +3657,7 @@
           <a:p>
             <a:fld id="{97CFF939-70E9-4E47-9899-4E3DA2789027}" type="datetimeFigureOut">
               <a:rPr lang="en-US" smtClean="0"/>
-              <a:t>1/27/2016</a:t>
+              <a:t>2/5/2016</a:t>
             </a:fld>
             <a:endParaRPr lang="en-US"/>
           </a:p>
@@ -3977,7 +3979,7 @@
           <a:p>
             <a:fld id="{97CFF939-70E9-4E47-9899-4E3DA2789027}" type="datetimeFigureOut">
               <a:rPr lang="en-US" smtClean="0"/>
-              <a:t>1/27/2016</a:t>
+              <a:t>2/5/2016</a:t>
             </a:fld>
             <a:endParaRPr lang="en-US"/>
           </a:p>
@@ -4231,7 +4233,7 @@
           <a:p>
             <a:fld id="{97CFF939-70E9-4E47-9899-4E3DA2789027}" type="datetimeFigureOut">
               <a:rPr lang="en-US" smtClean="0"/>
-              <a:t>1/27/2016</a:t>
+              <a:t>2/5/2016</a:t>
             </a:fld>
             <a:endParaRPr lang="en-US"/>
           </a:p>
@@ -4837,6 +4839,260 @@
           <a:lstStyle/>
           <a:p>
             <a:r>
+              <a:rPr lang="en-US" dirty="0" err="1" smtClean="0"/>
+              <a:t>rpart</a:t>
+            </a:r>
+            <a:r>
+              <a:rPr lang="en-US" dirty="0" smtClean="0"/>
+              <a:t> – Classification Trees</a:t>
+            </a:r>
+            <a:endParaRPr lang="en-US" dirty="0"/>
+          </a:p>
+        </p:txBody>
+      </p:sp>
+      <p:sp>
+        <p:nvSpPr>
+          <p:cNvPr id="3" name="Content Placeholder 2"/>
+          <p:cNvSpPr>
+            <a:spLocks noGrp="1"/>
+          </p:cNvSpPr>
+          <p:nvPr>
+            <p:ph idx="1"/>
+          </p:nvPr>
+        </p:nvSpPr>
+        <p:spPr/>
+        <p:txBody>
+          <a:bodyPr>
+            <a:normAutofit/>
+          </a:bodyPr>
+          <a:lstStyle/>
+          <a:p>
+            <a:pPr marL="0" lvl="1" indent="0">
+              <a:buNone/>
+            </a:pPr>
+            <a:r>
+              <a:rPr lang="en-US" sz="2200" dirty="0" smtClean="0"/>
+              <a:t>Terminal nodes are categorical -- the </a:t>
+            </a:r>
+            <a:r>
+              <a:rPr lang="en-US" sz="2200" i="1" dirty="0"/>
+              <a:t>class with the majority of votes</a:t>
+            </a:r>
+            <a:r>
+              <a:rPr lang="en-US" sz="2200" dirty="0"/>
+              <a:t> </a:t>
+            </a:r>
+            <a:r>
+              <a:rPr lang="en-US" sz="2200" dirty="0" smtClean="0"/>
+              <a:t>wins.</a:t>
+            </a:r>
+            <a:endParaRPr lang="en-US" sz="2200" dirty="0"/>
+          </a:p>
+        </p:txBody>
+      </p:sp>
+      <p:pic>
+        <p:nvPicPr>
+          <p:cNvPr id="6" name="Picture 5"/>
+          <p:cNvPicPr>
+            <a:picLocks noChangeAspect="1"/>
+          </p:cNvPicPr>
+          <p:nvPr/>
+        </p:nvPicPr>
+        <p:blipFill rotWithShape="1">
+          <a:blip r:embed="rId2">
+            <a:extLst>
+              <a:ext uri="{28A0092B-C50C-407E-A947-70E740481C1C}">
+                <a14:useLocalDpi xmlns:a14="http://schemas.microsoft.com/office/drawing/2010/main" val="0"/>
+              </a:ext>
+            </a:extLst>
+          </a:blip>
+          <a:srcRect l="5000" t="4517" r="5000" b="4517"/>
+          <a:stretch/>
+        </p:blipFill>
+        <p:spPr>
+          <a:xfrm>
+            <a:off x="927912" y="2514600"/>
+            <a:ext cx="6483504" cy="4030662"/>
+          </a:xfrm>
+          <a:prstGeom prst="rect">
+            <a:avLst/>
+          </a:prstGeom>
+        </p:spPr>
+      </p:pic>
+    </p:spTree>
+    <p:extLst>
+      <p:ext uri="{BB962C8B-B14F-4D97-AF65-F5344CB8AC3E}">
+        <p14:creationId xmlns:p14="http://schemas.microsoft.com/office/powerpoint/2010/main" val="4116010728"/>
+      </p:ext>
+    </p:extLst>
+  </p:cSld>
+  <p:clrMapOvr>
+    <a:masterClrMapping/>
+  </p:clrMapOvr>
+  <p:timing>
+    <p:tnLst>
+      <p:par>
+        <p:cTn id="1" dur="indefinite" restart="never" nodeType="tmRoot"/>
+      </p:par>
+    </p:tnLst>
+  </p:timing>
+</p:sld>
+</file>
+
+<file path=ppt/slides/slide11.xml><?xml version="1.0" encoding="utf-8"?>
+<p:sld xmlns:a="http://schemas.openxmlformats.org/drawingml/2006/main" xmlns:r="http://schemas.openxmlformats.org/officeDocument/2006/relationships" xmlns:p="http://schemas.openxmlformats.org/presentationml/2006/main">
+  <p:cSld>
+    <p:spTree>
+      <p:nvGrpSpPr>
+        <p:cNvPr id="1" name=""/>
+        <p:cNvGrpSpPr/>
+        <p:nvPr/>
+      </p:nvGrpSpPr>
+      <p:grpSpPr>
+        <a:xfrm>
+          <a:off x="0" y="0"/>
+          <a:ext cx="0" cy="0"/>
+          <a:chOff x="0" y="0"/>
+          <a:chExt cx="0" cy="0"/>
+        </a:xfrm>
+      </p:grpSpPr>
+      <p:sp>
+        <p:nvSpPr>
+          <p:cNvPr id="2" name="Title 1"/>
+          <p:cNvSpPr>
+            <a:spLocks noGrp="1"/>
+          </p:cNvSpPr>
+          <p:nvPr>
+            <p:ph type="title"/>
+          </p:nvPr>
+        </p:nvSpPr>
+        <p:spPr/>
+        <p:txBody>
+          <a:bodyPr/>
+          <a:lstStyle/>
+          <a:p>
+            <a:r>
+              <a:rPr lang="en-US" dirty="0" err="1" smtClean="0"/>
+              <a:t>rpart</a:t>
+            </a:r>
+            <a:r>
+              <a:rPr lang="en-US" dirty="0" smtClean="0"/>
+              <a:t> – Regression Trees</a:t>
+            </a:r>
+            <a:endParaRPr lang="en-US" dirty="0"/>
+          </a:p>
+        </p:txBody>
+      </p:sp>
+      <p:sp>
+        <p:nvSpPr>
+          <p:cNvPr id="3" name="Content Placeholder 2"/>
+          <p:cNvSpPr>
+            <a:spLocks noGrp="1"/>
+          </p:cNvSpPr>
+          <p:nvPr>
+            <p:ph idx="1"/>
+          </p:nvPr>
+        </p:nvSpPr>
+        <p:spPr/>
+        <p:txBody>
+          <a:bodyPr>
+            <a:normAutofit/>
+          </a:bodyPr>
+          <a:lstStyle/>
+          <a:p>
+            <a:pPr marL="0" lvl="1" indent="0">
+              <a:buNone/>
+            </a:pPr>
+            <a:r>
+              <a:rPr lang="en-US" sz="2200" dirty="0" smtClean="0"/>
+              <a:t>Terminal nodes represent the mean of the observations in that node. </a:t>
+            </a:r>
+            <a:endParaRPr lang="en-US" sz="2200" dirty="0"/>
+          </a:p>
+        </p:txBody>
+      </p:sp>
+      <p:pic>
+        <p:nvPicPr>
+          <p:cNvPr id="4" name="Picture 3"/>
+          <p:cNvPicPr>
+            <a:picLocks noChangeAspect="1"/>
+          </p:cNvPicPr>
+          <p:nvPr/>
+        </p:nvPicPr>
+        <p:blipFill rotWithShape="1">
+          <a:blip r:embed="rId2">
+            <a:extLst>
+              <a:ext uri="{28A0092B-C50C-407E-A947-70E740481C1C}">
+                <a14:useLocalDpi xmlns:a14="http://schemas.microsoft.com/office/drawing/2010/main" val="0"/>
+              </a:ext>
+            </a:extLst>
+          </a:blip>
+          <a:srcRect l="4769" t="14366" r="4767" b="12311"/>
+          <a:stretch/>
+        </p:blipFill>
+        <p:spPr>
+          <a:xfrm>
+            <a:off x="1274064" y="2827338"/>
+            <a:ext cx="5791200" cy="3352800"/>
+          </a:xfrm>
+          <a:prstGeom prst="rect">
+            <a:avLst/>
+          </a:prstGeom>
+        </p:spPr>
+      </p:pic>
+    </p:spTree>
+    <p:extLst>
+      <p:ext uri="{BB962C8B-B14F-4D97-AF65-F5344CB8AC3E}">
+        <p14:creationId xmlns:p14="http://schemas.microsoft.com/office/powerpoint/2010/main" val="3402807791"/>
+      </p:ext>
+    </p:extLst>
+  </p:cSld>
+  <p:clrMapOvr>
+    <a:masterClrMapping/>
+  </p:clrMapOvr>
+  <p:timing>
+    <p:tnLst>
+      <p:par>
+        <p:cTn id="1" dur="indefinite" restart="never" nodeType="tmRoot"/>
+      </p:par>
+    </p:tnLst>
+  </p:timing>
+</p:sld>
+</file>
+
+<file path=ppt/slides/slide12.xml><?xml version="1.0" encoding="utf-8"?>
+<p:sld xmlns:a="http://schemas.openxmlformats.org/drawingml/2006/main" xmlns:r="http://schemas.openxmlformats.org/officeDocument/2006/relationships" xmlns:p="http://schemas.openxmlformats.org/presentationml/2006/main">
+  <p:cSld>
+    <p:spTree>
+      <p:nvGrpSpPr>
+        <p:cNvPr id="1" name=""/>
+        <p:cNvGrpSpPr/>
+        <p:nvPr/>
+      </p:nvGrpSpPr>
+      <p:grpSpPr>
+        <a:xfrm>
+          <a:off x="0" y="0"/>
+          <a:ext cx="0" cy="0"/>
+          <a:chOff x="0" y="0"/>
+          <a:chExt cx="0" cy="0"/>
+        </a:xfrm>
+      </p:grpSpPr>
+      <p:sp>
+        <p:nvSpPr>
+          <p:cNvPr id="2" name="Title 1"/>
+          <p:cNvSpPr>
+            <a:spLocks noGrp="1"/>
+          </p:cNvSpPr>
+          <p:nvPr>
+            <p:ph type="title"/>
+          </p:nvPr>
+        </p:nvSpPr>
+        <p:spPr/>
+        <p:txBody>
+          <a:bodyPr/>
+          <a:lstStyle/>
+          <a:p>
+            <a:r>
               <a:rPr lang="en-US" dirty="0" smtClean="0"/>
               <a:t>EXERCISE: </a:t>
             </a:r>
@@ -4894,7 +5150,7 @@
 </p:sld>
 </file>
 
-<file path=ppt/slides/slide11.xml><?xml version="1.0" encoding="utf-8"?>
+<file path=ppt/slides/slide13.xml><?xml version="1.0" encoding="utf-8"?>
 <p:sld xmlns:a="http://schemas.openxmlformats.org/drawingml/2006/main" xmlns:r="http://schemas.openxmlformats.org/officeDocument/2006/relationships" xmlns:p="http://schemas.openxmlformats.org/presentationml/2006/main">
   <p:cSld>
     <p:spTree>
@@ -5257,25 +5513,7 @@
                           </a:solidFill>
                           <a:latin typeface="+mn-lt"/>
                         </a:rPr>
-                        <a:t> parameter (</a:t>
-                      </a:r>
-                      <a:r>
-                        <a:rPr lang="en-US" sz="1900" baseline="0" dirty="0" err="1" smtClean="0">
-                          <a:solidFill>
-                            <a:schemeClr val="tx1"/>
-                          </a:solidFill>
-                          <a:latin typeface="+mn-lt"/>
-                        </a:rPr>
-                        <a:t>cp</a:t>
-                      </a:r>
-                      <a:r>
-                        <a:rPr lang="en-US" sz="1900" baseline="0" dirty="0" smtClean="0">
-                          <a:solidFill>
-                            <a:schemeClr val="tx1"/>
-                          </a:solidFill>
-                          <a:latin typeface="+mn-lt"/>
-                        </a:rPr>
-                        <a:t>) table</a:t>
+                        <a:t> parameter (cp) table</a:t>
                       </a:r>
                       <a:endParaRPr lang="en-US" sz="1900" dirty="0">
                         <a:solidFill>
@@ -5611,7 +5849,126 @@
                           </a:solidFill>
                           <a:latin typeface="+mn-lt"/>
                         </a:rPr>
-                        <a:t>snips off the least important splits using </a:t>
+                        <a:t>snips off the least important splits using cp</a:t>
+                      </a:r>
+                      <a:endParaRPr lang="en-US" sz="1900" dirty="0">
+                        <a:solidFill>
+                          <a:schemeClr val="tx1"/>
+                        </a:solidFill>
+                        <a:latin typeface="+mn-lt"/>
+                      </a:endParaRPr>
+                    </a:p>
+                  </a:txBody>
+                  <a:tcPr>
+                    <a:solidFill>
+                      <a:schemeClr val="bg1"/>
+                    </a:solidFill>
+                  </a:tcPr>
+                </a:tc>
+              </a:tr>
+            </a:tbl>
+          </a:graphicData>
+        </a:graphic>
+      </p:graphicFrame>
+      <p:graphicFrame>
+        <p:nvGraphicFramePr>
+          <p:cNvPr id="5" name="Table 4"/>
+          <p:cNvGraphicFramePr>
+            <a:graphicFrameLocks noGrp="1"/>
+          </p:cNvGraphicFramePr>
+          <p:nvPr>
+            <p:extLst>
+              <p:ext uri="{D42A27DB-BD31-4B8C-83A1-F6EECF244321}">
+                <p14:modId xmlns:p14="http://schemas.microsoft.com/office/powerpoint/2010/main" val="2364024615"/>
+              </p:ext>
+            </p:extLst>
+          </p:nvPr>
+        </p:nvGraphicFramePr>
+        <p:xfrm>
+          <a:off x="899650" y="4859467"/>
+          <a:ext cx="7316233" cy="960120"/>
+        </p:xfrm>
+        <a:graphic>
+          <a:graphicData uri="http://schemas.openxmlformats.org/drawingml/2006/table">
+            <a:tbl>
+              <a:tblPr firstRow="1" bandRow="1">
+                <a:tableStyleId>{5940675A-B579-460E-94D1-54222C63F5DA}</a:tableStyleId>
+              </a:tblPr>
+              <a:tblGrid>
+                <a:gridCol w="1833111"/>
+                <a:gridCol w="5483122"/>
+              </a:tblGrid>
+              <a:tr h="291690">
+                <a:tc>
+                  <a:txBody>
+                    <a:bodyPr/>
+                    <a:lstStyle/>
+                    <a:p>
+                      <a:r>
+                        <a:rPr lang="en-US" sz="1900" b="1" dirty="0" err="1" smtClean="0">
+                          <a:solidFill>
+                            <a:schemeClr val="tx1"/>
+                          </a:solidFill>
+                          <a:latin typeface="+mn-lt"/>
+                        </a:rPr>
+                        <a:t>rpart.plot</a:t>
+                      </a:r>
+                      <a:r>
+                        <a:rPr lang="en-US" sz="1900" b="1" dirty="0" smtClean="0">
+                          <a:solidFill>
+                            <a:schemeClr val="tx1"/>
+                          </a:solidFill>
+                          <a:latin typeface="+mn-lt"/>
+                        </a:rPr>
+                        <a:t> ( )</a:t>
+                      </a:r>
+                    </a:p>
+                    <a:p>
+                      <a:r>
+                        <a:rPr lang="en-US" sz="1900" b="1" dirty="0" err="1" smtClean="0">
+                          <a:solidFill>
+                            <a:schemeClr val="tx1"/>
+                          </a:solidFill>
+                          <a:latin typeface="+mn-lt"/>
+                        </a:rPr>
+                        <a:t>prp</a:t>
+                      </a:r>
+                      <a:r>
+                        <a:rPr lang="en-US" sz="1900" b="1" baseline="0" dirty="0" smtClean="0">
+                          <a:solidFill>
+                            <a:schemeClr val="tx1"/>
+                          </a:solidFill>
+                          <a:latin typeface="+mn-lt"/>
+                        </a:rPr>
+                        <a:t> ( )</a:t>
+                      </a:r>
+                      <a:endParaRPr lang="en-US" sz="1900" b="1" dirty="0">
+                        <a:solidFill>
+                          <a:schemeClr val="tx1"/>
+                        </a:solidFill>
+                        <a:latin typeface="+mn-lt"/>
+                      </a:endParaRPr>
+                    </a:p>
+                  </a:txBody>
+                  <a:tcPr>
+                    <a:solidFill>
+                      <a:schemeClr val="bg1"/>
+                    </a:solidFill>
+                  </a:tcPr>
+                </a:tc>
+                <a:tc>
+                  <a:txBody>
+                    <a:bodyPr/>
+                    <a:lstStyle/>
+                    <a:p>
+                      <a:r>
+                        <a:rPr lang="en-US" sz="1900" dirty="0" smtClean="0">
+                          <a:solidFill>
+                            <a:schemeClr val="tx1"/>
+                          </a:solidFill>
+                          <a:latin typeface="+mn-lt"/>
+                        </a:rPr>
+                        <a:t>located in the </a:t>
                       </a:r>
                       <a:r>
                         <a:rPr lang="en-US" sz="1900" dirty="0" err="1" smtClean="0">
@@ -5620,7 +5977,43 @@
                           </a:solidFill>
                           <a:latin typeface="+mn-lt"/>
                         </a:rPr>
-                        <a:t>cp</a:t>
+                        <a:t>rpart.plot</a:t>
+                      </a:r>
+                      <a:r>
+                        <a:rPr lang="en-US" sz="1900" dirty="0" smtClean="0">
+                          <a:solidFill>
+                            <a:schemeClr val="tx1"/>
+                          </a:solidFill>
+                          <a:latin typeface="+mn-lt"/>
+                        </a:rPr>
+                        <a:t> package,</a:t>
+                      </a:r>
+                      <a:r>
+                        <a:rPr lang="en-US" sz="1900" baseline="0" dirty="0" smtClean="0">
+                          <a:solidFill>
+                            <a:schemeClr val="tx1"/>
+                          </a:solidFill>
+                          <a:latin typeface="+mn-lt"/>
+                        </a:rPr>
+                        <a:t> these commands allow for better </a:t>
+                      </a:r>
+                      <a:r>
+                        <a:rPr lang="en-US" sz="1900" baseline="0" dirty="0" err="1" smtClean="0">
+                          <a:solidFill>
+                            <a:schemeClr val="tx1"/>
+                          </a:solidFill>
+                          <a:latin typeface="+mn-lt"/>
+                        </a:rPr>
+                        <a:t>rpart</a:t>
+                      </a:r>
+                      <a:r>
+                        <a:rPr lang="en-US" sz="1900" baseline="0" dirty="0" smtClean="0">
+                          <a:solidFill>
+                            <a:schemeClr val="tx1"/>
+                          </a:solidFill>
+                          <a:latin typeface="+mn-lt"/>
+                        </a:rPr>
+                        <a:t> plot customizations</a:t>
                       </a:r>
                       <a:endParaRPr lang="en-US" sz="1900" dirty="0">
                         <a:solidFill>
@@ -5706,6 +6099,41 @@
                                   </p:childTnLst>
                                 </p:cTn>
                               </p:par>
+                              <p:par>
+                                <p:cTn id="8" presetID="10" presetClass="entr" presetSubtype="0" fill="hold" nodeType="withEffect">
+                                  <p:stCondLst>
+                                    <p:cond delay="0"/>
+                                  </p:stCondLst>
+                                  <p:childTnLst>
+                                    <p:set>
+                                      <p:cBhvr>
+                                        <p:cTn id="9" dur="1" fill="hold">
+                                          <p:stCondLst>
+                                            <p:cond delay="0"/>
+                                          </p:stCondLst>
+                                        </p:cTn>
+                                        <p:tgtEl>
+                                          <p:spTgt spid="5"/>
+                                        </p:tgtEl>
+                                        <p:attrNameLst>
+                                          <p:attrName>style.visibility</p:attrName>
+                                        </p:attrNameLst>
+                                      </p:cBhvr>
+                                      <p:to>
+                                        <p:strVal val="visible"/>
+                                      </p:to>
+                                    </p:set>
+                                    <p:animEffect transition="in" filter="fade">
+                                      <p:cBhvr>
+                                        <p:cTn id="10" dur="500"/>
+                                        <p:tgtEl>
+                                          <p:spTgt spid="5"/>
+                                        </p:tgtEl>
+                                      </p:cBhvr>
+                                    </p:animEffect>
+                                  </p:childTnLst>
+                                </p:cTn>
+                              </p:par>
                             </p:childTnLst>
                           </p:cTn>
                         </p:par>
@@ -5737,7 +6165,7 @@
 </p:sld>
 </file>
 
-<file path=ppt/slides/slide12.xml><?xml version="1.0" encoding="utf-8"?>
+<file path=ppt/slides/slide14.xml><?xml version="1.0" encoding="utf-8"?>
 <p:sld xmlns:a="http://schemas.openxmlformats.org/drawingml/2006/main" xmlns:r="http://schemas.openxmlformats.org/officeDocument/2006/relationships" xmlns:p="http://schemas.openxmlformats.org/presentationml/2006/main">
   <p:cSld>
     <p:spTree>
@@ -6266,7 +6694,7 @@
 </p:sld>
 </file>
 
-<file path=ppt/slides/slide13.xml><?xml version="1.0" encoding="utf-8"?>
+<file path=ppt/slides/slide15.xml><?xml version="1.0" encoding="utf-8"?>
 <p:sld xmlns:a="http://schemas.openxmlformats.org/drawingml/2006/main" xmlns:r="http://schemas.openxmlformats.org/officeDocument/2006/relationships" xmlns:p="http://schemas.openxmlformats.org/presentationml/2006/main">
   <p:cSld>
     <p:spTree>
@@ -6354,7 +6782,7 @@
 </p:sld>
 </file>
 
-<file path=ppt/slides/slide14.xml><?xml version="1.0" encoding="utf-8"?>
+<file path=ppt/slides/slide16.xml><?xml version="1.0" encoding="utf-8"?>
 <p:sld xmlns:a="http://schemas.openxmlformats.org/drawingml/2006/main" xmlns:r="http://schemas.openxmlformats.org/officeDocument/2006/relationships" xmlns:p="http://schemas.openxmlformats.org/presentationml/2006/main">
   <p:cSld>
     <p:spTree>
@@ -6448,7 +6876,7 @@
 </p:sld>
 </file>
 
-<file path=ppt/slides/slide15.xml><?xml version="1.0" encoding="utf-8"?>
+<file path=ppt/slides/slide17.xml><?xml version="1.0" encoding="utf-8"?>
 <p:sld xmlns:a="http://schemas.openxmlformats.org/drawingml/2006/main" xmlns:r="http://schemas.openxmlformats.org/officeDocument/2006/relationships" xmlns:p="http://schemas.openxmlformats.org/presentationml/2006/main">
   <p:cSld>
     <p:spTree>
@@ -6929,7 +7357,7 @@
 </p:sld>
 </file>
 
-<file path=ppt/slides/slide16.xml><?xml version="1.0" encoding="utf-8"?>
+<file path=ppt/slides/slide18.xml><?xml version="1.0" encoding="utf-8"?>
 <p:sld xmlns:a="http://schemas.openxmlformats.org/drawingml/2006/main" xmlns:r="http://schemas.openxmlformats.org/officeDocument/2006/relationships" xmlns:p="http://schemas.openxmlformats.org/presentationml/2006/main">
   <p:cSld>
     <p:spTree>
@@ -7348,7 +7776,7 @@
 </p:sld>
 </file>
 
-<file path=ppt/slides/slide17.xml><?xml version="1.0" encoding="utf-8"?>
+<file path=ppt/slides/slide19.xml><?xml version="1.0" encoding="utf-8"?>
 <p:sld xmlns:a="http://schemas.openxmlformats.org/drawingml/2006/main" xmlns:r="http://schemas.openxmlformats.org/officeDocument/2006/relationships" xmlns:p="http://schemas.openxmlformats.org/presentationml/2006/main">
   <p:cSld>
     <p:spTree>
@@ -8112,7 +8540,114 @@
 </p:sld>
 </file>
 
-<file path=ppt/slides/slide18.xml><?xml version="1.0" encoding="utf-8"?>
+<file path=ppt/slides/slide2.xml><?xml version="1.0" encoding="utf-8"?>
+<p:sld xmlns:a="http://schemas.openxmlformats.org/drawingml/2006/main" xmlns:r="http://schemas.openxmlformats.org/officeDocument/2006/relationships" xmlns:p="http://schemas.openxmlformats.org/presentationml/2006/main">
+  <p:cSld>
+    <p:spTree>
+      <p:nvGrpSpPr>
+        <p:cNvPr id="1" name=""/>
+        <p:cNvGrpSpPr/>
+        <p:nvPr/>
+      </p:nvGrpSpPr>
+      <p:grpSpPr>
+        <a:xfrm>
+          <a:off x="0" y="0"/>
+          <a:ext cx="0" cy="0"/>
+          <a:chOff x="0" y="0"/>
+          <a:chExt cx="0" cy="0"/>
+        </a:xfrm>
+      </p:grpSpPr>
+      <p:sp>
+        <p:nvSpPr>
+          <p:cNvPr id="2" name="Title 1"/>
+          <p:cNvSpPr>
+            <a:spLocks noGrp="1"/>
+          </p:cNvSpPr>
+          <p:nvPr>
+            <p:ph type="title"/>
+          </p:nvPr>
+        </p:nvSpPr>
+        <p:spPr/>
+        <p:txBody>
+          <a:bodyPr/>
+          <a:lstStyle/>
+          <a:p>
+            <a:r>
+              <a:rPr lang="en-US" dirty="0" smtClean="0"/>
+              <a:t>Objectives</a:t>
+            </a:r>
+            <a:endParaRPr lang="en-US" dirty="0"/>
+          </a:p>
+        </p:txBody>
+      </p:sp>
+      <p:sp>
+        <p:nvSpPr>
+          <p:cNvPr id="3" name="Content Placeholder 2"/>
+          <p:cNvSpPr>
+            <a:spLocks noGrp="1"/>
+          </p:cNvSpPr>
+          <p:nvPr>
+            <p:ph idx="1"/>
+          </p:nvPr>
+        </p:nvSpPr>
+        <p:spPr/>
+        <p:txBody>
+          <a:bodyPr/>
+          <a:lstStyle/>
+          <a:p>
+            <a:r>
+              <a:rPr lang="en-US" sz="2400" dirty="0" smtClean="0"/>
+              <a:t>Discuss tree-based modeling as it relates to soil survey.</a:t>
+            </a:r>
+          </a:p>
+          <a:p>
+            <a:pPr lvl="0"/>
+            <a:r>
+              <a:rPr lang="en-US" sz="2400" dirty="0"/>
+              <a:t>Create and evaluate </a:t>
+            </a:r>
+            <a:r>
+              <a:rPr lang="en-US" sz="2400" dirty="0" smtClean="0"/>
+              <a:t>classification and regression tree (CART) </a:t>
+            </a:r>
+            <a:r>
+              <a:rPr lang="en-US" sz="2400" dirty="0"/>
+              <a:t>and Random Forest models in R.</a:t>
+            </a:r>
+          </a:p>
+          <a:p>
+            <a:pPr lvl="0"/>
+            <a:r>
+              <a:rPr lang="en-US" sz="2400" dirty="0"/>
+              <a:t>Interpolate tree-based models in R to a raster output.</a:t>
+            </a:r>
+          </a:p>
+          <a:p>
+            <a:endParaRPr lang="en-US" dirty="0"/>
+          </a:p>
+        </p:txBody>
+      </p:sp>
+    </p:spTree>
+    <p:extLst>
+      <p:ext uri="{BB962C8B-B14F-4D97-AF65-F5344CB8AC3E}">
+        <p14:creationId xmlns:p14="http://schemas.microsoft.com/office/powerpoint/2010/main" val="625797011"/>
+      </p:ext>
+    </p:extLst>
+  </p:cSld>
+  <p:clrMapOvr>
+    <a:masterClrMapping/>
+  </p:clrMapOvr>
+  <p:timing>
+    <p:tnLst>
+      <p:par>
+        <p:cTn id="1" dur="indefinite" restart="never" nodeType="tmRoot"/>
+      </p:par>
+    </p:tnLst>
+  </p:timing>
+</p:sld>
+</file>
+
+<file path=ppt/slides/slide20.xml><?xml version="1.0" encoding="utf-8"?>
 <p:sld xmlns:a="http://schemas.openxmlformats.org/drawingml/2006/main" xmlns:r="http://schemas.openxmlformats.org/officeDocument/2006/relationships" xmlns:p="http://schemas.openxmlformats.org/presentationml/2006/main">
   <p:cSld>
     <p:spTree>
@@ -8259,7 +8794,7 @@
 </p:sld>
 </file>
 
-<file path=ppt/slides/slide19.xml><?xml version="1.0" encoding="utf-8"?>
+<file path=ppt/slides/slide21.xml><?xml version="1.0" encoding="utf-8"?>
 <p:sld xmlns:a="http://schemas.openxmlformats.org/drawingml/2006/main" xmlns:r="http://schemas.openxmlformats.org/officeDocument/2006/relationships" xmlns:p="http://schemas.openxmlformats.org/presentationml/2006/main">
   <p:cSld>
     <p:spTree>
@@ -8458,114 +8993,7 @@
 </p:sld>
 </file>
 
-<file path=ppt/slides/slide2.xml><?xml version="1.0" encoding="utf-8"?>
-<p:sld xmlns:a="http://schemas.openxmlformats.org/drawingml/2006/main" xmlns:r="http://schemas.openxmlformats.org/officeDocument/2006/relationships" xmlns:p="http://schemas.openxmlformats.org/presentationml/2006/main">
-  <p:cSld>
-    <p:spTree>
-      <p:nvGrpSpPr>
-        <p:cNvPr id="1" name=""/>
-        <p:cNvGrpSpPr/>
-        <p:nvPr/>
-      </p:nvGrpSpPr>
-      <p:grpSpPr>
-        <a:xfrm>
-          <a:off x="0" y="0"/>
-          <a:ext cx="0" cy="0"/>
-          <a:chOff x="0" y="0"/>
-          <a:chExt cx="0" cy="0"/>
-        </a:xfrm>
-      </p:grpSpPr>
-      <p:sp>
-        <p:nvSpPr>
-          <p:cNvPr id="2" name="Title 1"/>
-          <p:cNvSpPr>
-            <a:spLocks noGrp="1"/>
-          </p:cNvSpPr>
-          <p:nvPr>
-            <p:ph type="title"/>
-          </p:nvPr>
-        </p:nvSpPr>
-        <p:spPr/>
-        <p:txBody>
-          <a:bodyPr/>
-          <a:lstStyle/>
-          <a:p>
-            <a:r>
-              <a:rPr lang="en-US" dirty="0" smtClean="0"/>
-              <a:t>Objectives</a:t>
-            </a:r>
-            <a:endParaRPr lang="en-US" dirty="0"/>
-          </a:p>
-        </p:txBody>
-      </p:sp>
-      <p:sp>
-        <p:nvSpPr>
-          <p:cNvPr id="3" name="Content Placeholder 2"/>
-          <p:cNvSpPr>
-            <a:spLocks noGrp="1"/>
-          </p:cNvSpPr>
-          <p:nvPr>
-            <p:ph idx="1"/>
-          </p:nvPr>
-        </p:nvSpPr>
-        <p:spPr/>
-        <p:txBody>
-          <a:bodyPr/>
-          <a:lstStyle/>
-          <a:p>
-            <a:r>
-              <a:rPr lang="en-US" sz="2400" dirty="0" smtClean="0"/>
-              <a:t>Discuss tree-based modeling as it relates to soil survey.</a:t>
-            </a:r>
-          </a:p>
-          <a:p>
-            <a:pPr lvl="0"/>
-            <a:r>
-              <a:rPr lang="en-US" sz="2400" dirty="0"/>
-              <a:t>Create and evaluate </a:t>
-            </a:r>
-            <a:r>
-              <a:rPr lang="en-US" sz="2400" dirty="0" smtClean="0"/>
-              <a:t>classification and regression tree (CART) </a:t>
-            </a:r>
-            <a:r>
-              <a:rPr lang="en-US" sz="2400" dirty="0"/>
-              <a:t>and Random Forest models in R.</a:t>
-            </a:r>
-          </a:p>
-          <a:p>
-            <a:pPr lvl="0"/>
-            <a:r>
-              <a:rPr lang="en-US" sz="2400" dirty="0"/>
-              <a:t>Interpolate tree-based models in R to a raster output.</a:t>
-            </a:r>
-          </a:p>
-          <a:p>
-            <a:endParaRPr lang="en-US" dirty="0"/>
-          </a:p>
-        </p:txBody>
-      </p:sp>
-    </p:spTree>
-    <p:extLst>
-      <p:ext uri="{BB962C8B-B14F-4D97-AF65-F5344CB8AC3E}">
-        <p14:creationId xmlns:p14="http://schemas.microsoft.com/office/powerpoint/2010/main" val="625797011"/>
-      </p:ext>
-    </p:extLst>
-  </p:cSld>
-  <p:clrMapOvr>
-    <a:masterClrMapping/>
-  </p:clrMapOvr>
-  <p:timing>
-    <p:tnLst>
-      <p:par>
-        <p:cTn id="1" dur="indefinite" restart="never" nodeType="tmRoot"/>
-      </p:par>
-    </p:tnLst>
-  </p:timing>
-</p:sld>
-</file>
-
-<file path=ppt/slides/slide20.xml><?xml version="1.0" encoding="utf-8"?>
+<file path=ppt/slides/slide22.xml><?xml version="1.0" encoding="utf-8"?>
 <p:sld xmlns:a="http://schemas.openxmlformats.org/drawingml/2006/main" xmlns:r="http://schemas.openxmlformats.org/officeDocument/2006/relationships" xmlns:p="http://schemas.openxmlformats.org/presentationml/2006/main">
   <p:cSld>
     <p:spTree>
@@ -8781,7 +9209,7 @@
 </p:sld>
 </file>
 
-<file path=ppt/slides/slide21.xml><?xml version="1.0" encoding="utf-8"?>
+<file path=ppt/slides/slide23.xml><?xml version="1.0" encoding="utf-8"?>
 <p:sld xmlns:a="http://schemas.openxmlformats.org/drawingml/2006/main" xmlns:r="http://schemas.openxmlformats.org/officeDocument/2006/relationships" xmlns:p="http://schemas.openxmlformats.org/presentationml/2006/main">
   <p:cSld>
     <p:spTree>
@@ -8871,7 +9299,7 @@
 </p:sld>
 </file>
 
-<file path=ppt/slides/slide22.xml><?xml version="1.0" encoding="utf-8"?>
+<file path=ppt/slides/slide24.xml><?xml version="1.0" encoding="utf-8"?>
 <p:sld xmlns:a="http://schemas.openxmlformats.org/drawingml/2006/main" xmlns:r="http://schemas.openxmlformats.org/officeDocument/2006/relationships" xmlns:p="http://schemas.openxmlformats.org/presentationml/2006/main">
   <p:cSld>
     <p:spTree>
@@ -9474,7 +9902,7 @@
 </p:sld>
 </file>
 
-<file path=ppt/slides/slide23.xml><?xml version="1.0" encoding="utf-8"?>
+<file path=ppt/slides/slide25.xml><?xml version="1.0" encoding="utf-8"?>
 <p:sld xmlns:a="http://schemas.openxmlformats.org/drawingml/2006/main" xmlns:r="http://schemas.openxmlformats.org/officeDocument/2006/relationships" xmlns:p="http://schemas.openxmlformats.org/presentationml/2006/main">
   <p:cSld>
     <p:spTree>
@@ -9569,7 +9997,7 @@
 </p:sld>
 </file>
 
-<file path=ppt/slides/slide24.xml><?xml version="1.0" encoding="utf-8"?>
+<file path=ppt/slides/slide26.xml><?xml version="1.0" encoding="utf-8"?>
 <p:sld xmlns:a="http://schemas.openxmlformats.org/drawingml/2006/main" xmlns:r="http://schemas.openxmlformats.org/officeDocument/2006/relationships" xmlns:p="http://schemas.openxmlformats.org/presentationml/2006/main">
   <p:cSld>
     <p:spTree>
@@ -10109,7 +10537,7 @@
 </p:sld>
 </file>
 
-<file path=ppt/slides/slide25.xml><?xml version="1.0" encoding="utf-8"?>
+<file path=ppt/slides/slide27.xml><?xml version="1.0" encoding="utf-8"?>
 <p:sld xmlns:a="http://schemas.openxmlformats.org/drawingml/2006/main" xmlns:r="http://schemas.openxmlformats.org/officeDocument/2006/relationships" xmlns:p="http://schemas.openxmlformats.org/presentationml/2006/main">
   <p:cSld>
     <p:spTree>
@@ -10286,7 +10714,7 @@
 </p:sld>
 </file>
 
-<file path=ppt/slides/slide26.xml><?xml version="1.0" encoding="utf-8"?>
+<file path=ppt/slides/slide28.xml><?xml version="1.0" encoding="utf-8"?>
 <p:sld xmlns:a="http://schemas.openxmlformats.org/drawingml/2006/main" xmlns:r="http://schemas.openxmlformats.org/officeDocument/2006/relationships" xmlns:p="http://schemas.openxmlformats.org/presentationml/2006/main">
   <p:cSld>
     <p:spTree>
@@ -10932,7 +11360,7 @@
           <a:prstGeom prst="line">
             <a:avLst/>
           </a:prstGeom>
-          <a:ln>
+          <a:ln w="22225">
             <a:solidFill>
               <a:schemeClr val="tx1"/>
             </a:solidFill>
@@ -10969,7 +11397,7 @@
           <a:prstGeom prst="line">
             <a:avLst/>
           </a:prstGeom>
-          <a:ln>
+          <a:ln w="22225">
             <a:solidFill>
               <a:schemeClr val="tx1"/>
             </a:solidFill>
@@ -11128,7 +11556,7 @@
           <a:prstGeom prst="line">
             <a:avLst/>
           </a:prstGeom>
-          <a:ln>
+          <a:ln w="22225">
             <a:solidFill>
               <a:schemeClr val="tx1"/>
             </a:solidFill>
@@ -11197,7 +11625,7 @@
           <a:prstGeom prst="line">
             <a:avLst/>
           </a:prstGeom>
-          <a:ln>
+          <a:ln w="22225">
             <a:solidFill>
               <a:schemeClr val="tx1"/>
             </a:solidFill>
@@ -11354,7 +11782,7 @@
         </p:nvSpPr>
         <p:spPr>
           <a:xfrm>
-            <a:off x="4788438" y="4716155"/>
+            <a:off x="4751442" y="4716155"/>
             <a:ext cx="643125" cy="338554"/>
           </a:xfrm>
           <a:prstGeom prst="rect">
@@ -11454,7 +11882,7 @@
           <a:prstGeom prst="line">
             <a:avLst/>
           </a:prstGeom>
-          <a:ln>
+          <a:ln w="22225">
             <a:solidFill>
               <a:schemeClr val="tx1"/>
             </a:solidFill>
@@ -11519,7 +11947,7 @@
           <a:prstGeom prst="line">
             <a:avLst/>
           </a:prstGeom>
-          <a:ln>
+          <a:ln w="22225">
             <a:solidFill>
               <a:schemeClr val="tx1"/>
             </a:solidFill>
@@ -11676,7 +12104,7 @@
         </p:nvSpPr>
         <p:spPr>
           <a:xfrm>
-            <a:off x="781052" y="4716155"/>
+            <a:off x="684451" y="4701284"/>
             <a:ext cx="1058367" cy="338554"/>
           </a:xfrm>
           <a:prstGeom prst="rect">
@@ -11711,9 +12139,820 @@
   <p:timing>
     <p:tnLst>
       <p:par>
-        <p:cTn id="1" dur="indefinite" restart="never" nodeType="tmRoot"/>
+        <p:cTn id="1" dur="indefinite" restart="never" nodeType="tmRoot">
+          <p:childTnLst>
+            <p:seq concurrent="1" nextAc="seek">
+              <p:cTn id="2" dur="indefinite" nodeType="mainSeq">
+                <p:childTnLst>
+                  <p:par>
+                    <p:cTn id="3" fill="hold">
+                      <p:stCondLst>
+                        <p:cond delay="indefinite"/>
+                      </p:stCondLst>
+                      <p:childTnLst>
+                        <p:par>
+                          <p:cTn id="4" fill="hold">
+                            <p:stCondLst>
+                              <p:cond delay="0"/>
+                            </p:stCondLst>
+                            <p:childTnLst>
+                              <p:par>
+                                <p:cTn id="5" presetID="10" presetClass="entr" presetSubtype="0" fill="hold" nodeType="clickEffect">
+                                  <p:stCondLst>
+                                    <p:cond delay="0"/>
+                                  </p:stCondLst>
+                                  <p:childTnLst>
+                                    <p:set>
+                                      <p:cBhvr>
+                                        <p:cTn id="6" dur="1" fill="hold">
+                                          <p:stCondLst>
+                                            <p:cond delay="0"/>
+                                          </p:stCondLst>
+                                        </p:cTn>
+                                        <p:tgtEl>
+                                          <p:spTgt spid="7"/>
+                                        </p:tgtEl>
+                                        <p:attrNameLst>
+                                          <p:attrName>style.visibility</p:attrName>
+                                        </p:attrNameLst>
+                                      </p:cBhvr>
+                                      <p:to>
+                                        <p:strVal val="visible"/>
+                                      </p:to>
+                                    </p:set>
+                                    <p:animEffect transition="in" filter="fade">
+                                      <p:cBhvr>
+                                        <p:cTn id="7" dur="500"/>
+                                        <p:tgtEl>
+                                          <p:spTgt spid="7"/>
+                                        </p:tgtEl>
+                                      </p:cBhvr>
+                                    </p:animEffect>
+                                  </p:childTnLst>
+                                </p:cTn>
+                              </p:par>
+                              <p:par>
+                                <p:cTn id="8" presetID="10" presetClass="entr" presetSubtype="0" fill="hold" grpId="0" nodeType="withEffect">
+                                  <p:stCondLst>
+                                    <p:cond delay="0"/>
+                                  </p:stCondLst>
+                                  <p:childTnLst>
+                                    <p:set>
+                                      <p:cBhvr>
+                                        <p:cTn id="9" dur="1" fill="hold">
+                                          <p:stCondLst>
+                                            <p:cond delay="0"/>
+                                          </p:stCondLst>
+                                        </p:cTn>
+                                        <p:tgtEl>
+                                          <p:spTgt spid="9"/>
+                                        </p:tgtEl>
+                                        <p:attrNameLst>
+                                          <p:attrName>style.visibility</p:attrName>
+                                        </p:attrNameLst>
+                                      </p:cBhvr>
+                                      <p:to>
+                                        <p:strVal val="visible"/>
+                                      </p:to>
+                                    </p:set>
+                                    <p:animEffect transition="in" filter="fade">
+                                      <p:cBhvr>
+                                        <p:cTn id="10" dur="500"/>
+                                        <p:tgtEl>
+                                          <p:spTgt spid="9"/>
+                                        </p:tgtEl>
+                                      </p:cBhvr>
+                                    </p:animEffect>
+                                  </p:childTnLst>
+                                </p:cTn>
+                              </p:par>
+                            </p:childTnLst>
+                          </p:cTn>
+                        </p:par>
+                      </p:childTnLst>
+                    </p:cTn>
+                  </p:par>
+                  <p:par>
+                    <p:cTn id="11" fill="hold">
+                      <p:stCondLst>
+                        <p:cond delay="indefinite"/>
+                      </p:stCondLst>
+                      <p:childTnLst>
+                        <p:par>
+                          <p:cTn id="12" fill="hold">
+                            <p:stCondLst>
+                              <p:cond delay="0"/>
+                            </p:stCondLst>
+                            <p:childTnLst>
+                              <p:par>
+                                <p:cTn id="13" presetID="10" presetClass="entr" presetSubtype="0" fill="hold" grpId="0" nodeType="clickEffect">
+                                  <p:stCondLst>
+                                    <p:cond delay="0"/>
+                                  </p:stCondLst>
+                                  <p:childTnLst>
+                                    <p:set>
+                                      <p:cBhvr>
+                                        <p:cTn id="14" dur="1" fill="hold">
+                                          <p:stCondLst>
+                                            <p:cond delay="0"/>
+                                          </p:stCondLst>
+                                        </p:cTn>
+                                        <p:tgtEl>
+                                          <p:spTgt spid="10"/>
+                                        </p:tgtEl>
+                                        <p:attrNameLst>
+                                          <p:attrName>style.visibility</p:attrName>
+                                        </p:attrNameLst>
+                                      </p:cBhvr>
+                                      <p:to>
+                                        <p:strVal val="visible"/>
+                                      </p:to>
+                                    </p:set>
+                                    <p:animEffect transition="in" filter="fade">
+                                      <p:cBhvr>
+                                        <p:cTn id="15" dur="500"/>
+                                        <p:tgtEl>
+                                          <p:spTgt spid="10"/>
+                                        </p:tgtEl>
+                                      </p:cBhvr>
+                                    </p:animEffect>
+                                  </p:childTnLst>
+                                </p:cTn>
+                              </p:par>
+                            </p:childTnLst>
+                          </p:cTn>
+                        </p:par>
+                      </p:childTnLst>
+                    </p:cTn>
+                  </p:par>
+                  <p:par>
+                    <p:cTn id="16" fill="hold">
+                      <p:stCondLst>
+                        <p:cond delay="indefinite"/>
+                      </p:stCondLst>
+                      <p:childTnLst>
+                        <p:par>
+                          <p:cTn id="17" fill="hold">
+                            <p:stCondLst>
+                              <p:cond delay="0"/>
+                            </p:stCondLst>
+                            <p:childTnLst>
+                              <p:par>
+                                <p:cTn id="18" presetID="10" presetClass="entr" presetSubtype="0" fill="hold" grpId="0" nodeType="clickEffect">
+                                  <p:stCondLst>
+                                    <p:cond delay="0"/>
+                                  </p:stCondLst>
+                                  <p:childTnLst>
+                                    <p:set>
+                                      <p:cBhvr>
+                                        <p:cTn id="19" dur="1" fill="hold">
+                                          <p:stCondLst>
+                                            <p:cond delay="0"/>
+                                          </p:stCondLst>
+                                        </p:cTn>
+                                        <p:tgtEl>
+                                          <p:spTgt spid="21"/>
+                                        </p:tgtEl>
+                                        <p:attrNameLst>
+                                          <p:attrName>style.visibility</p:attrName>
+                                        </p:attrNameLst>
+                                      </p:cBhvr>
+                                      <p:to>
+                                        <p:strVal val="visible"/>
+                                      </p:to>
+                                    </p:set>
+                                    <p:animEffect transition="in" filter="fade">
+                                      <p:cBhvr>
+                                        <p:cTn id="20" dur="500"/>
+                                        <p:tgtEl>
+                                          <p:spTgt spid="21"/>
+                                        </p:tgtEl>
+                                      </p:cBhvr>
+                                    </p:animEffect>
+                                  </p:childTnLst>
+                                </p:cTn>
+                              </p:par>
+                              <p:par>
+                                <p:cTn id="21" presetID="10" presetClass="entr" presetSubtype="0" fill="hold" nodeType="withEffect">
+                                  <p:stCondLst>
+                                    <p:cond delay="0"/>
+                                  </p:stCondLst>
+                                  <p:childTnLst>
+                                    <p:set>
+                                      <p:cBhvr>
+                                        <p:cTn id="22" dur="1" fill="hold">
+                                          <p:stCondLst>
+                                            <p:cond delay="0"/>
+                                          </p:stCondLst>
+                                        </p:cTn>
+                                        <p:tgtEl>
+                                          <p:spTgt spid="14"/>
+                                        </p:tgtEl>
+                                        <p:attrNameLst>
+                                          <p:attrName>style.visibility</p:attrName>
+                                        </p:attrNameLst>
+                                      </p:cBhvr>
+                                      <p:to>
+                                        <p:strVal val="visible"/>
+                                      </p:to>
+                                    </p:set>
+                                    <p:animEffect transition="in" filter="fade">
+                                      <p:cBhvr>
+                                        <p:cTn id="23" dur="500"/>
+                                        <p:tgtEl>
+                                          <p:spTgt spid="14"/>
+                                        </p:tgtEl>
+                                      </p:cBhvr>
+                                    </p:animEffect>
+                                  </p:childTnLst>
+                                </p:cTn>
+                              </p:par>
+                              <p:par>
+                                <p:cTn id="24" presetID="10" presetClass="entr" presetSubtype="0" fill="hold" grpId="0" nodeType="withEffect">
+                                  <p:stCondLst>
+                                    <p:cond delay="0"/>
+                                  </p:stCondLst>
+                                  <p:childTnLst>
+                                    <p:set>
+                                      <p:cBhvr>
+                                        <p:cTn id="25" dur="1" fill="hold">
+                                          <p:stCondLst>
+                                            <p:cond delay="0"/>
+                                          </p:stCondLst>
+                                        </p:cTn>
+                                        <p:tgtEl>
+                                          <p:spTgt spid="16"/>
+                                        </p:tgtEl>
+                                        <p:attrNameLst>
+                                          <p:attrName>style.visibility</p:attrName>
+                                        </p:attrNameLst>
+                                      </p:cBhvr>
+                                      <p:to>
+                                        <p:strVal val="visible"/>
+                                      </p:to>
+                                    </p:set>
+                                    <p:animEffect transition="in" filter="fade">
+                                      <p:cBhvr>
+                                        <p:cTn id="26" dur="500"/>
+                                        <p:tgtEl>
+                                          <p:spTgt spid="16"/>
+                                        </p:tgtEl>
+                                      </p:cBhvr>
+                                    </p:animEffect>
+                                  </p:childTnLst>
+                                </p:cTn>
+                              </p:par>
+                            </p:childTnLst>
+                          </p:cTn>
+                        </p:par>
+                      </p:childTnLst>
+                    </p:cTn>
+                  </p:par>
+                  <p:par>
+                    <p:cTn id="27" fill="hold">
+                      <p:stCondLst>
+                        <p:cond delay="indefinite"/>
+                      </p:stCondLst>
+                      <p:childTnLst>
+                        <p:par>
+                          <p:cTn id="28" fill="hold">
+                            <p:stCondLst>
+                              <p:cond delay="0"/>
+                            </p:stCondLst>
+                            <p:childTnLst>
+                              <p:par>
+                                <p:cTn id="29" presetID="10" presetClass="entr" presetSubtype="0" fill="hold" grpId="0" nodeType="clickEffect">
+                                  <p:stCondLst>
+                                    <p:cond delay="0"/>
+                                  </p:stCondLst>
+                                  <p:childTnLst>
+                                    <p:set>
+                                      <p:cBhvr>
+                                        <p:cTn id="30" dur="1" fill="hold">
+                                          <p:stCondLst>
+                                            <p:cond delay="0"/>
+                                          </p:stCondLst>
+                                        </p:cTn>
+                                        <p:tgtEl>
+                                          <p:spTgt spid="13"/>
+                                        </p:tgtEl>
+                                        <p:attrNameLst>
+                                          <p:attrName>style.visibility</p:attrName>
+                                        </p:attrNameLst>
+                                      </p:cBhvr>
+                                      <p:to>
+                                        <p:strVal val="visible"/>
+                                      </p:to>
+                                    </p:set>
+                                    <p:animEffect transition="in" filter="fade">
+                                      <p:cBhvr>
+                                        <p:cTn id="31" dur="500"/>
+                                        <p:tgtEl>
+                                          <p:spTgt spid="13"/>
+                                        </p:tgtEl>
+                                      </p:cBhvr>
+                                    </p:animEffect>
+                                  </p:childTnLst>
+                                </p:cTn>
+                              </p:par>
+                              <p:par>
+                                <p:cTn id="32" presetID="10" presetClass="entr" presetSubtype="0" fill="hold" nodeType="withEffect">
+                                  <p:stCondLst>
+                                    <p:cond delay="0"/>
+                                  </p:stCondLst>
+                                  <p:childTnLst>
+                                    <p:set>
+                                      <p:cBhvr>
+                                        <p:cTn id="33" dur="1" fill="hold">
+                                          <p:stCondLst>
+                                            <p:cond delay="0"/>
+                                          </p:stCondLst>
+                                        </p:cTn>
+                                        <p:tgtEl>
+                                          <p:spTgt spid="12"/>
+                                        </p:tgtEl>
+                                        <p:attrNameLst>
+                                          <p:attrName>style.visibility</p:attrName>
+                                        </p:attrNameLst>
+                                      </p:cBhvr>
+                                      <p:to>
+                                        <p:strVal val="visible"/>
+                                      </p:to>
+                                    </p:set>
+                                    <p:animEffect transition="in" filter="fade">
+                                      <p:cBhvr>
+                                        <p:cTn id="34" dur="500"/>
+                                        <p:tgtEl>
+                                          <p:spTgt spid="12"/>
+                                        </p:tgtEl>
+                                      </p:cBhvr>
+                                    </p:animEffect>
+                                  </p:childTnLst>
+                                </p:cTn>
+                              </p:par>
+                              <p:par>
+                                <p:cTn id="35" presetID="10" presetClass="entr" presetSubtype="0" fill="hold" grpId="0" nodeType="withEffect">
+                                  <p:stCondLst>
+                                    <p:cond delay="0"/>
+                                  </p:stCondLst>
+                                  <p:childTnLst>
+                                    <p:set>
+                                      <p:cBhvr>
+                                        <p:cTn id="36" dur="1" fill="hold">
+                                          <p:stCondLst>
+                                            <p:cond delay="0"/>
+                                          </p:stCondLst>
+                                        </p:cTn>
+                                        <p:tgtEl>
+                                          <p:spTgt spid="17"/>
+                                        </p:tgtEl>
+                                        <p:attrNameLst>
+                                          <p:attrName>style.visibility</p:attrName>
+                                        </p:attrNameLst>
+                                      </p:cBhvr>
+                                      <p:to>
+                                        <p:strVal val="visible"/>
+                                      </p:to>
+                                    </p:set>
+                                    <p:animEffect transition="in" filter="fade">
+                                      <p:cBhvr>
+                                        <p:cTn id="37" dur="500"/>
+                                        <p:tgtEl>
+                                          <p:spTgt spid="17"/>
+                                        </p:tgtEl>
+                                      </p:cBhvr>
+                                    </p:animEffect>
+                                  </p:childTnLst>
+                                </p:cTn>
+                              </p:par>
+                            </p:childTnLst>
+                          </p:cTn>
+                        </p:par>
+                      </p:childTnLst>
+                    </p:cTn>
+                  </p:par>
+                  <p:par>
+                    <p:cTn id="38" fill="hold">
+                      <p:stCondLst>
+                        <p:cond delay="indefinite"/>
+                      </p:stCondLst>
+                      <p:childTnLst>
+                        <p:par>
+                          <p:cTn id="39" fill="hold">
+                            <p:stCondLst>
+                              <p:cond delay="0"/>
+                            </p:stCondLst>
+                            <p:childTnLst>
+                              <p:par>
+                                <p:cTn id="40" presetID="10" presetClass="entr" presetSubtype="0" fill="hold" nodeType="clickEffect">
+                                  <p:stCondLst>
+                                    <p:cond delay="0"/>
+                                  </p:stCondLst>
+                                  <p:childTnLst>
+                                    <p:set>
+                                      <p:cBhvr>
+                                        <p:cTn id="41" dur="1" fill="hold">
+                                          <p:stCondLst>
+                                            <p:cond delay="0"/>
+                                          </p:stCondLst>
+                                        </p:cTn>
+                                        <p:tgtEl>
+                                          <p:spTgt spid="6"/>
+                                        </p:tgtEl>
+                                        <p:attrNameLst>
+                                          <p:attrName>style.visibility</p:attrName>
+                                        </p:attrNameLst>
+                                      </p:cBhvr>
+                                      <p:to>
+                                        <p:strVal val="visible"/>
+                                      </p:to>
+                                    </p:set>
+                                    <p:animEffect transition="in" filter="fade">
+                                      <p:cBhvr>
+                                        <p:cTn id="42" dur="500"/>
+                                        <p:tgtEl>
+                                          <p:spTgt spid="6"/>
+                                        </p:tgtEl>
+                                      </p:cBhvr>
+                                    </p:animEffect>
+                                  </p:childTnLst>
+                                </p:cTn>
+                              </p:par>
+                              <p:par>
+                                <p:cTn id="43" presetID="10" presetClass="entr" presetSubtype="0" fill="hold" grpId="0" nodeType="withEffect">
+                                  <p:stCondLst>
+                                    <p:cond delay="0"/>
+                                  </p:stCondLst>
+                                  <p:childTnLst>
+                                    <p:set>
+                                      <p:cBhvr>
+                                        <p:cTn id="44" dur="1" fill="hold">
+                                          <p:stCondLst>
+                                            <p:cond delay="0"/>
+                                          </p:stCondLst>
+                                        </p:cTn>
+                                        <p:tgtEl>
+                                          <p:spTgt spid="8"/>
+                                        </p:tgtEl>
+                                        <p:attrNameLst>
+                                          <p:attrName>style.visibility</p:attrName>
+                                        </p:attrNameLst>
+                                      </p:cBhvr>
+                                      <p:to>
+                                        <p:strVal val="visible"/>
+                                      </p:to>
+                                    </p:set>
+                                    <p:animEffect transition="in" filter="fade">
+                                      <p:cBhvr>
+                                        <p:cTn id="45" dur="500"/>
+                                        <p:tgtEl>
+                                          <p:spTgt spid="8"/>
+                                        </p:tgtEl>
+                                      </p:cBhvr>
+                                    </p:animEffect>
+                                  </p:childTnLst>
+                                </p:cTn>
+                              </p:par>
+                            </p:childTnLst>
+                          </p:cTn>
+                        </p:par>
+                      </p:childTnLst>
+                    </p:cTn>
+                  </p:par>
+                  <p:par>
+                    <p:cTn id="46" fill="hold">
+                      <p:stCondLst>
+                        <p:cond delay="indefinite"/>
+                      </p:stCondLst>
+                      <p:childTnLst>
+                        <p:par>
+                          <p:cTn id="47" fill="hold">
+                            <p:stCondLst>
+                              <p:cond delay="0"/>
+                            </p:stCondLst>
+                            <p:childTnLst>
+                              <p:par>
+                                <p:cTn id="48" presetID="10" presetClass="entr" presetSubtype="0" fill="hold" grpId="0" nodeType="clickEffect">
+                                  <p:stCondLst>
+                                    <p:cond delay="0"/>
+                                  </p:stCondLst>
+                                  <p:childTnLst>
+                                    <p:set>
+                                      <p:cBhvr>
+                                        <p:cTn id="49" dur="1" fill="hold">
+                                          <p:stCondLst>
+                                            <p:cond delay="0"/>
+                                          </p:stCondLst>
+                                        </p:cTn>
+                                        <p:tgtEl>
+                                          <p:spTgt spid="29"/>
+                                        </p:tgtEl>
+                                        <p:attrNameLst>
+                                          <p:attrName>style.visibility</p:attrName>
+                                        </p:attrNameLst>
+                                      </p:cBhvr>
+                                      <p:to>
+                                        <p:strVal val="visible"/>
+                                      </p:to>
+                                    </p:set>
+                                    <p:animEffect transition="in" filter="fade">
+                                      <p:cBhvr>
+                                        <p:cTn id="50" dur="500"/>
+                                        <p:tgtEl>
+                                          <p:spTgt spid="29"/>
+                                        </p:tgtEl>
+                                      </p:cBhvr>
+                                    </p:animEffect>
+                                  </p:childTnLst>
+                                </p:cTn>
+                              </p:par>
+                            </p:childTnLst>
+                          </p:cTn>
+                        </p:par>
+                      </p:childTnLst>
+                    </p:cTn>
+                  </p:par>
+                  <p:par>
+                    <p:cTn id="51" fill="hold">
+                      <p:stCondLst>
+                        <p:cond delay="indefinite"/>
+                      </p:stCondLst>
+                      <p:childTnLst>
+                        <p:par>
+                          <p:cTn id="52" fill="hold">
+                            <p:stCondLst>
+                              <p:cond delay="0"/>
+                            </p:stCondLst>
+                            <p:childTnLst>
+                              <p:par>
+                                <p:cTn id="53" presetID="10" presetClass="entr" presetSubtype="0" fill="hold" grpId="0" nodeType="clickEffect">
+                                  <p:stCondLst>
+                                    <p:cond delay="0"/>
+                                  </p:stCondLst>
+                                  <p:childTnLst>
+                                    <p:set>
+                                      <p:cBhvr>
+                                        <p:cTn id="54" dur="1" fill="hold">
+                                          <p:stCondLst>
+                                            <p:cond delay="0"/>
+                                          </p:stCondLst>
+                                        </p:cTn>
+                                        <p:tgtEl>
+                                          <p:spTgt spid="35"/>
+                                        </p:tgtEl>
+                                        <p:attrNameLst>
+                                          <p:attrName>style.visibility</p:attrName>
+                                        </p:attrNameLst>
+                                      </p:cBhvr>
+                                      <p:to>
+                                        <p:strVal val="visible"/>
+                                      </p:to>
+                                    </p:set>
+                                    <p:animEffect transition="in" filter="fade">
+                                      <p:cBhvr>
+                                        <p:cTn id="55" dur="500"/>
+                                        <p:tgtEl>
+                                          <p:spTgt spid="35"/>
+                                        </p:tgtEl>
+                                      </p:cBhvr>
+                                    </p:animEffect>
+                                  </p:childTnLst>
+                                </p:cTn>
+                              </p:par>
+                              <p:par>
+                                <p:cTn id="56" presetID="10" presetClass="entr" presetSubtype="0" fill="hold" nodeType="withEffect">
+                                  <p:stCondLst>
+                                    <p:cond delay="0"/>
+                                  </p:stCondLst>
+                                  <p:childTnLst>
+                                    <p:set>
+                                      <p:cBhvr>
+                                        <p:cTn id="57" dur="1" fill="hold">
+                                          <p:stCondLst>
+                                            <p:cond delay="0"/>
+                                          </p:stCondLst>
+                                        </p:cTn>
+                                        <p:tgtEl>
+                                          <p:spTgt spid="32"/>
+                                        </p:tgtEl>
+                                        <p:attrNameLst>
+                                          <p:attrName>style.visibility</p:attrName>
+                                        </p:attrNameLst>
+                                      </p:cBhvr>
+                                      <p:to>
+                                        <p:strVal val="visible"/>
+                                      </p:to>
+                                    </p:set>
+                                    <p:animEffect transition="in" filter="fade">
+                                      <p:cBhvr>
+                                        <p:cTn id="58" dur="500"/>
+                                        <p:tgtEl>
+                                          <p:spTgt spid="32"/>
+                                        </p:tgtEl>
+                                      </p:cBhvr>
+                                    </p:animEffect>
+                                  </p:childTnLst>
+                                </p:cTn>
+                              </p:par>
+                              <p:par>
+                                <p:cTn id="59" presetID="10" presetClass="entr" presetSubtype="0" fill="hold" grpId="0" nodeType="withEffect">
+                                  <p:stCondLst>
+                                    <p:cond delay="0"/>
+                                  </p:stCondLst>
+                                  <p:childTnLst>
+                                    <p:set>
+                                      <p:cBhvr>
+                                        <p:cTn id="60" dur="1" fill="hold">
+                                          <p:stCondLst>
+                                            <p:cond delay="0"/>
+                                          </p:stCondLst>
+                                        </p:cTn>
+                                        <p:tgtEl>
+                                          <p:spTgt spid="33"/>
+                                        </p:tgtEl>
+                                        <p:attrNameLst>
+                                          <p:attrName>style.visibility</p:attrName>
+                                        </p:attrNameLst>
+                                      </p:cBhvr>
+                                      <p:to>
+                                        <p:strVal val="visible"/>
+                                      </p:to>
+                                    </p:set>
+                                    <p:animEffect transition="in" filter="fade">
+                                      <p:cBhvr>
+                                        <p:cTn id="61" dur="500"/>
+                                        <p:tgtEl>
+                                          <p:spTgt spid="33"/>
+                                        </p:tgtEl>
+                                      </p:cBhvr>
+                                    </p:animEffect>
+                                  </p:childTnLst>
+                                </p:cTn>
+                              </p:par>
+                            </p:childTnLst>
+                          </p:cTn>
+                        </p:par>
+                      </p:childTnLst>
+                    </p:cTn>
+                  </p:par>
+                  <p:par>
+                    <p:cTn id="62" fill="hold">
+                      <p:stCondLst>
+                        <p:cond delay="indefinite"/>
+                      </p:stCondLst>
+                      <p:childTnLst>
+                        <p:par>
+                          <p:cTn id="63" fill="hold">
+                            <p:stCondLst>
+                              <p:cond delay="0"/>
+                            </p:stCondLst>
+                            <p:childTnLst>
+                              <p:par>
+                                <p:cTn id="64" presetID="10" presetClass="entr" presetSubtype="0" fill="hold" nodeType="clickEffect">
+                                  <p:stCondLst>
+                                    <p:cond delay="0"/>
+                                  </p:stCondLst>
+                                  <p:childTnLst>
+                                    <p:set>
+                                      <p:cBhvr>
+                                        <p:cTn id="65" dur="1" fill="hold">
+                                          <p:stCondLst>
+                                            <p:cond delay="0"/>
+                                          </p:stCondLst>
+                                        </p:cTn>
+                                        <p:tgtEl>
+                                          <p:spTgt spid="30"/>
+                                        </p:tgtEl>
+                                        <p:attrNameLst>
+                                          <p:attrName>style.visibility</p:attrName>
+                                        </p:attrNameLst>
+                                      </p:cBhvr>
+                                      <p:to>
+                                        <p:strVal val="visible"/>
+                                      </p:to>
+                                    </p:set>
+                                    <p:animEffect transition="in" filter="fade">
+                                      <p:cBhvr>
+                                        <p:cTn id="66" dur="500"/>
+                                        <p:tgtEl>
+                                          <p:spTgt spid="30"/>
+                                        </p:tgtEl>
+                                      </p:cBhvr>
+                                    </p:animEffect>
+                                  </p:childTnLst>
+                                </p:cTn>
+                              </p:par>
+                              <p:par>
+                                <p:cTn id="67" presetID="10" presetClass="entr" presetSubtype="0" fill="hold" grpId="0" nodeType="withEffect">
+                                  <p:stCondLst>
+                                    <p:cond delay="0"/>
+                                  </p:stCondLst>
+                                  <p:childTnLst>
+                                    <p:set>
+                                      <p:cBhvr>
+                                        <p:cTn id="68" dur="1" fill="hold">
+                                          <p:stCondLst>
+                                            <p:cond delay="0"/>
+                                          </p:stCondLst>
+                                        </p:cTn>
+                                        <p:tgtEl>
+                                          <p:spTgt spid="31"/>
+                                        </p:tgtEl>
+                                        <p:attrNameLst>
+                                          <p:attrName>style.visibility</p:attrName>
+                                        </p:attrNameLst>
+                                      </p:cBhvr>
+                                      <p:to>
+                                        <p:strVal val="visible"/>
+                                      </p:to>
+                                    </p:set>
+                                    <p:animEffect transition="in" filter="fade">
+                                      <p:cBhvr>
+                                        <p:cTn id="69" dur="500"/>
+                                        <p:tgtEl>
+                                          <p:spTgt spid="31"/>
+                                        </p:tgtEl>
+                                      </p:cBhvr>
+                                    </p:animEffect>
+                                  </p:childTnLst>
+                                </p:cTn>
+                              </p:par>
+                              <p:par>
+                                <p:cTn id="70" presetID="10" presetClass="entr" presetSubtype="0" fill="hold" grpId="0" nodeType="withEffect">
+                                  <p:stCondLst>
+                                    <p:cond delay="0"/>
+                                  </p:stCondLst>
+                                  <p:childTnLst>
+                                    <p:set>
+                                      <p:cBhvr>
+                                        <p:cTn id="71" dur="1" fill="hold">
+                                          <p:stCondLst>
+                                            <p:cond delay="0"/>
+                                          </p:stCondLst>
+                                        </p:cTn>
+                                        <p:tgtEl>
+                                          <p:spTgt spid="34"/>
+                                        </p:tgtEl>
+                                        <p:attrNameLst>
+                                          <p:attrName>style.visibility</p:attrName>
+                                        </p:attrNameLst>
+                                      </p:cBhvr>
+                                      <p:to>
+                                        <p:strVal val="visible"/>
+                                      </p:to>
+                                    </p:set>
+                                    <p:animEffect transition="in" filter="fade">
+                                      <p:cBhvr>
+                                        <p:cTn id="72" dur="500"/>
+                                        <p:tgtEl>
+                                          <p:spTgt spid="34"/>
+                                        </p:tgtEl>
+                                      </p:cBhvr>
+                                    </p:animEffect>
+                                  </p:childTnLst>
+                                </p:cTn>
+                              </p:par>
+                            </p:childTnLst>
+                          </p:cTn>
+                        </p:par>
+                      </p:childTnLst>
+                    </p:cTn>
+                  </p:par>
+                </p:childTnLst>
+              </p:cTn>
+              <p:prevCondLst>
+                <p:cond evt="onPrev" delay="0">
+                  <p:tgtEl>
+                    <p:sldTgt/>
+                  </p:tgtEl>
+                </p:cond>
+              </p:prevCondLst>
+              <p:nextCondLst>
+                <p:cond evt="onNext" delay="0">
+                  <p:tgtEl>
+                    <p:sldTgt/>
+                  </p:tgtEl>
+                </p:cond>
+              </p:nextCondLst>
+            </p:seq>
+          </p:childTnLst>
+        </p:cTn>
       </p:par>
     </p:tnLst>
+    <p:bldLst>
+      <p:bldP spid="8" grpId="0"/>
+      <p:bldP spid="9" grpId="0"/>
+      <p:bldP spid="10" grpId="0" animBg="1"/>
+      <p:bldP spid="13" grpId="0"/>
+      <p:bldP spid="16" grpId="0" animBg="1"/>
+      <p:bldP spid="17" grpId="0" animBg="1"/>
+      <p:bldP spid="21" grpId="0"/>
+      <p:bldP spid="29" grpId="0" animBg="1"/>
+      <p:bldP spid="31" grpId="0"/>
+      <p:bldP spid="33" grpId="0" animBg="1"/>
+      <p:bldP spid="34" grpId="0" animBg="1"/>
+      <p:bldP spid="35" grpId="0"/>
+    </p:bldLst>
   </p:timing>
 </p:sld>
 </file>

--- a/presentations/tree_models/Tree_models.pptx
+++ b/presentations/tree_models/Tree_models.pptx
@@ -32,9 +32,9 @@
     <p:sldId id="312" r:id="rId23"/>
     <p:sldId id="296" r:id="rId24"/>
     <p:sldId id="304" r:id="rId25"/>
-    <p:sldId id="302" r:id="rId26"/>
-    <p:sldId id="300" r:id="rId27"/>
-    <p:sldId id="292" r:id="rId28"/>
+    <p:sldId id="300" r:id="rId26"/>
+    <p:sldId id="292" r:id="rId27"/>
+    <p:sldId id="318" r:id="rId28"/>
     <p:sldId id="315" r:id="rId29"/>
   </p:sldIdLst>
   <p:sldSz cx="9144000" cy="6858000" type="screen4x3"/>
@@ -235,7 +235,7 @@
           <a:p>
             <a:fld id="{2793983C-EFA1-41D2-8DCF-4CEF34100D6A}" type="datetimeFigureOut">
               <a:rPr lang="en-US" smtClean="0"/>
-              <a:t>2/5/2016</a:t>
+              <a:t>2/9/2016</a:t>
             </a:fld>
             <a:endParaRPr lang="en-US"/>
           </a:p>
@@ -547,7 +547,19 @@
           <a:bodyPr/>
           <a:lstStyle/>
           <a:p>
-            <a:endParaRPr lang="en-US"/>
+            <a:r>
+              <a:rPr lang="en-US" sz="1200" b="1" kern="1200" dirty="0" smtClean="0">
+                <a:solidFill>
+                  <a:schemeClr val="tx1"/>
+                </a:solidFill>
+                <a:effectLst/>
+                <a:latin typeface="+mn-lt"/>
+                <a:ea typeface="+mn-ea"/>
+                <a:cs typeface="+mn-cs"/>
+              </a:rPr>
+              <a:t>How have you, or could you, use decision trees?</a:t>
+            </a:r>
+            <a:endParaRPr lang="en-US" b="1" dirty="0"/>
           </a:p>
         </p:txBody>
       </p:sp>
@@ -1615,7 +1627,7 @@
           <a:p>
             <a:fld id="{97CFF939-70E9-4E47-9899-4E3DA2789027}" type="datetimeFigureOut">
               <a:rPr lang="en-US" smtClean="0"/>
-              <a:t>2/5/2016</a:t>
+              <a:t>2/9/2016</a:t>
             </a:fld>
             <a:endParaRPr lang="en-US"/>
           </a:p>
@@ -1807,7 +1819,7 @@
           <a:p>
             <a:fld id="{97CFF939-70E9-4E47-9899-4E3DA2789027}" type="datetimeFigureOut">
               <a:rPr lang="en-US" smtClean="0"/>
-              <a:t>2/5/2016</a:t>
+              <a:t>2/9/2016</a:t>
             </a:fld>
             <a:endParaRPr lang="en-US"/>
           </a:p>
@@ -1987,7 +1999,7 @@
           <a:p>
             <a:fld id="{97CFF939-70E9-4E47-9899-4E3DA2789027}" type="datetimeFigureOut">
               <a:rPr lang="en-US" smtClean="0"/>
-              <a:t>2/5/2016</a:t>
+              <a:t>2/9/2016</a:t>
             </a:fld>
             <a:endParaRPr lang="en-US"/>
           </a:p>
@@ -2157,7 +2169,7 @@
           <a:p>
             <a:fld id="{97CFF939-70E9-4E47-9899-4E3DA2789027}" type="datetimeFigureOut">
               <a:rPr lang="en-US" smtClean="0"/>
-              <a:t>2/5/2016</a:t>
+              <a:t>2/9/2016</a:t>
             </a:fld>
             <a:endParaRPr lang="en-US"/>
           </a:p>
@@ -2411,7 +2423,7 @@
           <a:p>
             <a:fld id="{97CFF939-70E9-4E47-9899-4E3DA2789027}" type="datetimeFigureOut">
               <a:rPr lang="en-US" smtClean="0"/>
-              <a:t>2/5/2016</a:t>
+              <a:t>2/9/2016</a:t>
             </a:fld>
             <a:endParaRPr lang="en-US"/>
           </a:p>
@@ -2737,7 +2749,7 @@
           <a:p>
             <a:fld id="{97CFF939-70E9-4E47-9899-4E3DA2789027}" type="datetimeFigureOut">
               <a:rPr lang="en-US" smtClean="0"/>
-              <a:t>2/5/2016</a:t>
+              <a:t>2/9/2016</a:t>
             </a:fld>
             <a:endParaRPr lang="en-US"/>
           </a:p>
@@ -3157,7 +3169,7 @@
           <a:p>
             <a:fld id="{97CFF939-70E9-4E47-9899-4E3DA2789027}" type="datetimeFigureOut">
               <a:rPr lang="en-US" smtClean="0"/>
-              <a:t>2/5/2016</a:t>
+              <a:t>2/9/2016</a:t>
             </a:fld>
             <a:endParaRPr lang="en-US"/>
           </a:p>
@@ -3275,7 +3287,7 @@
           <a:p>
             <a:fld id="{97CFF939-70E9-4E47-9899-4E3DA2789027}" type="datetimeFigureOut">
               <a:rPr lang="en-US" smtClean="0"/>
-              <a:t>2/5/2016</a:t>
+              <a:t>2/9/2016</a:t>
             </a:fld>
             <a:endParaRPr lang="en-US"/>
           </a:p>
@@ -3370,7 +3382,7 @@
           <a:p>
             <a:fld id="{97CFF939-70E9-4E47-9899-4E3DA2789027}" type="datetimeFigureOut">
               <a:rPr lang="en-US" smtClean="0"/>
-              <a:t>2/5/2016</a:t>
+              <a:t>2/9/2016</a:t>
             </a:fld>
             <a:endParaRPr lang="en-US"/>
           </a:p>
@@ -3657,7 +3669,7 @@
           <a:p>
             <a:fld id="{97CFF939-70E9-4E47-9899-4E3DA2789027}" type="datetimeFigureOut">
               <a:rPr lang="en-US" smtClean="0"/>
-              <a:t>2/5/2016</a:t>
+              <a:t>2/9/2016</a:t>
             </a:fld>
             <a:endParaRPr lang="en-US"/>
           </a:p>
@@ -3979,7 +3991,7 @@
           <a:p>
             <a:fld id="{97CFF939-70E9-4E47-9899-4E3DA2789027}" type="datetimeFigureOut">
               <a:rPr lang="en-US" smtClean="0"/>
-              <a:t>2/5/2016</a:t>
+              <a:t>2/9/2016</a:t>
             </a:fld>
             <a:endParaRPr lang="en-US"/>
           </a:p>
@@ -4233,7 +4245,7 @@
           <a:p>
             <a:fld id="{97CFF939-70E9-4E47-9899-4E3DA2789027}" type="datetimeFigureOut">
               <a:rPr lang="en-US" smtClean="0"/>
-              <a:t>2/5/2016</a:t>
+              <a:t>2/9/2016</a:t>
             </a:fld>
             <a:endParaRPr lang="en-US"/>
           </a:p>
@@ -8595,12 +8607,6 @@
           <a:bodyPr/>
           <a:lstStyle/>
           <a:p>
-            <a:r>
-              <a:rPr lang="en-US" sz="2400" dirty="0" smtClean="0"/>
-              <a:t>Discuss tree-based modeling as it relates to soil survey.</a:t>
-            </a:r>
-          </a:p>
-          <a:p>
             <a:pPr lvl="0"/>
             <a:r>
               <a:rPr lang="en-US" sz="2400" dirty="0"/>
@@ -9575,13 +9581,13 @@
           <p:nvPr>
             <p:extLst>
               <p:ext uri="{D42A27DB-BD31-4B8C-83A1-F6EECF244321}">
-                <p14:modId xmlns:p14="http://schemas.microsoft.com/office/powerpoint/2010/main" val="3598134628"/>
+                <p14:modId xmlns:p14="http://schemas.microsoft.com/office/powerpoint/2010/main" val="1513048876"/>
               </p:ext>
             </p:extLst>
           </p:nvPr>
         </p:nvGraphicFramePr>
         <p:xfrm>
-          <a:off x="1006085" y="2438400"/>
+          <a:off x="946404" y="2438400"/>
           <a:ext cx="7209799" cy="2590801"/>
         </p:xfrm>
         <a:graphic>
@@ -9931,107 +9937,12 @@
         </p:nvSpPr>
         <p:spPr/>
         <p:txBody>
-          <a:bodyPr>
-            <a:normAutofit/>
-          </a:bodyPr>
-          <a:lstStyle/>
-          <a:p>
-            <a:r>
-              <a:rPr lang="en-US" dirty="0" smtClean="0"/>
-              <a:t>EXERCISE:</a:t>
-            </a:r>
-            <a:br>
-              <a:rPr lang="en-US" dirty="0" smtClean="0"/>
-            </a:br>
-            <a:r>
-              <a:rPr lang="en-US" dirty="0" smtClean="0"/>
-              <a:t>Interpolating Tree Models</a:t>
-            </a:r>
-            <a:endParaRPr lang="en-US" dirty="0"/>
-          </a:p>
-        </p:txBody>
-      </p:sp>
-      <p:sp>
-        <p:nvSpPr>
-          <p:cNvPr id="3" name="Content Placeholder 2"/>
-          <p:cNvSpPr>
-            <a:spLocks noGrp="1"/>
-          </p:cNvSpPr>
-          <p:nvPr>
-            <p:ph idx="1"/>
-          </p:nvPr>
-        </p:nvSpPr>
-        <p:spPr/>
-        <p:txBody>
           <a:bodyPr/>
           <a:lstStyle/>
           <a:p>
-            <a:pPr marL="0" indent="0">
-              <a:buNone/>
-            </a:pPr>
             <a:r>
               <a:rPr lang="en-US" dirty="0" smtClean="0"/>
-              <a:t>****INSERT LINK TO TREE MODEL .RMD FILE****</a:t>
-            </a:r>
-            <a:endParaRPr lang="en-US" dirty="0"/>
-          </a:p>
-        </p:txBody>
-      </p:sp>
-    </p:spTree>
-    <p:extLst>
-      <p:ext uri="{BB962C8B-B14F-4D97-AF65-F5344CB8AC3E}">
-        <p14:creationId xmlns:p14="http://schemas.microsoft.com/office/powerpoint/2010/main" val="3496971371"/>
-      </p:ext>
-    </p:extLst>
-  </p:cSld>
-  <p:clrMapOvr>
-    <a:masterClrMapping/>
-  </p:clrMapOvr>
-  <p:timing>
-    <p:tnLst>
-      <p:par>
-        <p:cTn id="1" dur="indefinite" restart="never" nodeType="tmRoot"/>
-      </p:par>
-    </p:tnLst>
-  </p:timing>
-</p:sld>
-</file>
-
-<file path=ppt/slides/slide26.xml><?xml version="1.0" encoding="utf-8"?>
-<p:sld xmlns:a="http://schemas.openxmlformats.org/drawingml/2006/main" xmlns:r="http://schemas.openxmlformats.org/officeDocument/2006/relationships" xmlns:p="http://schemas.openxmlformats.org/presentationml/2006/main">
-  <p:cSld>
-    <p:spTree>
-      <p:nvGrpSpPr>
-        <p:cNvPr id="1" name=""/>
-        <p:cNvGrpSpPr/>
-        <p:nvPr/>
-      </p:nvGrpSpPr>
-      <p:grpSpPr>
-        <a:xfrm>
-          <a:off x="0" y="0"/>
-          <a:ext cx="0" cy="0"/>
-          <a:chOff x="0" y="0"/>
-          <a:chExt cx="0" cy="0"/>
-        </a:xfrm>
-      </p:grpSpPr>
-      <p:sp>
-        <p:nvSpPr>
-          <p:cNvPr id="2" name="Title 1"/>
-          <p:cNvSpPr>
-            <a:spLocks noGrp="1"/>
-          </p:cNvSpPr>
-          <p:nvPr>
-            <p:ph type="title"/>
-          </p:nvPr>
-        </p:nvSpPr>
-        <p:spPr/>
-        <p:txBody>
-          <a:bodyPr/>
-          <a:lstStyle/>
-          <a:p>
-            <a:r>
-              <a:rPr lang="en-US" dirty="0" smtClean="0"/>
-              <a:t>Summary</a:t>
+              <a:t>Summary – Tree Models</a:t>
             </a:r>
             <a:endParaRPr lang="en-US" dirty="0"/>
           </a:p>
@@ -10537,7 +10448,7 @@
 </p:sld>
 </file>
 
-<file path=ppt/slides/slide27.xml><?xml version="1.0" encoding="utf-8"?>
+<file path=ppt/slides/slide26.xml><?xml version="1.0" encoding="utf-8"?>
 <p:sld xmlns:a="http://schemas.openxmlformats.org/drawingml/2006/main" xmlns:r="http://schemas.openxmlformats.org/officeDocument/2006/relationships" xmlns:p="http://schemas.openxmlformats.org/presentationml/2006/main">
   <p:cSld>
     <p:spTree>
@@ -10674,7 +10585,7 @@
         </p:nvSpPr>
         <p:spPr>
           <a:xfrm>
-            <a:off x="4104132" y="6331187"/>
+            <a:off x="4061460" y="6317617"/>
             <a:ext cx="2683764" cy="338554"/>
           </a:xfrm>
           <a:prstGeom prst="rect">
@@ -10710,6 +10621,1493 @@
         <p:cTn id="1" dur="indefinite" restart="never" nodeType="tmRoot"/>
       </p:par>
     </p:tnLst>
+  </p:timing>
+</p:sld>
+</file>
+
+<file path=ppt/slides/slide27.xml><?xml version="1.0" encoding="utf-8"?>
+<p:sld xmlns:a="http://schemas.openxmlformats.org/drawingml/2006/main" xmlns:r="http://schemas.openxmlformats.org/officeDocument/2006/relationships" xmlns:p="http://schemas.openxmlformats.org/presentationml/2006/main">
+  <p:cSld>
+    <p:spTree>
+      <p:nvGrpSpPr>
+        <p:cNvPr id="1" name=""/>
+        <p:cNvGrpSpPr/>
+        <p:nvPr/>
+      </p:nvGrpSpPr>
+      <p:grpSpPr>
+        <a:xfrm>
+          <a:off x="0" y="0"/>
+          <a:ext cx="0" cy="0"/>
+          <a:chOff x="0" y="0"/>
+          <a:chExt cx="0" cy="0"/>
+        </a:xfrm>
+      </p:grpSpPr>
+      <p:sp>
+        <p:nvSpPr>
+          <p:cNvPr id="2" name="Title 1"/>
+          <p:cNvSpPr>
+            <a:spLocks noGrp="1"/>
+          </p:cNvSpPr>
+          <p:nvPr>
+            <p:ph type="title"/>
+          </p:nvPr>
+        </p:nvSpPr>
+        <p:spPr/>
+        <p:txBody>
+          <a:bodyPr/>
+          <a:lstStyle/>
+          <a:p>
+            <a:r>
+              <a:rPr lang="en-US" dirty="0" smtClean="0"/>
+              <a:t>Review Questions</a:t>
+            </a:r>
+            <a:endParaRPr lang="en-US" dirty="0"/>
+          </a:p>
+        </p:txBody>
+      </p:sp>
+      <p:sp>
+        <p:nvSpPr>
+          <p:cNvPr id="3" name="Content Placeholder 2"/>
+          <p:cNvSpPr>
+            <a:spLocks noGrp="1"/>
+          </p:cNvSpPr>
+          <p:nvPr>
+            <p:ph idx="1"/>
+          </p:nvPr>
+        </p:nvSpPr>
+        <p:spPr/>
+        <p:txBody>
+          <a:bodyPr>
+            <a:normAutofit/>
+          </a:bodyPr>
+          <a:lstStyle/>
+          <a:p>
+            <a:pPr marL="0" indent="0">
+              <a:buNone/>
+            </a:pPr>
+            <a:r>
+              <a:rPr lang="en-US" sz="2400" dirty="0"/>
+              <a:t>Why is random forest often referred to as double random?</a:t>
+            </a:r>
+          </a:p>
+          <a:p>
+            <a:pPr marL="0" indent="0">
+              <a:buNone/>
+            </a:pPr>
+            <a:r>
+              <a:rPr lang="en-US" sz="2400" dirty="0" smtClean="0">
+                <a:solidFill>
+                  <a:schemeClr val="bg1">
+                    <a:lumMod val="95000"/>
+                  </a:schemeClr>
+                </a:solidFill>
+              </a:rPr>
+              <a:t>How </a:t>
+            </a:r>
+            <a:r>
+              <a:rPr lang="en-US" sz="2400" dirty="0">
+                <a:solidFill>
+                  <a:schemeClr val="bg1">
+                    <a:lumMod val="95000"/>
+                  </a:schemeClr>
+                </a:solidFill>
+              </a:rPr>
+              <a:t>does random forest perform internal validation?</a:t>
+            </a:r>
+          </a:p>
+          <a:p>
+            <a:pPr marL="0" indent="0">
+              <a:buNone/>
+            </a:pPr>
+            <a:r>
+              <a:rPr lang="en-US" sz="2400" dirty="0" smtClean="0">
+                <a:solidFill>
+                  <a:schemeClr val="bg1">
+                    <a:lumMod val="95000"/>
+                  </a:schemeClr>
+                </a:solidFill>
+              </a:rPr>
+              <a:t>True </a:t>
+            </a:r>
+            <a:r>
+              <a:rPr lang="en-US" sz="2400" dirty="0">
+                <a:solidFill>
+                  <a:schemeClr val="bg1">
+                    <a:lumMod val="95000"/>
+                  </a:schemeClr>
+                </a:solidFill>
+              </a:rPr>
+              <a:t>or false – numerical and categorical data can be used in the creation of a classification tree?</a:t>
+            </a:r>
+          </a:p>
+          <a:p>
+            <a:pPr marL="0" indent="0">
+              <a:buNone/>
+            </a:pPr>
+            <a:r>
+              <a:rPr lang="en-US" sz="2400" dirty="0" smtClean="0">
+                <a:solidFill>
+                  <a:schemeClr val="bg1">
+                    <a:lumMod val="95000"/>
+                  </a:schemeClr>
+                </a:solidFill>
+              </a:rPr>
+              <a:t>What are some differences between </a:t>
+            </a:r>
+            <a:r>
+              <a:rPr lang="en-US" sz="2400" dirty="0" err="1" smtClean="0">
+                <a:solidFill>
+                  <a:schemeClr val="bg1">
+                    <a:lumMod val="95000"/>
+                  </a:schemeClr>
+                </a:solidFill>
+              </a:rPr>
+              <a:t>rpart</a:t>
+            </a:r>
+            <a:r>
+              <a:rPr lang="en-US" sz="2400" dirty="0" smtClean="0">
+                <a:solidFill>
+                  <a:schemeClr val="bg1">
+                    <a:lumMod val="95000"/>
+                  </a:schemeClr>
+                </a:solidFill>
+              </a:rPr>
+              <a:t> and </a:t>
+            </a:r>
+            <a:r>
+              <a:rPr lang="en-US" sz="2400" dirty="0" err="1" smtClean="0">
+                <a:solidFill>
+                  <a:schemeClr val="bg1">
+                    <a:lumMod val="95000"/>
+                  </a:schemeClr>
+                </a:solidFill>
+              </a:rPr>
+              <a:t>randomForest</a:t>
+            </a:r>
+            <a:r>
+              <a:rPr lang="en-US" sz="2400" dirty="0" smtClean="0">
+                <a:solidFill>
+                  <a:schemeClr val="bg1">
+                    <a:lumMod val="95000"/>
+                  </a:schemeClr>
+                </a:solidFill>
+              </a:rPr>
+              <a:t>?</a:t>
+            </a:r>
+            <a:endParaRPr lang="en-US" sz="2400" dirty="0">
+              <a:solidFill>
+                <a:schemeClr val="bg1">
+                  <a:lumMod val="95000"/>
+                </a:schemeClr>
+              </a:solidFill>
+            </a:endParaRPr>
+          </a:p>
+          <a:p>
+            <a:pPr marL="0" indent="0">
+              <a:buNone/>
+            </a:pPr>
+            <a:endParaRPr lang="en-US" sz="2400" dirty="0"/>
+          </a:p>
+        </p:txBody>
+      </p:sp>
+      <p:sp>
+        <p:nvSpPr>
+          <p:cNvPr id="5" name="Content Placeholder 2"/>
+          <p:cNvSpPr txBox="1">
+            <a:spLocks/>
+          </p:cNvSpPr>
+          <p:nvPr/>
+        </p:nvSpPr>
+        <p:spPr>
+          <a:xfrm>
+            <a:off x="946404" y="1828800"/>
+            <a:ext cx="6446520" cy="4351337"/>
+          </a:xfrm>
+          <a:prstGeom prst="rect">
+            <a:avLst/>
+          </a:prstGeom>
+        </p:spPr>
+        <p:txBody>
+          <a:bodyPr vert="horz" lIns="91440" tIns="45720" rIns="91440" bIns="45720" rtlCol="0">
+            <a:normAutofit/>
+          </a:bodyPr>
+          <a:lstStyle>
+            <a:lvl1pPr marL="182880" indent="-182880" algn="l" defTabSz="914400" rtl="0" eaLnBrk="1" latinLnBrk="0" hangingPunct="1">
+              <a:lnSpc>
+                <a:spcPct val="95000"/>
+              </a:lnSpc>
+              <a:spcBef>
+                <a:spcPts val="1400"/>
+              </a:spcBef>
+              <a:spcAft>
+                <a:spcPts val="200"/>
+              </a:spcAft>
+              <a:buClr>
+                <a:schemeClr val="accent1"/>
+              </a:buClr>
+              <a:buSzPct val="80000"/>
+              <a:buFont typeface="Arial" pitchFamily="34" charset="0"/>
+              <a:buChar char="•"/>
+              <a:defRPr sz="1800" kern="1200" spc="10" baseline="0">
+                <a:solidFill>
+                  <a:schemeClr val="tx1"/>
+                </a:solidFill>
+                <a:latin typeface="+mn-lt"/>
+                <a:ea typeface="+mn-ea"/>
+                <a:cs typeface="+mn-cs"/>
+              </a:defRPr>
+            </a:lvl1pPr>
+            <a:lvl2pPr marL="457200" indent="-182880" algn="l" defTabSz="914400" rtl="0" eaLnBrk="1" latinLnBrk="0" hangingPunct="1">
+              <a:lnSpc>
+                <a:spcPct val="90000"/>
+              </a:lnSpc>
+              <a:spcBef>
+                <a:spcPts val="300"/>
+              </a:spcBef>
+              <a:spcAft>
+                <a:spcPts val="300"/>
+              </a:spcAft>
+              <a:buClr>
+                <a:schemeClr val="accent1"/>
+              </a:buClr>
+              <a:buFont typeface="Wingdings 2" pitchFamily="18" charset="2"/>
+              <a:buChar char=""/>
+              <a:defRPr sz="1600" kern="1200">
+                <a:solidFill>
+                  <a:schemeClr val="tx1">
+                    <a:lumMod val="85000"/>
+                    <a:lumOff val="15000"/>
+                  </a:schemeClr>
+                </a:solidFill>
+                <a:latin typeface="+mn-lt"/>
+                <a:ea typeface="+mn-ea"/>
+                <a:cs typeface="+mn-cs"/>
+              </a:defRPr>
+            </a:lvl2pPr>
+            <a:lvl3pPr marL="731520" indent="-182880" algn="l" defTabSz="914400" rtl="0" eaLnBrk="1" latinLnBrk="0" hangingPunct="1">
+              <a:lnSpc>
+                <a:spcPct val="90000"/>
+              </a:lnSpc>
+              <a:spcBef>
+                <a:spcPts val="300"/>
+              </a:spcBef>
+              <a:spcAft>
+                <a:spcPts val="300"/>
+              </a:spcAft>
+              <a:buClr>
+                <a:schemeClr val="accent1"/>
+              </a:buClr>
+              <a:buFont typeface="Wingdings 2" pitchFamily="18" charset="2"/>
+              <a:buChar char=""/>
+              <a:defRPr sz="1400" kern="1200">
+                <a:solidFill>
+                  <a:schemeClr val="tx1">
+                    <a:lumMod val="85000"/>
+                    <a:lumOff val="15000"/>
+                  </a:schemeClr>
+                </a:solidFill>
+                <a:latin typeface="+mn-lt"/>
+                <a:ea typeface="+mn-ea"/>
+                <a:cs typeface="+mn-cs"/>
+              </a:defRPr>
+            </a:lvl3pPr>
+            <a:lvl4pPr marL="1005840" indent="-182880" algn="l" defTabSz="914400" rtl="0" eaLnBrk="1" latinLnBrk="0" hangingPunct="1">
+              <a:lnSpc>
+                <a:spcPct val="90000"/>
+              </a:lnSpc>
+              <a:spcBef>
+                <a:spcPts val="300"/>
+              </a:spcBef>
+              <a:spcAft>
+                <a:spcPts val="300"/>
+              </a:spcAft>
+              <a:buClr>
+                <a:schemeClr val="accent1"/>
+              </a:buClr>
+              <a:buFont typeface="Wingdings 2" pitchFamily="18" charset="2"/>
+              <a:buChar char=""/>
+              <a:defRPr sz="1400" kern="1200">
+                <a:solidFill>
+                  <a:schemeClr val="tx1">
+                    <a:lumMod val="85000"/>
+                    <a:lumOff val="15000"/>
+                  </a:schemeClr>
+                </a:solidFill>
+                <a:latin typeface="+mn-lt"/>
+                <a:ea typeface="+mn-ea"/>
+                <a:cs typeface="+mn-cs"/>
+              </a:defRPr>
+            </a:lvl4pPr>
+            <a:lvl5pPr marL="1280160" indent="-182880" algn="l" defTabSz="914400" rtl="0" eaLnBrk="1" latinLnBrk="0" hangingPunct="1">
+              <a:lnSpc>
+                <a:spcPct val="90000"/>
+              </a:lnSpc>
+              <a:spcBef>
+                <a:spcPts val="300"/>
+              </a:spcBef>
+              <a:spcAft>
+                <a:spcPts val="300"/>
+              </a:spcAft>
+              <a:buClr>
+                <a:schemeClr val="accent1"/>
+              </a:buClr>
+              <a:buFont typeface="Wingdings 2" pitchFamily="18" charset="2"/>
+              <a:buChar char=""/>
+              <a:defRPr sz="1400" kern="1200">
+                <a:solidFill>
+                  <a:schemeClr val="tx1">
+                    <a:lumMod val="85000"/>
+                    <a:lumOff val="15000"/>
+                  </a:schemeClr>
+                </a:solidFill>
+                <a:latin typeface="+mn-lt"/>
+                <a:ea typeface="+mn-ea"/>
+                <a:cs typeface="+mn-cs"/>
+              </a:defRPr>
+            </a:lvl5pPr>
+            <a:lvl6pPr marL="1600000" indent="-228600" algn="l" defTabSz="914400" rtl="0" eaLnBrk="1" latinLnBrk="0" hangingPunct="1">
+              <a:lnSpc>
+                <a:spcPct val="90000"/>
+              </a:lnSpc>
+              <a:spcBef>
+                <a:spcPts val="300"/>
+              </a:spcBef>
+              <a:spcAft>
+                <a:spcPts val="300"/>
+              </a:spcAft>
+              <a:buClr>
+                <a:schemeClr val="accent1"/>
+              </a:buClr>
+              <a:buFont typeface="Wingdings 2" pitchFamily="18" charset="2"/>
+              <a:buChar char=""/>
+              <a:defRPr sz="1400" kern="1200">
+                <a:solidFill>
+                  <a:schemeClr val="tx1">
+                    <a:lumMod val="85000"/>
+                    <a:lumOff val="15000"/>
+                  </a:schemeClr>
+                </a:solidFill>
+                <a:latin typeface="+mn-lt"/>
+                <a:ea typeface="+mn-ea"/>
+                <a:cs typeface="+mn-cs"/>
+              </a:defRPr>
+            </a:lvl6pPr>
+            <a:lvl7pPr marL="1900000" indent="-228600" algn="l" defTabSz="914400" rtl="0" eaLnBrk="1" latinLnBrk="0" hangingPunct="1">
+              <a:lnSpc>
+                <a:spcPct val="90000"/>
+              </a:lnSpc>
+              <a:spcBef>
+                <a:spcPts val="300"/>
+              </a:spcBef>
+              <a:spcAft>
+                <a:spcPts val="300"/>
+              </a:spcAft>
+              <a:buClr>
+                <a:schemeClr val="accent1"/>
+              </a:buClr>
+              <a:buFont typeface="Wingdings 2" pitchFamily="18" charset="2"/>
+              <a:buChar char=""/>
+              <a:defRPr sz="1400" kern="1200">
+                <a:solidFill>
+                  <a:schemeClr val="tx1">
+                    <a:lumMod val="85000"/>
+                    <a:lumOff val="15000"/>
+                  </a:schemeClr>
+                </a:solidFill>
+                <a:latin typeface="+mn-lt"/>
+                <a:ea typeface="+mn-ea"/>
+                <a:cs typeface="+mn-cs"/>
+              </a:defRPr>
+            </a:lvl7pPr>
+            <a:lvl8pPr marL="2200000" indent="-228600" algn="l" defTabSz="914400" rtl="0" eaLnBrk="1" latinLnBrk="0" hangingPunct="1">
+              <a:lnSpc>
+                <a:spcPct val="90000"/>
+              </a:lnSpc>
+              <a:spcBef>
+                <a:spcPts val="300"/>
+              </a:spcBef>
+              <a:spcAft>
+                <a:spcPts val="300"/>
+              </a:spcAft>
+              <a:buClr>
+                <a:schemeClr val="accent1"/>
+              </a:buClr>
+              <a:buFont typeface="Wingdings 2" pitchFamily="18" charset="2"/>
+              <a:buChar char=""/>
+              <a:defRPr sz="1400" kern="1200">
+                <a:solidFill>
+                  <a:schemeClr val="tx1">
+                    <a:lumMod val="85000"/>
+                    <a:lumOff val="15000"/>
+                  </a:schemeClr>
+                </a:solidFill>
+                <a:latin typeface="+mn-lt"/>
+                <a:ea typeface="+mn-ea"/>
+                <a:cs typeface="+mn-cs"/>
+              </a:defRPr>
+            </a:lvl8pPr>
+            <a:lvl9pPr marL="2500000" indent="-228600" algn="l" defTabSz="914400" rtl="0" eaLnBrk="1" latinLnBrk="0" hangingPunct="1">
+              <a:lnSpc>
+                <a:spcPct val="90000"/>
+              </a:lnSpc>
+              <a:spcBef>
+                <a:spcPts val="300"/>
+              </a:spcBef>
+              <a:spcAft>
+                <a:spcPts val="300"/>
+              </a:spcAft>
+              <a:buClr>
+                <a:schemeClr val="accent1"/>
+              </a:buClr>
+              <a:buFont typeface="Wingdings 2" pitchFamily="18" charset="2"/>
+              <a:buChar char=""/>
+              <a:defRPr sz="1400" kern="1200">
+                <a:solidFill>
+                  <a:schemeClr val="tx1">
+                    <a:lumMod val="85000"/>
+                    <a:lumOff val="15000"/>
+                  </a:schemeClr>
+                </a:solidFill>
+                <a:latin typeface="+mn-lt"/>
+                <a:ea typeface="+mn-ea"/>
+                <a:cs typeface="+mn-cs"/>
+              </a:defRPr>
+            </a:lvl9pPr>
+          </a:lstStyle>
+          <a:p>
+            <a:pPr marL="0" indent="0">
+              <a:buFont typeface="Arial" pitchFamily="34" charset="0"/>
+              <a:buNone/>
+            </a:pPr>
+            <a:r>
+              <a:rPr lang="en-US" sz="2400" dirty="0" smtClean="0">
+                <a:solidFill>
+                  <a:schemeClr val="bg1">
+                    <a:lumMod val="95000"/>
+                  </a:schemeClr>
+                </a:solidFill>
+              </a:rPr>
+              <a:t>Why is random forest often referred to as double random?</a:t>
+            </a:r>
+          </a:p>
+          <a:p>
+            <a:pPr marL="0" indent="0">
+              <a:buFont typeface="Arial" pitchFamily="34" charset="0"/>
+              <a:buNone/>
+            </a:pPr>
+            <a:r>
+              <a:rPr lang="en-US" sz="2400" dirty="0" smtClean="0"/>
+              <a:t>How does random forest perform internal validation?</a:t>
+            </a:r>
+          </a:p>
+          <a:p>
+            <a:pPr marL="0" indent="0">
+              <a:buFont typeface="Arial" pitchFamily="34" charset="0"/>
+              <a:buNone/>
+            </a:pPr>
+            <a:r>
+              <a:rPr lang="en-US" sz="2400" dirty="0" smtClean="0">
+                <a:solidFill>
+                  <a:schemeClr val="bg1">
+                    <a:lumMod val="95000"/>
+                  </a:schemeClr>
+                </a:solidFill>
+              </a:rPr>
+              <a:t>True or false – numerical and categorical data can be used in the creation of a classification tree?</a:t>
+            </a:r>
+          </a:p>
+          <a:p>
+            <a:pPr marL="0" indent="0">
+              <a:buFont typeface="Arial" pitchFamily="34" charset="0"/>
+              <a:buNone/>
+            </a:pPr>
+            <a:r>
+              <a:rPr lang="en-US" sz="2400" dirty="0" smtClean="0">
+                <a:solidFill>
+                  <a:schemeClr val="bg1">
+                    <a:lumMod val="95000"/>
+                  </a:schemeClr>
+                </a:solidFill>
+              </a:rPr>
+              <a:t>What are some differences between </a:t>
+            </a:r>
+            <a:r>
+              <a:rPr lang="en-US" sz="2400" dirty="0" err="1" smtClean="0">
+                <a:solidFill>
+                  <a:schemeClr val="bg1">
+                    <a:lumMod val="95000"/>
+                  </a:schemeClr>
+                </a:solidFill>
+              </a:rPr>
+              <a:t>rpart</a:t>
+            </a:r>
+            <a:r>
+              <a:rPr lang="en-US" sz="2400" dirty="0" smtClean="0">
+                <a:solidFill>
+                  <a:schemeClr val="bg1">
+                    <a:lumMod val="95000"/>
+                  </a:schemeClr>
+                </a:solidFill>
+              </a:rPr>
+              <a:t> and </a:t>
+            </a:r>
+            <a:r>
+              <a:rPr lang="en-US" sz="2400" dirty="0" err="1" smtClean="0">
+                <a:solidFill>
+                  <a:schemeClr val="bg1">
+                    <a:lumMod val="95000"/>
+                  </a:schemeClr>
+                </a:solidFill>
+              </a:rPr>
+              <a:t>randomForest</a:t>
+            </a:r>
+            <a:r>
+              <a:rPr lang="en-US" sz="2400" dirty="0" smtClean="0">
+                <a:solidFill>
+                  <a:schemeClr val="bg1">
+                    <a:lumMod val="95000"/>
+                  </a:schemeClr>
+                </a:solidFill>
+              </a:rPr>
+              <a:t>?</a:t>
+            </a:r>
+          </a:p>
+          <a:p>
+            <a:pPr marL="0" indent="0">
+              <a:buFont typeface="Arial" pitchFamily="34" charset="0"/>
+              <a:buNone/>
+            </a:pPr>
+            <a:endParaRPr lang="en-US" sz="2400" dirty="0">
+              <a:solidFill>
+                <a:schemeClr val="bg1">
+                  <a:lumMod val="95000"/>
+                </a:schemeClr>
+              </a:solidFill>
+            </a:endParaRPr>
+          </a:p>
+        </p:txBody>
+      </p:sp>
+      <p:sp>
+        <p:nvSpPr>
+          <p:cNvPr id="6" name="Content Placeholder 2"/>
+          <p:cNvSpPr txBox="1">
+            <a:spLocks/>
+          </p:cNvSpPr>
+          <p:nvPr/>
+        </p:nvSpPr>
+        <p:spPr>
+          <a:xfrm>
+            <a:off x="946404" y="1828800"/>
+            <a:ext cx="6446520" cy="4351337"/>
+          </a:xfrm>
+          <a:prstGeom prst="rect">
+            <a:avLst/>
+          </a:prstGeom>
+        </p:spPr>
+        <p:txBody>
+          <a:bodyPr vert="horz" lIns="91440" tIns="45720" rIns="91440" bIns="45720" rtlCol="0">
+            <a:normAutofit/>
+          </a:bodyPr>
+          <a:lstStyle>
+            <a:lvl1pPr marL="182880" indent="-182880" algn="l" defTabSz="914400" rtl="0" eaLnBrk="1" latinLnBrk="0" hangingPunct="1">
+              <a:lnSpc>
+                <a:spcPct val="95000"/>
+              </a:lnSpc>
+              <a:spcBef>
+                <a:spcPts val="1400"/>
+              </a:spcBef>
+              <a:spcAft>
+                <a:spcPts val="200"/>
+              </a:spcAft>
+              <a:buClr>
+                <a:schemeClr val="accent1"/>
+              </a:buClr>
+              <a:buSzPct val="80000"/>
+              <a:buFont typeface="Arial" pitchFamily="34" charset="0"/>
+              <a:buChar char="•"/>
+              <a:defRPr sz="1800" kern="1200" spc="10" baseline="0">
+                <a:solidFill>
+                  <a:schemeClr val="tx1"/>
+                </a:solidFill>
+                <a:latin typeface="+mn-lt"/>
+                <a:ea typeface="+mn-ea"/>
+                <a:cs typeface="+mn-cs"/>
+              </a:defRPr>
+            </a:lvl1pPr>
+            <a:lvl2pPr marL="457200" indent="-182880" algn="l" defTabSz="914400" rtl="0" eaLnBrk="1" latinLnBrk="0" hangingPunct="1">
+              <a:lnSpc>
+                <a:spcPct val="90000"/>
+              </a:lnSpc>
+              <a:spcBef>
+                <a:spcPts val="300"/>
+              </a:spcBef>
+              <a:spcAft>
+                <a:spcPts val="300"/>
+              </a:spcAft>
+              <a:buClr>
+                <a:schemeClr val="accent1"/>
+              </a:buClr>
+              <a:buFont typeface="Wingdings 2" pitchFamily="18" charset="2"/>
+              <a:buChar char=""/>
+              <a:defRPr sz="1600" kern="1200">
+                <a:solidFill>
+                  <a:schemeClr val="tx1">
+                    <a:lumMod val="85000"/>
+                    <a:lumOff val="15000"/>
+                  </a:schemeClr>
+                </a:solidFill>
+                <a:latin typeface="+mn-lt"/>
+                <a:ea typeface="+mn-ea"/>
+                <a:cs typeface="+mn-cs"/>
+              </a:defRPr>
+            </a:lvl2pPr>
+            <a:lvl3pPr marL="731520" indent="-182880" algn="l" defTabSz="914400" rtl="0" eaLnBrk="1" latinLnBrk="0" hangingPunct="1">
+              <a:lnSpc>
+                <a:spcPct val="90000"/>
+              </a:lnSpc>
+              <a:spcBef>
+                <a:spcPts val="300"/>
+              </a:spcBef>
+              <a:spcAft>
+                <a:spcPts val="300"/>
+              </a:spcAft>
+              <a:buClr>
+                <a:schemeClr val="accent1"/>
+              </a:buClr>
+              <a:buFont typeface="Wingdings 2" pitchFamily="18" charset="2"/>
+              <a:buChar char=""/>
+              <a:defRPr sz="1400" kern="1200">
+                <a:solidFill>
+                  <a:schemeClr val="tx1">
+                    <a:lumMod val="85000"/>
+                    <a:lumOff val="15000"/>
+                  </a:schemeClr>
+                </a:solidFill>
+                <a:latin typeface="+mn-lt"/>
+                <a:ea typeface="+mn-ea"/>
+                <a:cs typeface="+mn-cs"/>
+              </a:defRPr>
+            </a:lvl3pPr>
+            <a:lvl4pPr marL="1005840" indent="-182880" algn="l" defTabSz="914400" rtl="0" eaLnBrk="1" latinLnBrk="0" hangingPunct="1">
+              <a:lnSpc>
+                <a:spcPct val="90000"/>
+              </a:lnSpc>
+              <a:spcBef>
+                <a:spcPts val="300"/>
+              </a:spcBef>
+              <a:spcAft>
+                <a:spcPts val="300"/>
+              </a:spcAft>
+              <a:buClr>
+                <a:schemeClr val="accent1"/>
+              </a:buClr>
+              <a:buFont typeface="Wingdings 2" pitchFamily="18" charset="2"/>
+              <a:buChar char=""/>
+              <a:defRPr sz="1400" kern="1200">
+                <a:solidFill>
+                  <a:schemeClr val="tx1">
+                    <a:lumMod val="85000"/>
+                    <a:lumOff val="15000"/>
+                  </a:schemeClr>
+                </a:solidFill>
+                <a:latin typeface="+mn-lt"/>
+                <a:ea typeface="+mn-ea"/>
+                <a:cs typeface="+mn-cs"/>
+              </a:defRPr>
+            </a:lvl4pPr>
+            <a:lvl5pPr marL="1280160" indent="-182880" algn="l" defTabSz="914400" rtl="0" eaLnBrk="1" latinLnBrk="0" hangingPunct="1">
+              <a:lnSpc>
+                <a:spcPct val="90000"/>
+              </a:lnSpc>
+              <a:spcBef>
+                <a:spcPts val="300"/>
+              </a:spcBef>
+              <a:spcAft>
+                <a:spcPts val="300"/>
+              </a:spcAft>
+              <a:buClr>
+                <a:schemeClr val="accent1"/>
+              </a:buClr>
+              <a:buFont typeface="Wingdings 2" pitchFamily="18" charset="2"/>
+              <a:buChar char=""/>
+              <a:defRPr sz="1400" kern="1200">
+                <a:solidFill>
+                  <a:schemeClr val="tx1">
+                    <a:lumMod val="85000"/>
+                    <a:lumOff val="15000"/>
+                  </a:schemeClr>
+                </a:solidFill>
+                <a:latin typeface="+mn-lt"/>
+                <a:ea typeface="+mn-ea"/>
+                <a:cs typeface="+mn-cs"/>
+              </a:defRPr>
+            </a:lvl5pPr>
+            <a:lvl6pPr marL="1600000" indent="-228600" algn="l" defTabSz="914400" rtl="0" eaLnBrk="1" latinLnBrk="0" hangingPunct="1">
+              <a:lnSpc>
+                <a:spcPct val="90000"/>
+              </a:lnSpc>
+              <a:spcBef>
+                <a:spcPts val="300"/>
+              </a:spcBef>
+              <a:spcAft>
+                <a:spcPts val="300"/>
+              </a:spcAft>
+              <a:buClr>
+                <a:schemeClr val="accent1"/>
+              </a:buClr>
+              <a:buFont typeface="Wingdings 2" pitchFamily="18" charset="2"/>
+              <a:buChar char=""/>
+              <a:defRPr sz="1400" kern="1200">
+                <a:solidFill>
+                  <a:schemeClr val="tx1">
+                    <a:lumMod val="85000"/>
+                    <a:lumOff val="15000"/>
+                  </a:schemeClr>
+                </a:solidFill>
+                <a:latin typeface="+mn-lt"/>
+                <a:ea typeface="+mn-ea"/>
+                <a:cs typeface="+mn-cs"/>
+              </a:defRPr>
+            </a:lvl6pPr>
+            <a:lvl7pPr marL="1900000" indent="-228600" algn="l" defTabSz="914400" rtl="0" eaLnBrk="1" latinLnBrk="0" hangingPunct="1">
+              <a:lnSpc>
+                <a:spcPct val="90000"/>
+              </a:lnSpc>
+              <a:spcBef>
+                <a:spcPts val="300"/>
+              </a:spcBef>
+              <a:spcAft>
+                <a:spcPts val="300"/>
+              </a:spcAft>
+              <a:buClr>
+                <a:schemeClr val="accent1"/>
+              </a:buClr>
+              <a:buFont typeface="Wingdings 2" pitchFamily="18" charset="2"/>
+              <a:buChar char=""/>
+              <a:defRPr sz="1400" kern="1200">
+                <a:solidFill>
+                  <a:schemeClr val="tx1">
+                    <a:lumMod val="85000"/>
+                    <a:lumOff val="15000"/>
+                  </a:schemeClr>
+                </a:solidFill>
+                <a:latin typeface="+mn-lt"/>
+                <a:ea typeface="+mn-ea"/>
+                <a:cs typeface="+mn-cs"/>
+              </a:defRPr>
+            </a:lvl7pPr>
+            <a:lvl8pPr marL="2200000" indent="-228600" algn="l" defTabSz="914400" rtl="0" eaLnBrk="1" latinLnBrk="0" hangingPunct="1">
+              <a:lnSpc>
+                <a:spcPct val="90000"/>
+              </a:lnSpc>
+              <a:spcBef>
+                <a:spcPts val="300"/>
+              </a:spcBef>
+              <a:spcAft>
+                <a:spcPts val="300"/>
+              </a:spcAft>
+              <a:buClr>
+                <a:schemeClr val="accent1"/>
+              </a:buClr>
+              <a:buFont typeface="Wingdings 2" pitchFamily="18" charset="2"/>
+              <a:buChar char=""/>
+              <a:defRPr sz="1400" kern="1200">
+                <a:solidFill>
+                  <a:schemeClr val="tx1">
+                    <a:lumMod val="85000"/>
+                    <a:lumOff val="15000"/>
+                  </a:schemeClr>
+                </a:solidFill>
+                <a:latin typeface="+mn-lt"/>
+                <a:ea typeface="+mn-ea"/>
+                <a:cs typeface="+mn-cs"/>
+              </a:defRPr>
+            </a:lvl8pPr>
+            <a:lvl9pPr marL="2500000" indent="-228600" algn="l" defTabSz="914400" rtl="0" eaLnBrk="1" latinLnBrk="0" hangingPunct="1">
+              <a:lnSpc>
+                <a:spcPct val="90000"/>
+              </a:lnSpc>
+              <a:spcBef>
+                <a:spcPts val="300"/>
+              </a:spcBef>
+              <a:spcAft>
+                <a:spcPts val="300"/>
+              </a:spcAft>
+              <a:buClr>
+                <a:schemeClr val="accent1"/>
+              </a:buClr>
+              <a:buFont typeface="Wingdings 2" pitchFamily="18" charset="2"/>
+              <a:buChar char=""/>
+              <a:defRPr sz="1400" kern="1200">
+                <a:solidFill>
+                  <a:schemeClr val="tx1">
+                    <a:lumMod val="85000"/>
+                    <a:lumOff val="15000"/>
+                  </a:schemeClr>
+                </a:solidFill>
+                <a:latin typeface="+mn-lt"/>
+                <a:ea typeface="+mn-ea"/>
+                <a:cs typeface="+mn-cs"/>
+              </a:defRPr>
+            </a:lvl9pPr>
+          </a:lstStyle>
+          <a:p>
+            <a:pPr marL="0" indent="0">
+              <a:buFont typeface="Arial" pitchFamily="34" charset="0"/>
+              <a:buNone/>
+            </a:pPr>
+            <a:r>
+              <a:rPr lang="en-US" sz="2400" dirty="0" smtClean="0">
+                <a:solidFill>
+                  <a:schemeClr val="bg1">
+                    <a:lumMod val="95000"/>
+                  </a:schemeClr>
+                </a:solidFill>
+              </a:rPr>
+              <a:t>Why is random forest often referred to as double random?</a:t>
+            </a:r>
+          </a:p>
+          <a:p>
+            <a:pPr marL="0" indent="0">
+              <a:buFont typeface="Arial" pitchFamily="34" charset="0"/>
+              <a:buNone/>
+            </a:pPr>
+            <a:r>
+              <a:rPr lang="en-US" sz="2400" dirty="0" smtClean="0">
+                <a:solidFill>
+                  <a:schemeClr val="bg1">
+                    <a:lumMod val="95000"/>
+                  </a:schemeClr>
+                </a:solidFill>
+              </a:rPr>
+              <a:t>How does random forest perform internal validation?</a:t>
+            </a:r>
+          </a:p>
+          <a:p>
+            <a:pPr marL="0" indent="0">
+              <a:buFont typeface="Arial" pitchFamily="34" charset="0"/>
+              <a:buNone/>
+            </a:pPr>
+            <a:r>
+              <a:rPr lang="en-US" sz="2400" dirty="0" smtClean="0"/>
+              <a:t>True or false – numerical and categorical data can be used in the creation of a classification tree?</a:t>
+            </a:r>
+          </a:p>
+          <a:p>
+            <a:pPr marL="0" indent="0">
+              <a:buFont typeface="Arial" pitchFamily="34" charset="0"/>
+              <a:buNone/>
+            </a:pPr>
+            <a:r>
+              <a:rPr lang="en-US" sz="2400" dirty="0" smtClean="0">
+                <a:solidFill>
+                  <a:schemeClr val="bg1">
+                    <a:lumMod val="95000"/>
+                  </a:schemeClr>
+                </a:solidFill>
+              </a:rPr>
+              <a:t>What are some differences between </a:t>
+            </a:r>
+            <a:r>
+              <a:rPr lang="en-US" sz="2400" dirty="0" err="1" smtClean="0">
+                <a:solidFill>
+                  <a:schemeClr val="bg1">
+                    <a:lumMod val="95000"/>
+                  </a:schemeClr>
+                </a:solidFill>
+              </a:rPr>
+              <a:t>rpart</a:t>
+            </a:r>
+            <a:r>
+              <a:rPr lang="en-US" sz="2400" dirty="0" smtClean="0">
+                <a:solidFill>
+                  <a:schemeClr val="bg1">
+                    <a:lumMod val="95000"/>
+                  </a:schemeClr>
+                </a:solidFill>
+              </a:rPr>
+              <a:t> and </a:t>
+            </a:r>
+            <a:r>
+              <a:rPr lang="en-US" sz="2400" dirty="0" err="1" smtClean="0">
+                <a:solidFill>
+                  <a:schemeClr val="bg1">
+                    <a:lumMod val="95000"/>
+                  </a:schemeClr>
+                </a:solidFill>
+              </a:rPr>
+              <a:t>randomForest</a:t>
+            </a:r>
+            <a:r>
+              <a:rPr lang="en-US" sz="2400" dirty="0" smtClean="0">
+                <a:solidFill>
+                  <a:schemeClr val="bg1">
+                    <a:lumMod val="95000"/>
+                  </a:schemeClr>
+                </a:solidFill>
+              </a:rPr>
+              <a:t>?</a:t>
+            </a:r>
+          </a:p>
+          <a:p>
+            <a:pPr marL="0" indent="0">
+              <a:buFont typeface="Arial" pitchFamily="34" charset="0"/>
+              <a:buNone/>
+            </a:pPr>
+            <a:endParaRPr lang="en-US" sz="2400" dirty="0"/>
+          </a:p>
+        </p:txBody>
+      </p:sp>
+      <p:sp>
+        <p:nvSpPr>
+          <p:cNvPr id="4" name="Content Placeholder 2"/>
+          <p:cNvSpPr txBox="1">
+            <a:spLocks/>
+          </p:cNvSpPr>
+          <p:nvPr/>
+        </p:nvSpPr>
+        <p:spPr>
+          <a:xfrm>
+            <a:off x="946404" y="1828800"/>
+            <a:ext cx="6446520" cy="4351337"/>
+          </a:xfrm>
+          <a:prstGeom prst="rect">
+            <a:avLst/>
+          </a:prstGeom>
+        </p:spPr>
+        <p:txBody>
+          <a:bodyPr vert="horz" lIns="91440" tIns="45720" rIns="91440" bIns="45720" rtlCol="0">
+            <a:normAutofit/>
+          </a:bodyPr>
+          <a:lstStyle>
+            <a:lvl1pPr marL="182880" indent="-182880" algn="l" defTabSz="914400" rtl="0" eaLnBrk="1" latinLnBrk="0" hangingPunct="1">
+              <a:lnSpc>
+                <a:spcPct val="95000"/>
+              </a:lnSpc>
+              <a:spcBef>
+                <a:spcPts val="1400"/>
+              </a:spcBef>
+              <a:spcAft>
+                <a:spcPts val="200"/>
+              </a:spcAft>
+              <a:buClr>
+                <a:schemeClr val="accent1"/>
+              </a:buClr>
+              <a:buSzPct val="80000"/>
+              <a:buFont typeface="Arial" pitchFamily="34" charset="0"/>
+              <a:buChar char="•"/>
+              <a:defRPr sz="1800" kern="1200" spc="10" baseline="0">
+                <a:solidFill>
+                  <a:schemeClr val="tx1"/>
+                </a:solidFill>
+                <a:latin typeface="+mn-lt"/>
+                <a:ea typeface="+mn-ea"/>
+                <a:cs typeface="+mn-cs"/>
+              </a:defRPr>
+            </a:lvl1pPr>
+            <a:lvl2pPr marL="457200" indent="-182880" algn="l" defTabSz="914400" rtl="0" eaLnBrk="1" latinLnBrk="0" hangingPunct="1">
+              <a:lnSpc>
+                <a:spcPct val="90000"/>
+              </a:lnSpc>
+              <a:spcBef>
+                <a:spcPts val="300"/>
+              </a:spcBef>
+              <a:spcAft>
+                <a:spcPts val="300"/>
+              </a:spcAft>
+              <a:buClr>
+                <a:schemeClr val="accent1"/>
+              </a:buClr>
+              <a:buFont typeface="Wingdings 2" pitchFamily="18" charset="2"/>
+              <a:buChar char=""/>
+              <a:defRPr sz="1600" kern="1200">
+                <a:solidFill>
+                  <a:schemeClr val="tx1">
+                    <a:lumMod val="85000"/>
+                    <a:lumOff val="15000"/>
+                  </a:schemeClr>
+                </a:solidFill>
+                <a:latin typeface="+mn-lt"/>
+                <a:ea typeface="+mn-ea"/>
+                <a:cs typeface="+mn-cs"/>
+              </a:defRPr>
+            </a:lvl2pPr>
+            <a:lvl3pPr marL="731520" indent="-182880" algn="l" defTabSz="914400" rtl="0" eaLnBrk="1" latinLnBrk="0" hangingPunct="1">
+              <a:lnSpc>
+                <a:spcPct val="90000"/>
+              </a:lnSpc>
+              <a:spcBef>
+                <a:spcPts val="300"/>
+              </a:spcBef>
+              <a:spcAft>
+                <a:spcPts val="300"/>
+              </a:spcAft>
+              <a:buClr>
+                <a:schemeClr val="accent1"/>
+              </a:buClr>
+              <a:buFont typeface="Wingdings 2" pitchFamily="18" charset="2"/>
+              <a:buChar char=""/>
+              <a:defRPr sz="1400" kern="1200">
+                <a:solidFill>
+                  <a:schemeClr val="tx1">
+                    <a:lumMod val="85000"/>
+                    <a:lumOff val="15000"/>
+                  </a:schemeClr>
+                </a:solidFill>
+                <a:latin typeface="+mn-lt"/>
+                <a:ea typeface="+mn-ea"/>
+                <a:cs typeface="+mn-cs"/>
+              </a:defRPr>
+            </a:lvl3pPr>
+            <a:lvl4pPr marL="1005840" indent="-182880" algn="l" defTabSz="914400" rtl="0" eaLnBrk="1" latinLnBrk="0" hangingPunct="1">
+              <a:lnSpc>
+                <a:spcPct val="90000"/>
+              </a:lnSpc>
+              <a:spcBef>
+                <a:spcPts val="300"/>
+              </a:spcBef>
+              <a:spcAft>
+                <a:spcPts val="300"/>
+              </a:spcAft>
+              <a:buClr>
+                <a:schemeClr val="accent1"/>
+              </a:buClr>
+              <a:buFont typeface="Wingdings 2" pitchFamily="18" charset="2"/>
+              <a:buChar char=""/>
+              <a:defRPr sz="1400" kern="1200">
+                <a:solidFill>
+                  <a:schemeClr val="tx1">
+                    <a:lumMod val="85000"/>
+                    <a:lumOff val="15000"/>
+                  </a:schemeClr>
+                </a:solidFill>
+                <a:latin typeface="+mn-lt"/>
+                <a:ea typeface="+mn-ea"/>
+                <a:cs typeface="+mn-cs"/>
+              </a:defRPr>
+            </a:lvl4pPr>
+            <a:lvl5pPr marL="1280160" indent="-182880" algn="l" defTabSz="914400" rtl="0" eaLnBrk="1" latinLnBrk="0" hangingPunct="1">
+              <a:lnSpc>
+                <a:spcPct val="90000"/>
+              </a:lnSpc>
+              <a:spcBef>
+                <a:spcPts val="300"/>
+              </a:spcBef>
+              <a:spcAft>
+                <a:spcPts val="300"/>
+              </a:spcAft>
+              <a:buClr>
+                <a:schemeClr val="accent1"/>
+              </a:buClr>
+              <a:buFont typeface="Wingdings 2" pitchFamily="18" charset="2"/>
+              <a:buChar char=""/>
+              <a:defRPr sz="1400" kern="1200">
+                <a:solidFill>
+                  <a:schemeClr val="tx1">
+                    <a:lumMod val="85000"/>
+                    <a:lumOff val="15000"/>
+                  </a:schemeClr>
+                </a:solidFill>
+                <a:latin typeface="+mn-lt"/>
+                <a:ea typeface="+mn-ea"/>
+                <a:cs typeface="+mn-cs"/>
+              </a:defRPr>
+            </a:lvl5pPr>
+            <a:lvl6pPr marL="1600000" indent="-228600" algn="l" defTabSz="914400" rtl="0" eaLnBrk="1" latinLnBrk="0" hangingPunct="1">
+              <a:lnSpc>
+                <a:spcPct val="90000"/>
+              </a:lnSpc>
+              <a:spcBef>
+                <a:spcPts val="300"/>
+              </a:spcBef>
+              <a:spcAft>
+                <a:spcPts val="300"/>
+              </a:spcAft>
+              <a:buClr>
+                <a:schemeClr val="accent1"/>
+              </a:buClr>
+              <a:buFont typeface="Wingdings 2" pitchFamily="18" charset="2"/>
+              <a:buChar char=""/>
+              <a:defRPr sz="1400" kern="1200">
+                <a:solidFill>
+                  <a:schemeClr val="tx1">
+                    <a:lumMod val="85000"/>
+                    <a:lumOff val="15000"/>
+                  </a:schemeClr>
+                </a:solidFill>
+                <a:latin typeface="+mn-lt"/>
+                <a:ea typeface="+mn-ea"/>
+                <a:cs typeface="+mn-cs"/>
+              </a:defRPr>
+            </a:lvl6pPr>
+            <a:lvl7pPr marL="1900000" indent="-228600" algn="l" defTabSz="914400" rtl="0" eaLnBrk="1" latinLnBrk="0" hangingPunct="1">
+              <a:lnSpc>
+                <a:spcPct val="90000"/>
+              </a:lnSpc>
+              <a:spcBef>
+                <a:spcPts val="300"/>
+              </a:spcBef>
+              <a:spcAft>
+                <a:spcPts val="300"/>
+              </a:spcAft>
+              <a:buClr>
+                <a:schemeClr val="accent1"/>
+              </a:buClr>
+              <a:buFont typeface="Wingdings 2" pitchFamily="18" charset="2"/>
+              <a:buChar char=""/>
+              <a:defRPr sz="1400" kern="1200">
+                <a:solidFill>
+                  <a:schemeClr val="tx1">
+                    <a:lumMod val="85000"/>
+                    <a:lumOff val="15000"/>
+                  </a:schemeClr>
+                </a:solidFill>
+                <a:latin typeface="+mn-lt"/>
+                <a:ea typeface="+mn-ea"/>
+                <a:cs typeface="+mn-cs"/>
+              </a:defRPr>
+            </a:lvl7pPr>
+            <a:lvl8pPr marL="2200000" indent="-228600" algn="l" defTabSz="914400" rtl="0" eaLnBrk="1" latinLnBrk="0" hangingPunct="1">
+              <a:lnSpc>
+                <a:spcPct val="90000"/>
+              </a:lnSpc>
+              <a:spcBef>
+                <a:spcPts val="300"/>
+              </a:spcBef>
+              <a:spcAft>
+                <a:spcPts val="300"/>
+              </a:spcAft>
+              <a:buClr>
+                <a:schemeClr val="accent1"/>
+              </a:buClr>
+              <a:buFont typeface="Wingdings 2" pitchFamily="18" charset="2"/>
+              <a:buChar char=""/>
+              <a:defRPr sz="1400" kern="1200">
+                <a:solidFill>
+                  <a:schemeClr val="tx1">
+                    <a:lumMod val="85000"/>
+                    <a:lumOff val="15000"/>
+                  </a:schemeClr>
+                </a:solidFill>
+                <a:latin typeface="+mn-lt"/>
+                <a:ea typeface="+mn-ea"/>
+                <a:cs typeface="+mn-cs"/>
+              </a:defRPr>
+            </a:lvl8pPr>
+            <a:lvl9pPr marL="2500000" indent="-228600" algn="l" defTabSz="914400" rtl="0" eaLnBrk="1" latinLnBrk="0" hangingPunct="1">
+              <a:lnSpc>
+                <a:spcPct val="90000"/>
+              </a:lnSpc>
+              <a:spcBef>
+                <a:spcPts val="300"/>
+              </a:spcBef>
+              <a:spcAft>
+                <a:spcPts val="300"/>
+              </a:spcAft>
+              <a:buClr>
+                <a:schemeClr val="accent1"/>
+              </a:buClr>
+              <a:buFont typeface="Wingdings 2" pitchFamily="18" charset="2"/>
+              <a:buChar char=""/>
+              <a:defRPr sz="1400" kern="1200">
+                <a:solidFill>
+                  <a:schemeClr val="tx1">
+                    <a:lumMod val="85000"/>
+                    <a:lumOff val="15000"/>
+                  </a:schemeClr>
+                </a:solidFill>
+                <a:latin typeface="+mn-lt"/>
+                <a:ea typeface="+mn-ea"/>
+                <a:cs typeface="+mn-cs"/>
+              </a:defRPr>
+            </a:lvl9pPr>
+          </a:lstStyle>
+          <a:p>
+            <a:pPr marL="0" indent="0">
+              <a:buFont typeface="Arial" pitchFamily="34" charset="0"/>
+              <a:buNone/>
+            </a:pPr>
+            <a:r>
+              <a:rPr lang="en-US" sz="2400" dirty="0" smtClean="0">
+                <a:solidFill>
+                  <a:schemeClr val="bg1">
+                    <a:lumMod val="95000"/>
+                  </a:schemeClr>
+                </a:solidFill>
+              </a:rPr>
+              <a:t>Why is random forest often referred to as double random?</a:t>
+            </a:r>
+          </a:p>
+          <a:p>
+            <a:pPr marL="0" indent="0">
+              <a:buFont typeface="Arial" pitchFamily="34" charset="0"/>
+              <a:buNone/>
+            </a:pPr>
+            <a:r>
+              <a:rPr lang="en-US" sz="2400" dirty="0" smtClean="0">
+                <a:solidFill>
+                  <a:schemeClr val="bg1">
+                    <a:lumMod val="95000"/>
+                  </a:schemeClr>
+                </a:solidFill>
+              </a:rPr>
+              <a:t>How does random forest perform internal validation?</a:t>
+            </a:r>
+          </a:p>
+          <a:p>
+            <a:pPr marL="0" indent="0">
+              <a:buFont typeface="Arial" pitchFamily="34" charset="0"/>
+              <a:buNone/>
+            </a:pPr>
+            <a:r>
+              <a:rPr lang="en-US" sz="2400" dirty="0" smtClean="0">
+                <a:solidFill>
+                  <a:schemeClr val="bg1">
+                    <a:lumMod val="95000"/>
+                  </a:schemeClr>
+                </a:solidFill>
+              </a:rPr>
+              <a:t>True or false – numerical and categorical data can be used in the creation of a classification tree?</a:t>
+            </a:r>
+          </a:p>
+          <a:p>
+            <a:pPr marL="0" indent="0">
+              <a:buFont typeface="Arial" pitchFamily="34" charset="0"/>
+              <a:buNone/>
+            </a:pPr>
+            <a:r>
+              <a:rPr lang="en-US" sz="2400" dirty="0" smtClean="0"/>
+              <a:t>What are some differences between </a:t>
+            </a:r>
+            <a:r>
+              <a:rPr lang="en-US" sz="2400" dirty="0" err="1" smtClean="0"/>
+              <a:t>rpart</a:t>
+            </a:r>
+            <a:r>
+              <a:rPr lang="en-US" sz="2400" dirty="0" smtClean="0"/>
+              <a:t> and </a:t>
+            </a:r>
+            <a:r>
+              <a:rPr lang="en-US" sz="2400" dirty="0" err="1" smtClean="0"/>
+              <a:t>randomForest</a:t>
+            </a:r>
+            <a:r>
+              <a:rPr lang="en-US" sz="2400" dirty="0" smtClean="0"/>
+              <a:t>?</a:t>
+            </a:r>
+          </a:p>
+          <a:p>
+            <a:pPr marL="0" indent="0">
+              <a:buFont typeface="Arial" pitchFamily="34" charset="0"/>
+              <a:buNone/>
+            </a:pPr>
+            <a:endParaRPr lang="en-US" sz="2400" dirty="0"/>
+          </a:p>
+        </p:txBody>
+      </p:sp>
+    </p:spTree>
+    <p:extLst>
+      <p:ext uri="{BB962C8B-B14F-4D97-AF65-F5344CB8AC3E}">
+        <p14:creationId xmlns:p14="http://schemas.microsoft.com/office/powerpoint/2010/main" val="972207399"/>
+      </p:ext>
+    </p:extLst>
+  </p:cSld>
+  <p:clrMapOvr>
+    <a:masterClrMapping/>
+  </p:clrMapOvr>
+  <p:timing>
+    <p:tnLst>
+      <p:par>
+        <p:cTn id="1" dur="indefinite" restart="never" nodeType="tmRoot">
+          <p:childTnLst>
+            <p:seq concurrent="1" nextAc="seek">
+              <p:cTn id="2" dur="indefinite" nodeType="mainSeq">
+                <p:childTnLst>
+                  <p:par>
+                    <p:cTn id="3" fill="hold">
+                      <p:stCondLst>
+                        <p:cond delay="indefinite"/>
+                      </p:stCondLst>
+                      <p:childTnLst>
+                        <p:par>
+                          <p:cTn id="4" fill="hold">
+                            <p:stCondLst>
+                              <p:cond delay="0"/>
+                            </p:stCondLst>
+                            <p:childTnLst>
+                              <p:par>
+                                <p:cTn id="5" presetID="10" presetClass="entr" presetSubtype="0" fill="hold" grpId="0" nodeType="clickEffect">
+                                  <p:stCondLst>
+                                    <p:cond delay="0"/>
+                                  </p:stCondLst>
+                                  <p:childTnLst>
+                                    <p:set>
+                                      <p:cBhvr>
+                                        <p:cTn id="6" dur="1" fill="hold">
+                                          <p:stCondLst>
+                                            <p:cond delay="0"/>
+                                          </p:stCondLst>
+                                        </p:cTn>
+                                        <p:tgtEl>
+                                          <p:spTgt spid="5"/>
+                                        </p:tgtEl>
+                                        <p:attrNameLst>
+                                          <p:attrName>style.visibility</p:attrName>
+                                        </p:attrNameLst>
+                                      </p:cBhvr>
+                                      <p:to>
+                                        <p:strVal val="visible"/>
+                                      </p:to>
+                                    </p:set>
+                                    <p:animEffect transition="in" filter="fade">
+                                      <p:cBhvr>
+                                        <p:cTn id="7" dur="500"/>
+                                        <p:tgtEl>
+                                          <p:spTgt spid="5"/>
+                                        </p:tgtEl>
+                                      </p:cBhvr>
+                                    </p:animEffect>
+                                  </p:childTnLst>
+                                </p:cTn>
+                              </p:par>
+                            </p:childTnLst>
+                          </p:cTn>
+                        </p:par>
+                      </p:childTnLst>
+                    </p:cTn>
+                  </p:par>
+                  <p:par>
+                    <p:cTn id="8" fill="hold">
+                      <p:stCondLst>
+                        <p:cond delay="indefinite"/>
+                      </p:stCondLst>
+                      <p:childTnLst>
+                        <p:par>
+                          <p:cTn id="9" fill="hold">
+                            <p:stCondLst>
+                              <p:cond delay="0"/>
+                            </p:stCondLst>
+                            <p:childTnLst>
+                              <p:par>
+                                <p:cTn id="10" presetID="10" presetClass="entr" presetSubtype="0" fill="hold" grpId="0" nodeType="clickEffect">
+                                  <p:stCondLst>
+                                    <p:cond delay="0"/>
+                                  </p:stCondLst>
+                                  <p:childTnLst>
+                                    <p:set>
+                                      <p:cBhvr>
+                                        <p:cTn id="11" dur="1" fill="hold">
+                                          <p:stCondLst>
+                                            <p:cond delay="0"/>
+                                          </p:stCondLst>
+                                        </p:cTn>
+                                        <p:tgtEl>
+                                          <p:spTgt spid="6"/>
+                                        </p:tgtEl>
+                                        <p:attrNameLst>
+                                          <p:attrName>style.visibility</p:attrName>
+                                        </p:attrNameLst>
+                                      </p:cBhvr>
+                                      <p:to>
+                                        <p:strVal val="visible"/>
+                                      </p:to>
+                                    </p:set>
+                                    <p:animEffect transition="in" filter="fade">
+                                      <p:cBhvr>
+                                        <p:cTn id="12" dur="500"/>
+                                        <p:tgtEl>
+                                          <p:spTgt spid="6"/>
+                                        </p:tgtEl>
+                                      </p:cBhvr>
+                                    </p:animEffect>
+                                  </p:childTnLst>
+                                </p:cTn>
+                              </p:par>
+                            </p:childTnLst>
+                          </p:cTn>
+                        </p:par>
+                      </p:childTnLst>
+                    </p:cTn>
+                  </p:par>
+                  <p:par>
+                    <p:cTn id="13" fill="hold">
+                      <p:stCondLst>
+                        <p:cond delay="indefinite"/>
+                      </p:stCondLst>
+                      <p:childTnLst>
+                        <p:par>
+                          <p:cTn id="14" fill="hold">
+                            <p:stCondLst>
+                              <p:cond delay="0"/>
+                            </p:stCondLst>
+                            <p:childTnLst>
+                              <p:par>
+                                <p:cTn id="15" presetID="10" presetClass="entr" presetSubtype="0" fill="hold" grpId="0" nodeType="clickEffect">
+                                  <p:stCondLst>
+                                    <p:cond delay="0"/>
+                                  </p:stCondLst>
+                                  <p:childTnLst>
+                                    <p:set>
+                                      <p:cBhvr>
+                                        <p:cTn id="16" dur="1" fill="hold">
+                                          <p:stCondLst>
+                                            <p:cond delay="0"/>
+                                          </p:stCondLst>
+                                        </p:cTn>
+                                        <p:tgtEl>
+                                          <p:spTgt spid="4"/>
+                                        </p:tgtEl>
+                                        <p:attrNameLst>
+                                          <p:attrName>style.visibility</p:attrName>
+                                        </p:attrNameLst>
+                                      </p:cBhvr>
+                                      <p:to>
+                                        <p:strVal val="visible"/>
+                                      </p:to>
+                                    </p:set>
+                                    <p:animEffect transition="in" filter="fade">
+                                      <p:cBhvr>
+                                        <p:cTn id="17" dur="500"/>
+                                        <p:tgtEl>
+                                          <p:spTgt spid="4"/>
+                                        </p:tgtEl>
+                                      </p:cBhvr>
+                                    </p:animEffect>
+                                  </p:childTnLst>
+                                </p:cTn>
+                              </p:par>
+                            </p:childTnLst>
+                          </p:cTn>
+                        </p:par>
+                      </p:childTnLst>
+                    </p:cTn>
+                  </p:par>
+                </p:childTnLst>
+              </p:cTn>
+              <p:prevCondLst>
+                <p:cond evt="onPrev" delay="0">
+                  <p:tgtEl>
+                    <p:sldTgt/>
+                  </p:tgtEl>
+                </p:cond>
+              </p:prevCondLst>
+              <p:nextCondLst>
+                <p:cond evt="onNext" delay="0">
+                  <p:tgtEl>
+                    <p:sldTgt/>
+                  </p:tgtEl>
+                </p:cond>
+              </p:nextCondLst>
+            </p:seq>
+          </p:childTnLst>
+        </p:cTn>
+      </p:par>
+    </p:tnLst>
+    <p:bldLst>
+      <p:bldP spid="5" grpId="0"/>
+      <p:bldP spid="6" grpId="0"/>
+      <p:bldP spid="4" grpId="0"/>
+    </p:bldLst>
   </p:timing>
 </p:sld>
 </file>
@@ -10891,6 +12289,13 @@
   <p:clrMapOvr>
     <a:masterClrMapping/>
   </p:clrMapOvr>
+  <p:timing>
+    <p:tnLst>
+      <p:par>
+        <p:cTn id="1" dur="indefinite" restart="never" nodeType="tmRoot"/>
+      </p:par>
+    </p:tnLst>
+  </p:timing>
 </p:sld>
 </file>
 

--- a/presentations/tree_models/Tree_models.pptx
+++ b/presentations/tree_models/Tree_models.pptx
@@ -8687,7 +8687,7 @@
           <a:p>
             <a:r>
               <a:rPr lang="en-US" dirty="0" smtClean="0"/>
-              <a:t>Omission Error</a:t>
+              <a:t>Producer’s Accuracy</a:t>
             </a:r>
             <a:endParaRPr lang="en-US" dirty="0"/>
           </a:p>
@@ -8834,7 +8834,7 @@
           <a:p>
             <a:r>
               <a:rPr lang="en-US" dirty="0" smtClean="0"/>
-              <a:t>Commission Error</a:t>
+              <a:t>User’s Accuracy</a:t>
             </a:r>
             <a:endParaRPr lang="en-US" dirty="0"/>
           </a:p>
